--- a/03-iostream/00-iostream.pptx
+++ b/03-iostream/00-iostream.pptx
@@ -7,12 +7,12 @@
   <p:sldIdLst>
     <p:sldId id="258" r:id="rId2"/>
     <p:sldId id="259" r:id="rId3"/>
-    <p:sldId id="260" r:id="rId4"/>
-    <p:sldId id="261" r:id="rId5"/>
-    <p:sldId id="262" r:id="rId6"/>
-    <p:sldId id="265" r:id="rId7"/>
-    <p:sldId id="266" r:id="rId8"/>
-    <p:sldId id="267" r:id="rId9"/>
+    <p:sldId id="261" r:id="rId4"/>
+    <p:sldId id="262" r:id="rId5"/>
+    <p:sldId id="265" r:id="rId6"/>
+    <p:sldId id="266" r:id="rId7"/>
+    <p:sldId id="267" r:id="rId8"/>
+    <p:sldId id="260" r:id="rId9"/>
     <p:sldId id="264" r:id="rId10"/>
     <p:sldId id="294" r:id="rId11"/>
   </p:sldIdLst>
@@ -268,7 +268,7 @@
           <a:p>
             <a:fld id="{87DFA0E8-174F-457D-A281-0FCE3F99AF07}" type="datetimeFigureOut">
               <a:rPr lang="zh-TW" altLang="en-US" smtClean="0"/>
-              <a:t>2021/8/22</a:t>
+              <a:t>2021/9/21</a:t>
             </a:fld>
             <a:endParaRPr lang="zh-TW" altLang="en-US"/>
           </a:p>
@@ -466,7 +466,7 @@
           <a:p>
             <a:fld id="{87DFA0E8-174F-457D-A281-0FCE3F99AF07}" type="datetimeFigureOut">
               <a:rPr lang="zh-TW" altLang="en-US" smtClean="0"/>
-              <a:t>2021/8/22</a:t>
+              <a:t>2021/9/21</a:t>
             </a:fld>
             <a:endParaRPr lang="zh-TW" altLang="en-US"/>
           </a:p>
@@ -674,7 +674,7 @@
           <a:p>
             <a:fld id="{87DFA0E8-174F-457D-A281-0FCE3F99AF07}" type="datetimeFigureOut">
               <a:rPr lang="zh-TW" altLang="en-US" smtClean="0"/>
-              <a:t>2021/8/22</a:t>
+              <a:t>2021/9/21</a:t>
             </a:fld>
             <a:endParaRPr lang="zh-TW" altLang="en-US"/>
           </a:p>
@@ -872,7 +872,7 @@
           <a:p>
             <a:fld id="{87DFA0E8-174F-457D-A281-0FCE3F99AF07}" type="datetimeFigureOut">
               <a:rPr lang="zh-TW" altLang="en-US" smtClean="0"/>
-              <a:t>2021/8/22</a:t>
+              <a:t>2021/9/21</a:t>
             </a:fld>
             <a:endParaRPr lang="zh-TW" altLang="en-US"/>
           </a:p>
@@ -1147,7 +1147,7 @@
           <a:p>
             <a:fld id="{87DFA0E8-174F-457D-A281-0FCE3F99AF07}" type="datetimeFigureOut">
               <a:rPr lang="zh-TW" altLang="en-US" smtClean="0"/>
-              <a:t>2021/8/22</a:t>
+              <a:t>2021/9/21</a:t>
             </a:fld>
             <a:endParaRPr lang="zh-TW" altLang="en-US"/>
           </a:p>
@@ -1412,7 +1412,7 @@
           <a:p>
             <a:fld id="{87DFA0E8-174F-457D-A281-0FCE3F99AF07}" type="datetimeFigureOut">
               <a:rPr lang="zh-TW" altLang="en-US" smtClean="0"/>
-              <a:t>2021/8/22</a:t>
+              <a:t>2021/9/21</a:t>
             </a:fld>
             <a:endParaRPr lang="zh-TW" altLang="en-US"/>
           </a:p>
@@ -1824,7 +1824,7 @@
           <a:p>
             <a:fld id="{87DFA0E8-174F-457D-A281-0FCE3F99AF07}" type="datetimeFigureOut">
               <a:rPr lang="zh-TW" altLang="en-US" smtClean="0"/>
-              <a:t>2021/8/22</a:t>
+              <a:t>2021/9/21</a:t>
             </a:fld>
             <a:endParaRPr lang="zh-TW" altLang="en-US"/>
           </a:p>
@@ -1965,7 +1965,7 @@
           <a:p>
             <a:fld id="{87DFA0E8-174F-457D-A281-0FCE3F99AF07}" type="datetimeFigureOut">
               <a:rPr lang="zh-TW" altLang="en-US" smtClean="0"/>
-              <a:t>2021/8/22</a:t>
+              <a:t>2021/9/21</a:t>
             </a:fld>
             <a:endParaRPr lang="zh-TW" altLang="en-US"/>
           </a:p>
@@ -2078,7 +2078,7 @@
           <a:p>
             <a:fld id="{87DFA0E8-174F-457D-A281-0FCE3F99AF07}" type="datetimeFigureOut">
               <a:rPr lang="zh-TW" altLang="en-US" smtClean="0"/>
-              <a:t>2021/8/22</a:t>
+              <a:t>2021/9/21</a:t>
             </a:fld>
             <a:endParaRPr lang="zh-TW" altLang="en-US"/>
           </a:p>
@@ -2389,7 +2389,7 @@
           <a:p>
             <a:fld id="{87DFA0E8-174F-457D-A281-0FCE3F99AF07}" type="datetimeFigureOut">
               <a:rPr lang="zh-TW" altLang="en-US" smtClean="0"/>
-              <a:t>2021/8/22</a:t>
+              <a:t>2021/9/21</a:t>
             </a:fld>
             <a:endParaRPr lang="zh-TW" altLang="en-US"/>
           </a:p>
@@ -2677,7 +2677,7 @@
           <a:p>
             <a:fld id="{87DFA0E8-174F-457D-A281-0FCE3F99AF07}" type="datetimeFigureOut">
               <a:rPr lang="zh-TW" altLang="en-US" smtClean="0"/>
-              <a:t>2021/8/22</a:t>
+              <a:t>2021/9/21</a:t>
             </a:fld>
             <a:endParaRPr lang="zh-TW" altLang="en-US"/>
           </a:p>
@@ -2918,7 +2918,7 @@
           <a:p>
             <a:fld id="{87DFA0E8-174F-457D-A281-0FCE3F99AF07}" type="datetimeFigureOut">
               <a:rPr lang="zh-TW" altLang="en-US" smtClean="0"/>
-              <a:t>2021/8/22</a:t>
+              <a:t>2021/9/21</a:t>
             </a:fld>
             <a:endParaRPr lang="zh-TW" altLang="en-US"/>
           </a:p>
@@ -4787,14 +4787,6 @@
 <file path=ppt/slides/slide3.xml><?xml version="1.0" encoding="utf-8"?>
 <p:sld xmlns:a="http://schemas.openxmlformats.org/drawingml/2006/main" xmlns:r="http://schemas.openxmlformats.org/officeDocument/2006/relationships" xmlns:p="http://schemas.openxmlformats.org/presentationml/2006/main">
   <p:cSld>
-    <p:bg>
-      <p:bgPr>
-        <a:solidFill>
-          <a:schemeClr val="bg1"/>
-        </a:solidFill>
-        <a:effectLst/>
-      </p:bgPr>
-    </p:bg>
     <p:spTree>
       <p:nvGrpSpPr>
         <p:cNvPr id="1" name=""/>
@@ -4811,351 +4803,6 @@
       </p:grpSpPr>
       <p:sp>
         <p:nvSpPr>
-          <p:cNvPr id="10" name="Rectangle 9">
-            <a:extLst>
-              <a:ext uri="{FF2B5EF4-FFF2-40B4-BE49-F238E27FC236}">
-                <a16:creationId xmlns:a16="http://schemas.microsoft.com/office/drawing/2014/main" id="{42A4FC2C-047E-45A5-965D-8E1E3BF09BC6}"/>
-              </a:ext>
-              <a:ext uri="{C183D7F6-B498-43B3-948B-1728B52AA6E4}">
-                <adec:decorative xmlns:adec="http://schemas.microsoft.com/office/drawing/2017/decorative" val="1"/>
-              </a:ext>
-            </a:extLst>
-          </p:cNvPr>
-          <p:cNvSpPr>
-            <a:spLocks noGrp="1" noRot="1" noChangeAspect="1" noMove="1" noResize="1" noEditPoints="1" noAdjustHandles="1" noChangeArrowheads="1" noChangeShapeType="1" noTextEdit="1"/>
-          </p:cNvSpPr>
-          <p:nvPr>
-            <p:extLst>
-              <p:ext uri="{386F3935-93C4-4BCD-93E2-E3B085C9AB24}">
-                <p16:designElem xmlns:p16="http://schemas.microsoft.com/office/powerpoint/2015/main" val="1"/>
-              </p:ext>
-            </p:extLst>
-          </p:nvPr>
-        </p:nvSpPr>
-        <p:spPr bwMode="white">
-          <a:xfrm>
-            <a:off x="1524" y="0"/>
-            <a:ext cx="12188952" cy="6858000"/>
-          </a:xfrm>
-          <a:prstGeom prst="rect">
-            <a:avLst/>
-          </a:prstGeom>
-          <a:noFill/>
-          <a:ln>
-            <a:noFill/>
-          </a:ln>
-        </p:spPr>
-        <p:style>
-          <a:lnRef idx="2">
-            <a:schemeClr val="accent1">
-              <a:shade val="50000"/>
-            </a:schemeClr>
-          </a:lnRef>
-          <a:fillRef idx="1">
-            <a:schemeClr val="accent1"/>
-          </a:fillRef>
-          <a:effectRef idx="0">
-            <a:schemeClr val="accent1"/>
-          </a:effectRef>
-          <a:fontRef idx="minor">
-            <a:schemeClr val="lt1"/>
-          </a:fontRef>
-        </p:style>
-        <p:txBody>
-          <a:bodyPr rtlCol="0" anchor="ctr"/>
-          <a:lstStyle>
-            <a:defPPr>
-              <a:defRPr lang="en-US"/>
-            </a:defPPr>
-            <a:lvl1pPr marL="0" algn="l" defTabSz="914400" rtl="0" eaLnBrk="1" latinLnBrk="0" hangingPunct="1">
-              <a:defRPr sz="1800" kern="1200">
-                <a:solidFill>
-                  <a:schemeClr val="lt1"/>
-                </a:solidFill>
-                <a:latin typeface="+mn-lt"/>
-                <a:ea typeface="+mn-ea"/>
-                <a:cs typeface="+mn-cs"/>
-              </a:defRPr>
-            </a:lvl1pPr>
-            <a:lvl2pPr marL="457200" algn="l" defTabSz="914400" rtl="0" eaLnBrk="1" latinLnBrk="0" hangingPunct="1">
-              <a:defRPr sz="1800" kern="1200">
-                <a:solidFill>
-                  <a:schemeClr val="lt1"/>
-                </a:solidFill>
-                <a:latin typeface="+mn-lt"/>
-                <a:ea typeface="+mn-ea"/>
-                <a:cs typeface="+mn-cs"/>
-              </a:defRPr>
-            </a:lvl2pPr>
-            <a:lvl3pPr marL="914400" algn="l" defTabSz="914400" rtl="0" eaLnBrk="1" latinLnBrk="0" hangingPunct="1">
-              <a:defRPr sz="1800" kern="1200">
-                <a:solidFill>
-                  <a:schemeClr val="lt1"/>
-                </a:solidFill>
-                <a:latin typeface="+mn-lt"/>
-                <a:ea typeface="+mn-ea"/>
-                <a:cs typeface="+mn-cs"/>
-              </a:defRPr>
-            </a:lvl3pPr>
-            <a:lvl4pPr marL="1371600" algn="l" defTabSz="914400" rtl="0" eaLnBrk="1" latinLnBrk="0" hangingPunct="1">
-              <a:defRPr sz="1800" kern="1200">
-                <a:solidFill>
-                  <a:schemeClr val="lt1"/>
-                </a:solidFill>
-                <a:latin typeface="+mn-lt"/>
-                <a:ea typeface="+mn-ea"/>
-                <a:cs typeface="+mn-cs"/>
-              </a:defRPr>
-            </a:lvl4pPr>
-            <a:lvl5pPr marL="1828800" algn="l" defTabSz="914400" rtl="0" eaLnBrk="1" latinLnBrk="0" hangingPunct="1">
-              <a:defRPr sz="1800" kern="1200">
-                <a:solidFill>
-                  <a:schemeClr val="lt1"/>
-                </a:solidFill>
-                <a:latin typeface="+mn-lt"/>
-                <a:ea typeface="+mn-ea"/>
-                <a:cs typeface="+mn-cs"/>
-              </a:defRPr>
-            </a:lvl5pPr>
-            <a:lvl6pPr marL="2286000" algn="l" defTabSz="914400" rtl="0" eaLnBrk="1" latinLnBrk="0" hangingPunct="1">
-              <a:defRPr sz="1800" kern="1200">
-                <a:solidFill>
-                  <a:schemeClr val="lt1"/>
-                </a:solidFill>
-                <a:latin typeface="+mn-lt"/>
-                <a:ea typeface="+mn-ea"/>
-                <a:cs typeface="+mn-cs"/>
-              </a:defRPr>
-            </a:lvl6pPr>
-            <a:lvl7pPr marL="2743200" algn="l" defTabSz="914400" rtl="0" eaLnBrk="1" latinLnBrk="0" hangingPunct="1">
-              <a:defRPr sz="1800" kern="1200">
-                <a:solidFill>
-                  <a:schemeClr val="lt1"/>
-                </a:solidFill>
-                <a:latin typeface="+mn-lt"/>
-                <a:ea typeface="+mn-ea"/>
-                <a:cs typeface="+mn-cs"/>
-              </a:defRPr>
-            </a:lvl7pPr>
-            <a:lvl8pPr marL="3200400" algn="l" defTabSz="914400" rtl="0" eaLnBrk="1" latinLnBrk="0" hangingPunct="1">
-              <a:defRPr sz="1800" kern="1200">
-                <a:solidFill>
-                  <a:schemeClr val="lt1"/>
-                </a:solidFill>
-                <a:latin typeface="+mn-lt"/>
-                <a:ea typeface="+mn-ea"/>
-                <a:cs typeface="+mn-cs"/>
-              </a:defRPr>
-            </a:lvl8pPr>
-            <a:lvl9pPr marL="3657600" algn="l" defTabSz="914400" rtl="0" eaLnBrk="1" latinLnBrk="0" hangingPunct="1">
-              <a:defRPr sz="1800" kern="1200">
-                <a:solidFill>
-                  <a:schemeClr val="lt1"/>
-                </a:solidFill>
-                <a:latin typeface="+mn-lt"/>
-                <a:ea typeface="+mn-ea"/>
-                <a:cs typeface="+mn-cs"/>
-              </a:defRPr>
-            </a:lvl9pPr>
-          </a:lstStyle>
-          <a:p>
-            <a:pPr algn="ctr"/>
-            <a:endParaRPr lang="en-US"/>
-          </a:p>
-        </p:txBody>
-      </p:sp>
-      <p:pic>
-        <p:nvPicPr>
-          <p:cNvPr id="5" name="內容版面配置區 4" descr="一張含有 文字, 室外, 綠色, 標誌 的圖片&#10;&#10;自動產生的描述">
-            <a:extLst>
-              <a:ext uri="{FF2B5EF4-FFF2-40B4-BE49-F238E27FC236}">
-                <a16:creationId xmlns:a16="http://schemas.microsoft.com/office/drawing/2014/main" id="{F1FF997E-94BE-48C4-8726-B41B727021AD}"/>
-              </a:ext>
-            </a:extLst>
-          </p:cNvPr>
-          <p:cNvPicPr>
-            <a:picLocks noGrp="1" noChangeAspect="1"/>
-          </p:cNvPicPr>
-          <p:nvPr>
-            <p:ph idx="1"/>
-          </p:nvPr>
-        </p:nvPicPr>
-        <p:blipFill rotWithShape="1">
-          <a:blip r:embed="rId2">
-            <a:extLst>
-              <a:ext uri="{28A0092B-C50C-407E-A947-70E740481C1C}">
-                <a14:useLocalDpi xmlns:a14="http://schemas.microsoft.com/office/drawing/2010/main" val="0"/>
-              </a:ext>
-            </a:extLst>
-          </a:blip>
-          <a:srcRect b="19"/>
-          <a:stretch/>
-        </p:blipFill>
-        <p:spPr>
-          <a:xfrm>
-            <a:off x="20" y="1282"/>
-            <a:ext cx="12191980" cy="6856718"/>
-          </a:xfrm>
-          <a:prstGeom prst="rect">
-            <a:avLst/>
-          </a:prstGeom>
-        </p:spPr>
-      </p:pic>
-      <p:sp>
-        <p:nvSpPr>
-          <p:cNvPr id="8" name="文字方塊 7">
-            <a:extLst>
-              <a:ext uri="{FF2B5EF4-FFF2-40B4-BE49-F238E27FC236}">
-                <a16:creationId xmlns:a16="http://schemas.microsoft.com/office/drawing/2014/main" id="{490F2732-998F-4532-AD3E-CDA9E4EC3B26}"/>
-              </a:ext>
-            </a:extLst>
-          </p:cNvPr>
-          <p:cNvSpPr txBox="1"/>
-          <p:nvPr/>
-        </p:nvSpPr>
-        <p:spPr>
-          <a:xfrm>
-            <a:off x="-1554" y="6557986"/>
-            <a:ext cx="6097554" cy="369332"/>
-          </a:xfrm>
-          <a:prstGeom prst="rect">
-            <a:avLst/>
-          </a:prstGeom>
-          <a:noFill/>
-        </p:spPr>
-        <p:txBody>
-          <a:bodyPr wrap="square">
-            <a:spAutoFit/>
-          </a:bodyPr>
-          <a:lstStyle/>
-          <a:p>
-            <a:r>
-              <a:rPr lang="zh-TW" altLang="en-US" dirty="0"/>
-              <a:t>https://udn.com/news/story/7328/5490709</a:t>
-            </a:r>
-          </a:p>
-        </p:txBody>
-      </p:sp>
-      <p:sp>
-        <p:nvSpPr>
-          <p:cNvPr id="7" name="文字方塊 6">
-            <a:extLst>
-              <a:ext uri="{FF2B5EF4-FFF2-40B4-BE49-F238E27FC236}">
-                <a16:creationId xmlns:a16="http://schemas.microsoft.com/office/drawing/2014/main" id="{A9A51FFB-7D0A-4D7C-836F-AE11DD8AB1C2}"/>
-              </a:ext>
-            </a:extLst>
-          </p:cNvPr>
-          <p:cNvSpPr txBox="1"/>
-          <p:nvPr/>
-        </p:nvSpPr>
-        <p:spPr>
-          <a:xfrm>
-            <a:off x="3590488" y="4976819"/>
-            <a:ext cx="2782349" cy="1323439"/>
-          </a:xfrm>
-          <a:prstGeom prst="rect">
-            <a:avLst/>
-          </a:prstGeom>
-          <a:noFill/>
-        </p:spPr>
-        <p:txBody>
-          <a:bodyPr wrap="square" rtlCol="0">
-            <a:spAutoFit/>
-          </a:bodyPr>
-          <a:lstStyle/>
-          <a:p>
-            <a:r>
-              <a:rPr lang="en-US" altLang="zh-TW" sz="8000" b="1" dirty="0" err="1">
-                <a:solidFill>
-                  <a:srgbClr val="FFFF00"/>
-                </a:solidFill>
-              </a:rPr>
-              <a:t>cerr</a:t>
-            </a:r>
-            <a:endParaRPr lang="zh-TW" altLang="en-US" sz="8000" b="1" dirty="0">
-              <a:solidFill>
-                <a:srgbClr val="FFFF00"/>
-              </a:solidFill>
-            </a:endParaRPr>
-          </a:p>
-        </p:txBody>
-      </p:sp>
-      <p:sp>
-        <p:nvSpPr>
-          <p:cNvPr id="11" name="文字方塊 10">
-            <a:extLst>
-              <a:ext uri="{FF2B5EF4-FFF2-40B4-BE49-F238E27FC236}">
-                <a16:creationId xmlns:a16="http://schemas.microsoft.com/office/drawing/2014/main" id="{79DD728A-6950-4F05-AEFC-0446DFA14FE4}"/>
-              </a:ext>
-            </a:extLst>
-          </p:cNvPr>
-          <p:cNvSpPr txBox="1"/>
-          <p:nvPr/>
-        </p:nvSpPr>
-        <p:spPr>
-          <a:xfrm>
-            <a:off x="9841684" y="4907501"/>
-            <a:ext cx="2782349" cy="1323439"/>
-          </a:xfrm>
-          <a:prstGeom prst="rect">
-            <a:avLst/>
-          </a:prstGeom>
-          <a:noFill/>
-        </p:spPr>
-        <p:txBody>
-          <a:bodyPr wrap="square" rtlCol="0">
-            <a:spAutoFit/>
-          </a:bodyPr>
-          <a:lstStyle/>
-          <a:p>
-            <a:r>
-              <a:rPr lang="en-US" altLang="zh-TW" sz="8000" b="1" dirty="0" err="1">
-                <a:solidFill>
-                  <a:srgbClr val="FFFF00"/>
-                </a:solidFill>
-              </a:rPr>
-              <a:t>cout</a:t>
-            </a:r>
-            <a:endParaRPr lang="zh-TW" altLang="en-US" sz="8000" b="1" dirty="0">
-              <a:solidFill>
-                <a:srgbClr val="FFFF00"/>
-              </a:solidFill>
-            </a:endParaRPr>
-          </a:p>
-        </p:txBody>
-      </p:sp>
-    </p:spTree>
-    <p:extLst>
-      <p:ext uri="{BB962C8B-B14F-4D97-AF65-F5344CB8AC3E}">
-        <p14:creationId xmlns:p14="http://schemas.microsoft.com/office/powerpoint/2010/main" val="2919207978"/>
-      </p:ext>
-    </p:extLst>
-  </p:cSld>
-  <p:clrMapOvr>
-    <a:masterClrMapping/>
-  </p:clrMapOvr>
-</p:sld>
-</file>
-
-<file path=ppt/slides/slide4.xml><?xml version="1.0" encoding="utf-8"?>
-<p:sld xmlns:a="http://schemas.openxmlformats.org/drawingml/2006/main" xmlns:r="http://schemas.openxmlformats.org/officeDocument/2006/relationships" xmlns:p="http://schemas.openxmlformats.org/presentationml/2006/main">
-  <p:cSld>
-    <p:spTree>
-      <p:nvGrpSpPr>
-        <p:cNvPr id="1" name=""/>
-        <p:cNvGrpSpPr/>
-        <p:nvPr/>
-      </p:nvGrpSpPr>
-      <p:grpSpPr>
-        <a:xfrm>
-          <a:off x="0" y="0"/>
-          <a:ext cx="0" cy="0"/>
-          <a:chOff x="0" y="0"/>
-          <a:chExt cx="0" cy="0"/>
-        </a:xfrm>
-      </p:grpSpPr>
-      <p:sp>
-        <p:nvSpPr>
           <p:cNvPr id="2" name="標題 1">
             <a:extLst>
               <a:ext uri="{FF2B5EF4-FFF2-40B4-BE49-F238E27FC236}">
@@ -5315,7 +4962,7 @@
 </p:sld>
 </file>
 
-<file path=ppt/slides/slide5.xml><?xml version="1.0" encoding="utf-8"?>
+<file path=ppt/slides/slide4.xml><?xml version="1.0" encoding="utf-8"?>
 <p:sld xmlns:a="http://schemas.openxmlformats.org/drawingml/2006/main" xmlns:r="http://schemas.openxmlformats.org/officeDocument/2006/relationships" xmlns:p="http://schemas.openxmlformats.org/presentationml/2006/main">
   <p:cSld>
     <p:spTree>
@@ -6239,7 +5886,7 @@
 </p:sld>
 </file>
 
-<file path=ppt/slides/slide6.xml><?xml version="1.0" encoding="utf-8"?>
+<file path=ppt/slides/slide5.xml><?xml version="1.0" encoding="utf-8"?>
 <p:sld xmlns:a="http://schemas.openxmlformats.org/drawingml/2006/main" xmlns:r="http://schemas.openxmlformats.org/officeDocument/2006/relationships" xmlns:p="http://schemas.openxmlformats.org/presentationml/2006/main">
   <p:cSld>
     <p:spTree>
@@ -7881,6 +7528,294 @@
 </p:sld>
 </file>
 
+<file path=ppt/slides/slide6.xml><?xml version="1.0" encoding="utf-8"?>
+<p:sld xmlns:a="http://schemas.openxmlformats.org/drawingml/2006/main" xmlns:r="http://schemas.openxmlformats.org/officeDocument/2006/relationships" xmlns:p="http://schemas.openxmlformats.org/presentationml/2006/main">
+  <p:cSld>
+    <p:spTree>
+      <p:nvGrpSpPr>
+        <p:cNvPr id="1" name=""/>
+        <p:cNvGrpSpPr/>
+        <p:nvPr/>
+      </p:nvGrpSpPr>
+      <p:grpSpPr>
+        <a:xfrm>
+          <a:off x="0" y="0"/>
+          <a:ext cx="0" cy="0"/>
+          <a:chOff x="0" y="0"/>
+          <a:chExt cx="0" cy="0"/>
+        </a:xfrm>
+      </p:grpSpPr>
+      <p:sp>
+        <p:nvSpPr>
+          <p:cNvPr id="2" name="標題 1">
+            <a:extLst>
+              <a:ext uri="{FF2B5EF4-FFF2-40B4-BE49-F238E27FC236}">
+                <a16:creationId xmlns:a16="http://schemas.microsoft.com/office/drawing/2014/main" id="{20AF70CD-07C4-4021-BEC6-D18AF9399B4C}"/>
+              </a:ext>
+            </a:extLst>
+          </p:cNvPr>
+          <p:cNvSpPr>
+            <a:spLocks noGrp="1"/>
+          </p:cNvSpPr>
+          <p:nvPr>
+            <p:ph type="title"/>
+          </p:nvPr>
+        </p:nvSpPr>
+        <p:spPr/>
+        <p:txBody>
+          <a:bodyPr/>
+          <a:lstStyle/>
+          <a:p>
+            <a:r>
+              <a:rPr lang="en-US" altLang="zh-TW" dirty="0"/>
+              <a:t>Formatting Output</a:t>
+            </a:r>
+            <a:endParaRPr lang="zh-TW" altLang="en-US" dirty="0"/>
+          </a:p>
+        </p:txBody>
+      </p:sp>
+      <p:sp>
+        <p:nvSpPr>
+          <p:cNvPr id="3" name="內容版面配置區 2">
+            <a:extLst>
+              <a:ext uri="{FF2B5EF4-FFF2-40B4-BE49-F238E27FC236}">
+                <a16:creationId xmlns:a16="http://schemas.microsoft.com/office/drawing/2014/main" id="{C8D9B03D-05A6-4A54-804C-4073E05FE3FC}"/>
+              </a:ext>
+            </a:extLst>
+          </p:cNvPr>
+          <p:cNvSpPr>
+            <a:spLocks noGrp="1"/>
+          </p:cNvSpPr>
+          <p:nvPr>
+            <p:ph idx="1"/>
+          </p:nvPr>
+        </p:nvSpPr>
+        <p:spPr/>
+        <p:txBody>
+          <a:bodyPr/>
+          <a:lstStyle/>
+          <a:p>
+            <a:r>
+              <a:rPr lang="en-US" altLang="zh-TW" dirty="0"/>
+              <a:t>Q: </a:t>
+            </a:r>
+            <a:r>
+              <a:rPr lang="en-US" altLang="zh-TW" b="0" dirty="0">
+                <a:solidFill>
+                  <a:srgbClr val="267F99"/>
+                </a:solidFill>
+                <a:effectLst/>
+                <a:latin typeface="Consolas" panose="020B0609020204030204" pitchFamily="49" charset="0"/>
+              </a:rPr>
+              <a:t>std</a:t>
+            </a:r>
+            <a:r>
+              <a:rPr lang="en-US" altLang="zh-TW" b="0" dirty="0">
+                <a:solidFill>
+                  <a:srgbClr val="000000"/>
+                </a:solidFill>
+                <a:effectLst/>
+                <a:latin typeface="Consolas" panose="020B0609020204030204" pitchFamily="49" charset="0"/>
+              </a:rPr>
+              <a:t>::</a:t>
+            </a:r>
+            <a:r>
+              <a:rPr lang="en-US" altLang="zh-TW" b="0" dirty="0" err="1">
+                <a:solidFill>
+                  <a:srgbClr val="001080"/>
+                </a:solidFill>
+                <a:effectLst/>
+                <a:latin typeface="Consolas" panose="020B0609020204030204" pitchFamily="49" charset="0"/>
+              </a:rPr>
+              <a:t>cout</a:t>
+            </a:r>
+            <a:r>
+              <a:rPr lang="en-US" altLang="zh-TW" b="0" dirty="0">
+                <a:solidFill>
+                  <a:srgbClr val="000000"/>
+                </a:solidFill>
+                <a:effectLst/>
+                <a:latin typeface="Consolas" panose="020B0609020204030204" pitchFamily="49" charset="0"/>
+              </a:rPr>
+              <a:t> </a:t>
+            </a:r>
+            <a:r>
+              <a:rPr lang="en-US" altLang="zh-TW" b="0" dirty="0">
+                <a:solidFill>
+                  <a:srgbClr val="795E26"/>
+                </a:solidFill>
+                <a:effectLst/>
+                <a:latin typeface="Consolas" panose="020B0609020204030204" pitchFamily="49" charset="0"/>
+              </a:rPr>
+              <a:t>&lt;&lt;</a:t>
+            </a:r>
+            <a:r>
+              <a:rPr lang="en-US" altLang="zh-TW" b="0" dirty="0">
+                <a:solidFill>
+                  <a:srgbClr val="000000"/>
+                </a:solidFill>
+                <a:effectLst/>
+                <a:latin typeface="Consolas" panose="020B0609020204030204" pitchFamily="49" charset="0"/>
+              </a:rPr>
+              <a:t> </a:t>
+            </a:r>
+            <a:r>
+              <a:rPr lang="en-US" altLang="zh-TW" b="0" dirty="0">
+                <a:solidFill>
+                  <a:srgbClr val="098658"/>
+                </a:solidFill>
+                <a:effectLst/>
+                <a:latin typeface="Consolas" panose="020B0609020204030204" pitchFamily="49" charset="0"/>
+              </a:rPr>
+              <a:t>1.0</a:t>
+            </a:r>
+            <a:r>
+              <a:rPr lang="en-US" altLang="zh-TW" b="0" dirty="0">
+                <a:solidFill>
+                  <a:srgbClr val="000000"/>
+                </a:solidFill>
+                <a:effectLst/>
+                <a:latin typeface="Consolas" panose="020B0609020204030204" pitchFamily="49" charset="0"/>
+              </a:rPr>
+              <a:t> / </a:t>
+            </a:r>
+            <a:r>
+              <a:rPr lang="en-US" altLang="zh-TW" b="0" dirty="0">
+                <a:solidFill>
+                  <a:srgbClr val="098658"/>
+                </a:solidFill>
+                <a:effectLst/>
+                <a:latin typeface="Consolas" panose="020B0609020204030204" pitchFamily="49" charset="0"/>
+              </a:rPr>
+              <a:t>2.0</a:t>
+            </a:r>
+            <a:r>
+              <a:rPr lang="en-US" altLang="zh-TW" b="0" dirty="0">
+                <a:solidFill>
+                  <a:srgbClr val="000000"/>
+                </a:solidFill>
+                <a:effectLst/>
+                <a:latin typeface="Consolas" panose="020B0609020204030204" pitchFamily="49" charset="0"/>
+              </a:rPr>
+              <a:t> </a:t>
+            </a:r>
+            <a:r>
+              <a:rPr lang="en-US" altLang="zh-TW" b="0" dirty="0">
+                <a:solidFill>
+                  <a:srgbClr val="795E26"/>
+                </a:solidFill>
+                <a:effectLst/>
+                <a:latin typeface="Consolas" panose="020B0609020204030204" pitchFamily="49" charset="0"/>
+              </a:rPr>
+              <a:t>&lt;&lt;</a:t>
+            </a:r>
+            <a:r>
+              <a:rPr lang="en-US" altLang="zh-TW" b="0" dirty="0">
+                <a:solidFill>
+                  <a:srgbClr val="000000"/>
+                </a:solidFill>
+                <a:effectLst/>
+                <a:latin typeface="Consolas" panose="020B0609020204030204" pitchFamily="49" charset="0"/>
+              </a:rPr>
+              <a:t> </a:t>
+            </a:r>
+            <a:r>
+              <a:rPr lang="en-US" altLang="zh-TW" b="0" dirty="0">
+                <a:solidFill>
+                  <a:srgbClr val="267F99"/>
+                </a:solidFill>
+                <a:effectLst/>
+                <a:latin typeface="Consolas" panose="020B0609020204030204" pitchFamily="49" charset="0"/>
+              </a:rPr>
+              <a:t>std</a:t>
+            </a:r>
+            <a:r>
+              <a:rPr lang="en-US" altLang="zh-TW" b="0" dirty="0">
+                <a:solidFill>
+                  <a:srgbClr val="000000"/>
+                </a:solidFill>
+                <a:effectLst/>
+                <a:latin typeface="Consolas" panose="020B0609020204030204" pitchFamily="49" charset="0"/>
+              </a:rPr>
+              <a:t>::</a:t>
+            </a:r>
+            <a:r>
+              <a:rPr lang="en-US" altLang="zh-TW" b="0" dirty="0" err="1">
+                <a:solidFill>
+                  <a:srgbClr val="795E26"/>
+                </a:solidFill>
+                <a:effectLst/>
+                <a:latin typeface="Consolas" panose="020B0609020204030204" pitchFamily="49" charset="0"/>
+              </a:rPr>
+              <a:t>endl</a:t>
+            </a:r>
+            <a:r>
+              <a:rPr lang="en-US" altLang="zh-TW" b="0" dirty="0">
+                <a:solidFill>
+                  <a:srgbClr val="000000"/>
+                </a:solidFill>
+                <a:effectLst/>
+                <a:latin typeface="Consolas" panose="020B0609020204030204" pitchFamily="49" charset="0"/>
+              </a:rPr>
+              <a:t>;</a:t>
+            </a:r>
+            <a:endParaRPr lang="en-US" altLang="zh-TW" dirty="0"/>
+          </a:p>
+          <a:p>
+            <a:r>
+              <a:rPr lang="zh-TW" altLang="en-US" dirty="0"/>
+              <a:t>❓</a:t>
+            </a:r>
+            <a:r>
+              <a:rPr lang="en-US" altLang="zh-TW" dirty="0"/>
+              <a:t> 0.5</a:t>
+            </a:r>
+          </a:p>
+          <a:p>
+            <a:r>
+              <a:rPr lang="zh-TW" altLang="en-US" dirty="0"/>
+              <a:t>❓</a:t>
+            </a:r>
+            <a:r>
+              <a:rPr lang="en-US" altLang="zh-TW" dirty="0"/>
+              <a:t> 0.50</a:t>
+            </a:r>
+          </a:p>
+          <a:p>
+            <a:r>
+              <a:rPr lang="zh-TW" altLang="en-US" dirty="0"/>
+              <a:t>❓ </a:t>
+            </a:r>
+            <a:r>
+              <a:rPr lang="en-US" altLang="zh-TW" dirty="0"/>
+              <a:t>other?</a:t>
+            </a:r>
+          </a:p>
+          <a:p>
+            <a:endParaRPr lang="en-US" altLang="zh-TW" dirty="0"/>
+          </a:p>
+          <a:p>
+            <a:r>
+              <a:rPr lang="en-US" altLang="zh-TW" dirty="0"/>
+              <a:t>Can we explicitly format the output?</a:t>
+            </a:r>
+            <a:endParaRPr lang="zh-TW" altLang="en-US" dirty="0"/>
+          </a:p>
+        </p:txBody>
+      </p:sp>
+    </p:spTree>
+    <p:extLst>
+      <p:ext uri="{BB962C8B-B14F-4D97-AF65-F5344CB8AC3E}">
+        <p14:creationId xmlns:p14="http://schemas.microsoft.com/office/powerpoint/2010/main" val="838327606"/>
+      </p:ext>
+    </p:extLst>
+  </p:cSld>
+  <p:clrMapOvr>
+    <a:masterClrMapping/>
+  </p:clrMapOvr>
+</p:sld>
+</file>
+
 <file path=ppt/slides/slide7.xml><?xml version="1.0" encoding="utf-8"?>
 <p:sld xmlns:a="http://schemas.openxmlformats.org/drawingml/2006/main" xmlns:r="http://schemas.openxmlformats.org/officeDocument/2006/relationships" xmlns:p="http://schemas.openxmlformats.org/presentationml/2006/main">
   <p:cSld>
@@ -7903,7 +7838,7 @@
           <p:cNvPr id="2" name="標題 1">
             <a:extLst>
               <a:ext uri="{FF2B5EF4-FFF2-40B4-BE49-F238E27FC236}">
-                <a16:creationId xmlns:a16="http://schemas.microsoft.com/office/drawing/2014/main" id="{20AF70CD-07C4-4021-BEC6-D18AF9399B4C}"/>
+                <a16:creationId xmlns:a16="http://schemas.microsoft.com/office/drawing/2014/main" id="{A4B815FF-2511-456C-995E-1D9AEF6CE4DD}"/>
               </a:ext>
             </a:extLst>
           </p:cNvPr>
@@ -7932,7 +7867,7 @@
           <p:cNvPr id="3" name="內容版面配置區 2">
             <a:extLst>
               <a:ext uri="{FF2B5EF4-FFF2-40B4-BE49-F238E27FC236}">
-                <a16:creationId xmlns:a16="http://schemas.microsoft.com/office/drawing/2014/main" id="{C8D9B03D-05A6-4A54-804C-4073E05FE3FC}"/>
+                <a16:creationId xmlns:a16="http://schemas.microsoft.com/office/drawing/2014/main" id="{B726A873-B24F-41C8-8DD6-63019B0DC845}"/>
               </a:ext>
             </a:extLst>
           </p:cNvPr>
@@ -7950,71 +7885,110 @@
           <a:p>
             <a:r>
               <a:rPr lang="en-US" altLang="zh-TW" dirty="0"/>
-              <a:t>Q: std::</a:t>
-            </a:r>
+              <a:t>Require another library </a:t>
+            </a:r>
+            <a:r>
+              <a:rPr lang="en-US" altLang="zh-TW" dirty="0">
+                <a:highlight>
+                  <a:srgbClr val="C0C0C0"/>
+                </a:highlight>
+              </a:rPr>
+              <a:t>&lt;</a:t>
+            </a:r>
+            <a:r>
+              <a:rPr lang="en-US" altLang="zh-TW" dirty="0" err="1">
+                <a:highlight>
+                  <a:srgbClr val="C0C0C0"/>
+                </a:highlight>
+              </a:rPr>
+              <a:t>iomanip</a:t>
+            </a:r>
+            <a:r>
+              <a:rPr lang="en-US" altLang="zh-TW" dirty="0">
+                <a:highlight>
+                  <a:srgbClr val="C0C0C0"/>
+                </a:highlight>
+              </a:rPr>
+              <a:t>&gt;</a:t>
+            </a:r>
+          </a:p>
+          <a:p>
+            <a:r>
+              <a:rPr lang="en-US" altLang="zh-TW" dirty="0">
+                <a:highlight>
+                  <a:srgbClr val="C0C0C0"/>
+                </a:highlight>
+              </a:rPr>
+              <a:t>&lt;</a:t>
+            </a:r>
+            <a:r>
+              <a:rPr lang="en-US" altLang="zh-TW" dirty="0" err="1">
+                <a:highlight>
+                  <a:srgbClr val="C0C0C0"/>
+                </a:highlight>
+              </a:rPr>
+              <a:t>iomanip</a:t>
+            </a:r>
+            <a:r>
+              <a:rPr lang="en-US" altLang="zh-TW" dirty="0">
+                <a:highlight>
+                  <a:srgbClr val="C0C0C0"/>
+                </a:highlight>
+              </a:rPr>
+              <a:t>&gt;</a:t>
+            </a:r>
+            <a:r>
+              <a:rPr lang="zh-TW" altLang="en-US" dirty="0"/>
+              <a:t> </a:t>
+            </a:r>
+            <a:r>
+              <a:rPr lang="en-US" altLang="zh-TW" dirty="0"/>
+              <a:t>includes </a:t>
+            </a:r>
+          </a:p>
+          <a:p>
+            <a:pPr lvl="1"/>
             <a:r>
               <a:rPr lang="en-US" altLang="zh-TW" dirty="0" err="1"/>
-              <a:t>cout</a:t>
-            </a:r>
+              <a:t>setw</a:t>
+            </a:r>
+            <a:endParaRPr lang="en-US" altLang="zh-TW" dirty="0"/>
+          </a:p>
+          <a:p>
+            <a:pPr lvl="1"/>
             <a:r>
               <a:rPr lang="en-US" altLang="zh-TW" dirty="0"/>
-              <a:t> &lt;&lt; 1.0 / 2.0 &lt;&lt; std::</a:t>
-            </a:r>
+              <a:t>left/ right align</a:t>
+            </a:r>
+          </a:p>
+          <a:p>
+            <a:pPr lvl="1"/>
+            <a:r>
+              <a:rPr lang="en-US" altLang="zh-TW" dirty="0"/>
+              <a:t>fill</a:t>
+            </a:r>
+          </a:p>
+          <a:p>
+            <a:pPr lvl="1"/>
             <a:r>
               <a:rPr lang="en-US" altLang="zh-TW" dirty="0" err="1"/>
-              <a:t>endl</a:t>
-            </a:r>
+              <a:t>setprecision</a:t>
+            </a:r>
+            <a:endParaRPr lang="en-US" altLang="zh-TW" dirty="0"/>
+          </a:p>
+          <a:p>
+            <a:pPr lvl="1"/>
             <a:r>
               <a:rPr lang="en-US" altLang="zh-TW" dirty="0"/>
-              <a:t>;</a:t>
-            </a:r>
-          </a:p>
-          <a:p>
-            <a:r>
-              <a:rPr lang="zh-TW" altLang="en-US" dirty="0"/>
-              <a:t>❓</a:t>
-            </a:r>
-            <a:r>
-              <a:rPr lang="en-US" altLang="zh-TW" dirty="0"/>
-              <a:t> 0.5</a:t>
-            </a:r>
-          </a:p>
-          <a:p>
-            <a:r>
-              <a:rPr lang="zh-TW" altLang="en-US" dirty="0"/>
-              <a:t>❓</a:t>
-            </a:r>
-            <a:r>
-              <a:rPr lang="en-US" altLang="zh-TW" dirty="0"/>
-              <a:t> 0.50</a:t>
-            </a:r>
-          </a:p>
-          <a:p>
-            <a:r>
-              <a:rPr lang="zh-TW" altLang="en-US" dirty="0"/>
-              <a:t>❓ </a:t>
-            </a:r>
-            <a:r>
-              <a:rPr lang="en-US" altLang="zh-TW" dirty="0"/>
-              <a:t>other?</a:t>
-            </a:r>
-          </a:p>
-          <a:p>
-            <a:endParaRPr lang="en-US" altLang="zh-TW" dirty="0"/>
-          </a:p>
-          <a:p>
-            <a:r>
-              <a:rPr lang="en-US" altLang="zh-TW" dirty="0"/>
-              <a:t>Can we explicitly format the output?</a:t>
-            </a:r>
-            <a:endParaRPr lang="zh-TW" altLang="en-US" dirty="0"/>
+              <a:t>fixed/ scientific</a:t>
+            </a:r>
           </a:p>
         </p:txBody>
       </p:sp>
     </p:spTree>
     <p:extLst>
       <p:ext uri="{BB962C8B-B14F-4D97-AF65-F5344CB8AC3E}">
-        <p14:creationId xmlns:p14="http://schemas.microsoft.com/office/powerpoint/2010/main" val="838327606"/>
+        <p14:creationId xmlns:p14="http://schemas.microsoft.com/office/powerpoint/2010/main" val="616574688"/>
       </p:ext>
     </p:extLst>
   </p:cSld>
@@ -8027,6 +8001,14 @@
 <file path=ppt/slides/slide8.xml><?xml version="1.0" encoding="utf-8"?>
 <p:sld xmlns:a="http://schemas.openxmlformats.org/drawingml/2006/main" xmlns:r="http://schemas.openxmlformats.org/officeDocument/2006/relationships" xmlns:p="http://schemas.openxmlformats.org/presentationml/2006/main">
   <p:cSld>
+    <p:bg>
+      <p:bgPr>
+        <a:solidFill>
+          <a:schemeClr val="bg1"/>
+        </a:solidFill>
+        <a:effectLst/>
+      </p:bgPr>
+    </p:bg>
     <p:spTree>
       <p:nvGrpSpPr>
         <p:cNvPr id="1" name=""/>
@@ -8043,160 +8025,323 @@
       </p:grpSpPr>
       <p:sp>
         <p:nvSpPr>
-          <p:cNvPr id="2" name="標題 1">
-            <a:extLst>
-              <a:ext uri="{FF2B5EF4-FFF2-40B4-BE49-F238E27FC236}">
-                <a16:creationId xmlns:a16="http://schemas.microsoft.com/office/drawing/2014/main" id="{A4B815FF-2511-456C-995E-1D9AEF6CE4DD}"/>
+          <p:cNvPr id="10" name="Rectangle 9">
+            <a:extLst>
+              <a:ext uri="{FF2B5EF4-FFF2-40B4-BE49-F238E27FC236}">
+                <a16:creationId xmlns:a16="http://schemas.microsoft.com/office/drawing/2014/main" id="{42A4FC2C-047E-45A5-965D-8E1E3BF09BC6}"/>
+              </a:ext>
+              <a:ext uri="{C183D7F6-B498-43B3-948B-1728B52AA6E4}">
+                <adec:decorative xmlns:adec="http://schemas.microsoft.com/office/drawing/2017/decorative" val="1"/>
               </a:ext>
             </a:extLst>
           </p:cNvPr>
           <p:cNvSpPr>
-            <a:spLocks noGrp="1"/>
+            <a:spLocks noGrp="1" noRot="1" noChangeAspect="1" noMove="1" noResize="1" noEditPoints="1" noAdjustHandles="1" noChangeArrowheads="1" noChangeShapeType="1" noTextEdit="1"/>
           </p:cNvSpPr>
           <p:nvPr>
-            <p:ph type="title"/>
+            <p:extLst>
+              <p:ext uri="{386F3935-93C4-4BCD-93E2-E3B085C9AB24}">
+                <p16:designElem xmlns:p16="http://schemas.microsoft.com/office/powerpoint/2015/main" val="1"/>
+              </p:ext>
+            </p:extLst>
           </p:nvPr>
         </p:nvSpPr>
-        <p:spPr/>
-        <p:txBody>
-          <a:bodyPr/>
-          <a:lstStyle/>
-          <a:p>
-            <a:r>
-              <a:rPr lang="en-US" altLang="zh-TW" dirty="0"/>
-              <a:t>Formatting Output</a:t>
-            </a:r>
-            <a:endParaRPr lang="zh-TW" altLang="en-US" dirty="0"/>
-          </a:p>
-        </p:txBody>
-      </p:sp>
-      <p:sp>
-        <p:nvSpPr>
-          <p:cNvPr id="3" name="內容版面配置區 2">
-            <a:extLst>
-              <a:ext uri="{FF2B5EF4-FFF2-40B4-BE49-F238E27FC236}">
-                <a16:creationId xmlns:a16="http://schemas.microsoft.com/office/drawing/2014/main" id="{B726A873-B24F-41C8-8DD6-63019B0DC845}"/>
-              </a:ext>
-            </a:extLst>
-          </p:cNvPr>
-          <p:cNvSpPr>
-            <a:spLocks noGrp="1"/>
-          </p:cNvSpPr>
+        <p:spPr bwMode="white">
+          <a:xfrm>
+            <a:off x="1524" y="0"/>
+            <a:ext cx="12188952" cy="6858000"/>
+          </a:xfrm>
+          <a:prstGeom prst="rect">
+            <a:avLst/>
+          </a:prstGeom>
+          <a:noFill/>
+          <a:ln>
+            <a:noFill/>
+          </a:ln>
+        </p:spPr>
+        <p:style>
+          <a:lnRef idx="2">
+            <a:schemeClr val="accent1">
+              <a:shade val="50000"/>
+            </a:schemeClr>
+          </a:lnRef>
+          <a:fillRef idx="1">
+            <a:schemeClr val="accent1"/>
+          </a:fillRef>
+          <a:effectRef idx="0">
+            <a:schemeClr val="accent1"/>
+          </a:effectRef>
+          <a:fontRef idx="minor">
+            <a:schemeClr val="lt1"/>
+          </a:fontRef>
+        </p:style>
+        <p:txBody>
+          <a:bodyPr rtlCol="0" anchor="ctr"/>
+          <a:lstStyle>
+            <a:defPPr>
+              <a:defRPr lang="en-US"/>
+            </a:defPPr>
+            <a:lvl1pPr marL="0" algn="l" defTabSz="914400" rtl="0" eaLnBrk="1" latinLnBrk="0" hangingPunct="1">
+              <a:defRPr sz="1800" kern="1200">
+                <a:solidFill>
+                  <a:schemeClr val="lt1"/>
+                </a:solidFill>
+                <a:latin typeface="+mn-lt"/>
+                <a:ea typeface="+mn-ea"/>
+                <a:cs typeface="+mn-cs"/>
+              </a:defRPr>
+            </a:lvl1pPr>
+            <a:lvl2pPr marL="457200" algn="l" defTabSz="914400" rtl="0" eaLnBrk="1" latinLnBrk="0" hangingPunct="1">
+              <a:defRPr sz="1800" kern="1200">
+                <a:solidFill>
+                  <a:schemeClr val="lt1"/>
+                </a:solidFill>
+                <a:latin typeface="+mn-lt"/>
+                <a:ea typeface="+mn-ea"/>
+                <a:cs typeface="+mn-cs"/>
+              </a:defRPr>
+            </a:lvl2pPr>
+            <a:lvl3pPr marL="914400" algn="l" defTabSz="914400" rtl="0" eaLnBrk="1" latinLnBrk="0" hangingPunct="1">
+              <a:defRPr sz="1800" kern="1200">
+                <a:solidFill>
+                  <a:schemeClr val="lt1"/>
+                </a:solidFill>
+                <a:latin typeface="+mn-lt"/>
+                <a:ea typeface="+mn-ea"/>
+                <a:cs typeface="+mn-cs"/>
+              </a:defRPr>
+            </a:lvl3pPr>
+            <a:lvl4pPr marL="1371600" algn="l" defTabSz="914400" rtl="0" eaLnBrk="1" latinLnBrk="0" hangingPunct="1">
+              <a:defRPr sz="1800" kern="1200">
+                <a:solidFill>
+                  <a:schemeClr val="lt1"/>
+                </a:solidFill>
+                <a:latin typeface="+mn-lt"/>
+                <a:ea typeface="+mn-ea"/>
+                <a:cs typeface="+mn-cs"/>
+              </a:defRPr>
+            </a:lvl4pPr>
+            <a:lvl5pPr marL="1828800" algn="l" defTabSz="914400" rtl="0" eaLnBrk="1" latinLnBrk="0" hangingPunct="1">
+              <a:defRPr sz="1800" kern="1200">
+                <a:solidFill>
+                  <a:schemeClr val="lt1"/>
+                </a:solidFill>
+                <a:latin typeface="+mn-lt"/>
+                <a:ea typeface="+mn-ea"/>
+                <a:cs typeface="+mn-cs"/>
+              </a:defRPr>
+            </a:lvl5pPr>
+            <a:lvl6pPr marL="2286000" algn="l" defTabSz="914400" rtl="0" eaLnBrk="1" latinLnBrk="0" hangingPunct="1">
+              <a:defRPr sz="1800" kern="1200">
+                <a:solidFill>
+                  <a:schemeClr val="lt1"/>
+                </a:solidFill>
+                <a:latin typeface="+mn-lt"/>
+                <a:ea typeface="+mn-ea"/>
+                <a:cs typeface="+mn-cs"/>
+              </a:defRPr>
+            </a:lvl6pPr>
+            <a:lvl7pPr marL="2743200" algn="l" defTabSz="914400" rtl="0" eaLnBrk="1" latinLnBrk="0" hangingPunct="1">
+              <a:defRPr sz="1800" kern="1200">
+                <a:solidFill>
+                  <a:schemeClr val="lt1"/>
+                </a:solidFill>
+                <a:latin typeface="+mn-lt"/>
+                <a:ea typeface="+mn-ea"/>
+                <a:cs typeface="+mn-cs"/>
+              </a:defRPr>
+            </a:lvl7pPr>
+            <a:lvl8pPr marL="3200400" algn="l" defTabSz="914400" rtl="0" eaLnBrk="1" latinLnBrk="0" hangingPunct="1">
+              <a:defRPr sz="1800" kern="1200">
+                <a:solidFill>
+                  <a:schemeClr val="lt1"/>
+                </a:solidFill>
+                <a:latin typeface="+mn-lt"/>
+                <a:ea typeface="+mn-ea"/>
+                <a:cs typeface="+mn-cs"/>
+              </a:defRPr>
+            </a:lvl8pPr>
+            <a:lvl9pPr marL="3657600" algn="l" defTabSz="914400" rtl="0" eaLnBrk="1" latinLnBrk="0" hangingPunct="1">
+              <a:defRPr sz="1800" kern="1200">
+                <a:solidFill>
+                  <a:schemeClr val="lt1"/>
+                </a:solidFill>
+                <a:latin typeface="+mn-lt"/>
+                <a:ea typeface="+mn-ea"/>
+                <a:cs typeface="+mn-cs"/>
+              </a:defRPr>
+            </a:lvl9pPr>
+          </a:lstStyle>
+          <a:p>
+            <a:pPr algn="ctr"/>
+            <a:endParaRPr lang="en-US"/>
+          </a:p>
+        </p:txBody>
+      </p:sp>
+      <p:pic>
+        <p:nvPicPr>
+          <p:cNvPr id="5" name="內容版面配置區 4" descr="一張含有 文字, 室外, 綠色, 標誌 的圖片&#10;&#10;自動產生的描述">
+            <a:extLst>
+              <a:ext uri="{FF2B5EF4-FFF2-40B4-BE49-F238E27FC236}">
+                <a16:creationId xmlns:a16="http://schemas.microsoft.com/office/drawing/2014/main" id="{F1FF997E-94BE-48C4-8726-B41B727021AD}"/>
+              </a:ext>
+            </a:extLst>
+          </p:cNvPr>
+          <p:cNvPicPr>
+            <a:picLocks noGrp="1" noChangeAspect="1"/>
+          </p:cNvPicPr>
           <p:nvPr>
             <p:ph idx="1"/>
           </p:nvPr>
-        </p:nvSpPr>
-        <p:spPr/>
-        <p:txBody>
-          <a:bodyPr/>
+        </p:nvPicPr>
+        <p:blipFill rotWithShape="1">
+          <a:blip r:embed="rId2">
+            <a:extLst>
+              <a:ext uri="{28A0092B-C50C-407E-A947-70E740481C1C}">
+                <a14:useLocalDpi xmlns:a14="http://schemas.microsoft.com/office/drawing/2010/main" val="0"/>
+              </a:ext>
+            </a:extLst>
+          </a:blip>
+          <a:srcRect b="19"/>
+          <a:stretch/>
+        </p:blipFill>
+        <p:spPr>
+          <a:xfrm>
+            <a:off x="20" y="1282"/>
+            <a:ext cx="12191980" cy="6856718"/>
+          </a:xfrm>
+          <a:prstGeom prst="rect">
+            <a:avLst/>
+          </a:prstGeom>
+        </p:spPr>
+      </p:pic>
+      <p:sp>
+        <p:nvSpPr>
+          <p:cNvPr id="8" name="文字方塊 7">
+            <a:extLst>
+              <a:ext uri="{FF2B5EF4-FFF2-40B4-BE49-F238E27FC236}">
+                <a16:creationId xmlns:a16="http://schemas.microsoft.com/office/drawing/2014/main" id="{490F2732-998F-4532-AD3E-CDA9E4EC3B26}"/>
+              </a:ext>
+            </a:extLst>
+          </p:cNvPr>
+          <p:cNvSpPr txBox="1"/>
+          <p:nvPr/>
+        </p:nvSpPr>
+        <p:spPr>
+          <a:xfrm>
+            <a:off x="-1554" y="6557986"/>
+            <a:ext cx="6097554" cy="369332"/>
+          </a:xfrm>
+          <a:prstGeom prst="rect">
+            <a:avLst/>
+          </a:prstGeom>
+          <a:noFill/>
+        </p:spPr>
+        <p:txBody>
+          <a:bodyPr wrap="square">
+            <a:spAutoFit/>
+          </a:bodyPr>
           <a:lstStyle/>
           <a:p>
             <a:r>
-              <a:rPr lang="en-US" altLang="zh-TW" dirty="0"/>
-              <a:t>Require another library </a:t>
-            </a:r>
-            <a:r>
-              <a:rPr lang="en-US" altLang="zh-TW" dirty="0">
-                <a:highlight>
-                  <a:srgbClr val="C0C0C0"/>
-                </a:highlight>
+              <a:rPr lang="zh-TW" altLang="en-US" dirty="0"/>
+              <a:t>https://udn.com/news/story/7328/5490709</a:t>
+            </a:r>
+          </a:p>
+        </p:txBody>
+      </p:sp>
+      <p:sp>
+        <p:nvSpPr>
+          <p:cNvPr id="7" name="文字方塊 6">
+            <a:extLst>
+              <a:ext uri="{FF2B5EF4-FFF2-40B4-BE49-F238E27FC236}">
+                <a16:creationId xmlns:a16="http://schemas.microsoft.com/office/drawing/2014/main" id="{A9A51FFB-7D0A-4D7C-836F-AE11DD8AB1C2}"/>
+              </a:ext>
+            </a:extLst>
+          </p:cNvPr>
+          <p:cNvSpPr txBox="1"/>
+          <p:nvPr/>
+        </p:nvSpPr>
+        <p:spPr>
+          <a:xfrm>
+            <a:off x="3590488" y="4976819"/>
+            <a:ext cx="2782349" cy="1323439"/>
+          </a:xfrm>
+          <a:prstGeom prst="rect">
+            <a:avLst/>
+          </a:prstGeom>
+          <a:noFill/>
+        </p:spPr>
+        <p:txBody>
+          <a:bodyPr wrap="square" rtlCol="0">
+            <a:spAutoFit/>
+          </a:bodyPr>
+          <a:lstStyle/>
+          <a:p>
+            <a:r>
+              <a:rPr lang="en-US" altLang="zh-TW" sz="8000" b="1" dirty="0" err="1">
+                <a:solidFill>
+                  <a:srgbClr val="FFFF00"/>
+                </a:solidFill>
               </a:rPr>
-              <a:t>&lt;</a:t>
-            </a:r>
-            <a:r>
-              <a:rPr lang="en-US" altLang="zh-TW" dirty="0" err="1">
-                <a:highlight>
-                  <a:srgbClr val="C0C0C0"/>
-                </a:highlight>
+              <a:t>cerr</a:t>
+            </a:r>
+            <a:endParaRPr lang="zh-TW" altLang="en-US" sz="8000" b="1" dirty="0">
+              <a:solidFill>
+                <a:srgbClr val="FFFF00"/>
+              </a:solidFill>
+            </a:endParaRPr>
+          </a:p>
+        </p:txBody>
+      </p:sp>
+      <p:sp>
+        <p:nvSpPr>
+          <p:cNvPr id="11" name="文字方塊 10">
+            <a:extLst>
+              <a:ext uri="{FF2B5EF4-FFF2-40B4-BE49-F238E27FC236}">
+                <a16:creationId xmlns:a16="http://schemas.microsoft.com/office/drawing/2014/main" id="{79DD728A-6950-4F05-AEFC-0446DFA14FE4}"/>
+              </a:ext>
+            </a:extLst>
+          </p:cNvPr>
+          <p:cNvSpPr txBox="1"/>
+          <p:nvPr/>
+        </p:nvSpPr>
+        <p:spPr>
+          <a:xfrm>
+            <a:off x="9841684" y="4907501"/>
+            <a:ext cx="2782349" cy="1323439"/>
+          </a:xfrm>
+          <a:prstGeom prst="rect">
+            <a:avLst/>
+          </a:prstGeom>
+          <a:noFill/>
+        </p:spPr>
+        <p:txBody>
+          <a:bodyPr wrap="square" rtlCol="0">
+            <a:spAutoFit/>
+          </a:bodyPr>
+          <a:lstStyle/>
+          <a:p>
+            <a:r>
+              <a:rPr lang="en-US" altLang="zh-TW" sz="8000" b="1" dirty="0" err="1">
+                <a:solidFill>
+                  <a:srgbClr val="FFFF00"/>
+                </a:solidFill>
               </a:rPr>
-              <a:t>iomanip</a:t>
-            </a:r>
-            <a:r>
-              <a:rPr lang="en-US" altLang="zh-TW" dirty="0">
-                <a:highlight>
-                  <a:srgbClr val="C0C0C0"/>
-                </a:highlight>
-              </a:rPr>
-              <a:t>&gt;</a:t>
-            </a:r>
-          </a:p>
-          <a:p>
-            <a:r>
-              <a:rPr lang="en-US" altLang="zh-TW" dirty="0">
-                <a:highlight>
-                  <a:srgbClr val="C0C0C0"/>
-                </a:highlight>
-              </a:rPr>
-              <a:t>&lt;</a:t>
-            </a:r>
-            <a:r>
-              <a:rPr lang="en-US" altLang="zh-TW" dirty="0" err="1">
-                <a:highlight>
-                  <a:srgbClr val="C0C0C0"/>
-                </a:highlight>
-              </a:rPr>
-              <a:t>iomanip</a:t>
-            </a:r>
-            <a:r>
-              <a:rPr lang="en-US" altLang="zh-TW" dirty="0">
-                <a:highlight>
-                  <a:srgbClr val="C0C0C0"/>
-                </a:highlight>
-              </a:rPr>
-              <a:t>&gt;</a:t>
-            </a:r>
-            <a:r>
-              <a:rPr lang="zh-TW" altLang="en-US" dirty="0"/>
-              <a:t> </a:t>
-            </a:r>
-            <a:r>
-              <a:rPr lang="en-US" altLang="zh-TW" dirty="0"/>
-              <a:t>includes </a:t>
-            </a:r>
-          </a:p>
-          <a:p>
-            <a:pPr lvl="1"/>
-            <a:r>
-              <a:rPr lang="en-US" altLang="zh-TW" dirty="0" err="1"/>
-              <a:t>setw</a:t>
-            </a:r>
-            <a:endParaRPr lang="en-US" altLang="zh-TW" dirty="0"/>
-          </a:p>
-          <a:p>
-            <a:pPr lvl="1"/>
-            <a:r>
-              <a:rPr lang="en-US" altLang="zh-TW" dirty="0"/>
-              <a:t>left/ right align</a:t>
-            </a:r>
-          </a:p>
-          <a:p>
-            <a:pPr lvl="1"/>
-            <a:r>
-              <a:rPr lang="en-US" altLang="zh-TW" dirty="0"/>
-              <a:t>fill</a:t>
-            </a:r>
-          </a:p>
-          <a:p>
-            <a:pPr lvl="1"/>
-            <a:r>
-              <a:rPr lang="en-US" altLang="zh-TW" dirty="0" err="1"/>
-              <a:t>setprecision</a:t>
-            </a:r>
-            <a:endParaRPr lang="en-US" altLang="zh-TW" dirty="0"/>
-          </a:p>
-          <a:p>
-            <a:pPr lvl="1"/>
-            <a:r>
-              <a:rPr lang="en-US" altLang="zh-TW" dirty="0"/>
-              <a:t>fixed/ scientific</a:t>
-            </a:r>
+              <a:t>cout</a:t>
+            </a:r>
+            <a:endParaRPr lang="zh-TW" altLang="en-US" sz="8000" b="1" dirty="0">
+              <a:solidFill>
+                <a:srgbClr val="FFFF00"/>
+              </a:solidFill>
+            </a:endParaRPr>
           </a:p>
         </p:txBody>
       </p:sp>
     </p:spTree>
     <p:extLst>
       <p:ext uri="{BB962C8B-B14F-4D97-AF65-F5344CB8AC3E}">
-        <p14:creationId xmlns:p14="http://schemas.microsoft.com/office/powerpoint/2010/main" val="616574688"/>
+        <p14:creationId xmlns:p14="http://schemas.microsoft.com/office/powerpoint/2010/main" val="2919207978"/>
       </p:ext>
     </p:extLst>
   </p:cSld>

--- a/03-iostream/00-iostream.pptx
+++ b/03-iostream/00-iostream.pptx
@@ -7,12 +7,12 @@
   <p:sldIdLst>
     <p:sldId id="258" r:id="rId2"/>
     <p:sldId id="259" r:id="rId3"/>
-    <p:sldId id="261" r:id="rId4"/>
-    <p:sldId id="262" r:id="rId5"/>
-    <p:sldId id="265" r:id="rId6"/>
-    <p:sldId id="266" r:id="rId7"/>
-    <p:sldId id="267" r:id="rId8"/>
-    <p:sldId id="260" r:id="rId9"/>
+    <p:sldId id="260" r:id="rId4"/>
+    <p:sldId id="261" r:id="rId5"/>
+    <p:sldId id="262" r:id="rId6"/>
+    <p:sldId id="265" r:id="rId7"/>
+    <p:sldId id="266" r:id="rId8"/>
+    <p:sldId id="267" r:id="rId9"/>
     <p:sldId id="264" r:id="rId10"/>
     <p:sldId id="294" r:id="rId11"/>
   </p:sldIdLst>
@@ -268,7 +268,7 @@
           <a:p>
             <a:fld id="{87DFA0E8-174F-457D-A281-0FCE3F99AF07}" type="datetimeFigureOut">
               <a:rPr lang="zh-TW" altLang="en-US" smtClean="0"/>
-              <a:t>2021/9/21</a:t>
+              <a:t>2021/8/22</a:t>
             </a:fld>
             <a:endParaRPr lang="zh-TW" altLang="en-US"/>
           </a:p>
@@ -466,7 +466,7 @@
           <a:p>
             <a:fld id="{87DFA0E8-174F-457D-A281-0FCE3F99AF07}" type="datetimeFigureOut">
               <a:rPr lang="zh-TW" altLang="en-US" smtClean="0"/>
-              <a:t>2021/9/21</a:t>
+              <a:t>2021/8/22</a:t>
             </a:fld>
             <a:endParaRPr lang="zh-TW" altLang="en-US"/>
           </a:p>
@@ -674,7 +674,7 @@
           <a:p>
             <a:fld id="{87DFA0E8-174F-457D-A281-0FCE3F99AF07}" type="datetimeFigureOut">
               <a:rPr lang="zh-TW" altLang="en-US" smtClean="0"/>
-              <a:t>2021/9/21</a:t>
+              <a:t>2021/8/22</a:t>
             </a:fld>
             <a:endParaRPr lang="zh-TW" altLang="en-US"/>
           </a:p>
@@ -872,7 +872,7 @@
           <a:p>
             <a:fld id="{87DFA0E8-174F-457D-A281-0FCE3F99AF07}" type="datetimeFigureOut">
               <a:rPr lang="zh-TW" altLang="en-US" smtClean="0"/>
-              <a:t>2021/9/21</a:t>
+              <a:t>2021/8/22</a:t>
             </a:fld>
             <a:endParaRPr lang="zh-TW" altLang="en-US"/>
           </a:p>
@@ -1147,7 +1147,7 @@
           <a:p>
             <a:fld id="{87DFA0E8-174F-457D-A281-0FCE3F99AF07}" type="datetimeFigureOut">
               <a:rPr lang="zh-TW" altLang="en-US" smtClean="0"/>
-              <a:t>2021/9/21</a:t>
+              <a:t>2021/8/22</a:t>
             </a:fld>
             <a:endParaRPr lang="zh-TW" altLang="en-US"/>
           </a:p>
@@ -1412,7 +1412,7 @@
           <a:p>
             <a:fld id="{87DFA0E8-174F-457D-A281-0FCE3F99AF07}" type="datetimeFigureOut">
               <a:rPr lang="zh-TW" altLang="en-US" smtClean="0"/>
-              <a:t>2021/9/21</a:t>
+              <a:t>2021/8/22</a:t>
             </a:fld>
             <a:endParaRPr lang="zh-TW" altLang="en-US"/>
           </a:p>
@@ -1824,7 +1824,7 @@
           <a:p>
             <a:fld id="{87DFA0E8-174F-457D-A281-0FCE3F99AF07}" type="datetimeFigureOut">
               <a:rPr lang="zh-TW" altLang="en-US" smtClean="0"/>
-              <a:t>2021/9/21</a:t>
+              <a:t>2021/8/22</a:t>
             </a:fld>
             <a:endParaRPr lang="zh-TW" altLang="en-US"/>
           </a:p>
@@ -1965,7 +1965,7 @@
           <a:p>
             <a:fld id="{87DFA0E8-174F-457D-A281-0FCE3F99AF07}" type="datetimeFigureOut">
               <a:rPr lang="zh-TW" altLang="en-US" smtClean="0"/>
-              <a:t>2021/9/21</a:t>
+              <a:t>2021/8/22</a:t>
             </a:fld>
             <a:endParaRPr lang="zh-TW" altLang="en-US"/>
           </a:p>
@@ -2078,7 +2078,7 @@
           <a:p>
             <a:fld id="{87DFA0E8-174F-457D-A281-0FCE3F99AF07}" type="datetimeFigureOut">
               <a:rPr lang="zh-TW" altLang="en-US" smtClean="0"/>
-              <a:t>2021/9/21</a:t>
+              <a:t>2021/8/22</a:t>
             </a:fld>
             <a:endParaRPr lang="zh-TW" altLang="en-US"/>
           </a:p>
@@ -2389,7 +2389,7 @@
           <a:p>
             <a:fld id="{87DFA0E8-174F-457D-A281-0FCE3F99AF07}" type="datetimeFigureOut">
               <a:rPr lang="zh-TW" altLang="en-US" smtClean="0"/>
-              <a:t>2021/9/21</a:t>
+              <a:t>2021/8/22</a:t>
             </a:fld>
             <a:endParaRPr lang="zh-TW" altLang="en-US"/>
           </a:p>
@@ -2677,7 +2677,7 @@
           <a:p>
             <a:fld id="{87DFA0E8-174F-457D-A281-0FCE3F99AF07}" type="datetimeFigureOut">
               <a:rPr lang="zh-TW" altLang="en-US" smtClean="0"/>
-              <a:t>2021/9/21</a:t>
+              <a:t>2021/8/22</a:t>
             </a:fld>
             <a:endParaRPr lang="zh-TW" altLang="en-US"/>
           </a:p>
@@ -2918,7 +2918,7 @@
           <a:p>
             <a:fld id="{87DFA0E8-174F-457D-A281-0FCE3F99AF07}" type="datetimeFigureOut">
               <a:rPr lang="zh-TW" altLang="en-US" smtClean="0"/>
-              <a:t>2021/9/21</a:t>
+              <a:t>2021/8/22</a:t>
             </a:fld>
             <a:endParaRPr lang="zh-TW" altLang="en-US"/>
           </a:p>
@@ -4787,6 +4787,14 @@
 <file path=ppt/slides/slide3.xml><?xml version="1.0" encoding="utf-8"?>
 <p:sld xmlns:a="http://schemas.openxmlformats.org/drawingml/2006/main" xmlns:r="http://schemas.openxmlformats.org/officeDocument/2006/relationships" xmlns:p="http://schemas.openxmlformats.org/presentationml/2006/main">
   <p:cSld>
+    <p:bg>
+      <p:bgPr>
+        <a:solidFill>
+          <a:schemeClr val="bg1"/>
+        </a:solidFill>
+        <a:effectLst/>
+      </p:bgPr>
+    </p:bg>
     <p:spTree>
       <p:nvGrpSpPr>
         <p:cNvPr id="1" name=""/>
@@ -4803,6 +4811,351 @@
       </p:grpSpPr>
       <p:sp>
         <p:nvSpPr>
+          <p:cNvPr id="10" name="Rectangle 9">
+            <a:extLst>
+              <a:ext uri="{FF2B5EF4-FFF2-40B4-BE49-F238E27FC236}">
+                <a16:creationId xmlns:a16="http://schemas.microsoft.com/office/drawing/2014/main" id="{42A4FC2C-047E-45A5-965D-8E1E3BF09BC6}"/>
+              </a:ext>
+              <a:ext uri="{C183D7F6-B498-43B3-948B-1728B52AA6E4}">
+                <adec:decorative xmlns:adec="http://schemas.microsoft.com/office/drawing/2017/decorative" val="1"/>
+              </a:ext>
+            </a:extLst>
+          </p:cNvPr>
+          <p:cNvSpPr>
+            <a:spLocks noGrp="1" noRot="1" noChangeAspect="1" noMove="1" noResize="1" noEditPoints="1" noAdjustHandles="1" noChangeArrowheads="1" noChangeShapeType="1" noTextEdit="1"/>
+          </p:cNvSpPr>
+          <p:nvPr>
+            <p:extLst>
+              <p:ext uri="{386F3935-93C4-4BCD-93E2-E3B085C9AB24}">
+                <p16:designElem xmlns:p16="http://schemas.microsoft.com/office/powerpoint/2015/main" val="1"/>
+              </p:ext>
+            </p:extLst>
+          </p:nvPr>
+        </p:nvSpPr>
+        <p:spPr bwMode="white">
+          <a:xfrm>
+            <a:off x="1524" y="0"/>
+            <a:ext cx="12188952" cy="6858000"/>
+          </a:xfrm>
+          <a:prstGeom prst="rect">
+            <a:avLst/>
+          </a:prstGeom>
+          <a:noFill/>
+          <a:ln>
+            <a:noFill/>
+          </a:ln>
+        </p:spPr>
+        <p:style>
+          <a:lnRef idx="2">
+            <a:schemeClr val="accent1">
+              <a:shade val="50000"/>
+            </a:schemeClr>
+          </a:lnRef>
+          <a:fillRef idx="1">
+            <a:schemeClr val="accent1"/>
+          </a:fillRef>
+          <a:effectRef idx="0">
+            <a:schemeClr val="accent1"/>
+          </a:effectRef>
+          <a:fontRef idx="minor">
+            <a:schemeClr val="lt1"/>
+          </a:fontRef>
+        </p:style>
+        <p:txBody>
+          <a:bodyPr rtlCol="0" anchor="ctr"/>
+          <a:lstStyle>
+            <a:defPPr>
+              <a:defRPr lang="en-US"/>
+            </a:defPPr>
+            <a:lvl1pPr marL="0" algn="l" defTabSz="914400" rtl="0" eaLnBrk="1" latinLnBrk="0" hangingPunct="1">
+              <a:defRPr sz="1800" kern="1200">
+                <a:solidFill>
+                  <a:schemeClr val="lt1"/>
+                </a:solidFill>
+                <a:latin typeface="+mn-lt"/>
+                <a:ea typeface="+mn-ea"/>
+                <a:cs typeface="+mn-cs"/>
+              </a:defRPr>
+            </a:lvl1pPr>
+            <a:lvl2pPr marL="457200" algn="l" defTabSz="914400" rtl="0" eaLnBrk="1" latinLnBrk="0" hangingPunct="1">
+              <a:defRPr sz="1800" kern="1200">
+                <a:solidFill>
+                  <a:schemeClr val="lt1"/>
+                </a:solidFill>
+                <a:latin typeface="+mn-lt"/>
+                <a:ea typeface="+mn-ea"/>
+                <a:cs typeface="+mn-cs"/>
+              </a:defRPr>
+            </a:lvl2pPr>
+            <a:lvl3pPr marL="914400" algn="l" defTabSz="914400" rtl="0" eaLnBrk="1" latinLnBrk="0" hangingPunct="1">
+              <a:defRPr sz="1800" kern="1200">
+                <a:solidFill>
+                  <a:schemeClr val="lt1"/>
+                </a:solidFill>
+                <a:latin typeface="+mn-lt"/>
+                <a:ea typeface="+mn-ea"/>
+                <a:cs typeface="+mn-cs"/>
+              </a:defRPr>
+            </a:lvl3pPr>
+            <a:lvl4pPr marL="1371600" algn="l" defTabSz="914400" rtl="0" eaLnBrk="1" latinLnBrk="0" hangingPunct="1">
+              <a:defRPr sz="1800" kern="1200">
+                <a:solidFill>
+                  <a:schemeClr val="lt1"/>
+                </a:solidFill>
+                <a:latin typeface="+mn-lt"/>
+                <a:ea typeface="+mn-ea"/>
+                <a:cs typeface="+mn-cs"/>
+              </a:defRPr>
+            </a:lvl4pPr>
+            <a:lvl5pPr marL="1828800" algn="l" defTabSz="914400" rtl="0" eaLnBrk="1" latinLnBrk="0" hangingPunct="1">
+              <a:defRPr sz="1800" kern="1200">
+                <a:solidFill>
+                  <a:schemeClr val="lt1"/>
+                </a:solidFill>
+                <a:latin typeface="+mn-lt"/>
+                <a:ea typeface="+mn-ea"/>
+                <a:cs typeface="+mn-cs"/>
+              </a:defRPr>
+            </a:lvl5pPr>
+            <a:lvl6pPr marL="2286000" algn="l" defTabSz="914400" rtl="0" eaLnBrk="1" latinLnBrk="0" hangingPunct="1">
+              <a:defRPr sz="1800" kern="1200">
+                <a:solidFill>
+                  <a:schemeClr val="lt1"/>
+                </a:solidFill>
+                <a:latin typeface="+mn-lt"/>
+                <a:ea typeface="+mn-ea"/>
+                <a:cs typeface="+mn-cs"/>
+              </a:defRPr>
+            </a:lvl6pPr>
+            <a:lvl7pPr marL="2743200" algn="l" defTabSz="914400" rtl="0" eaLnBrk="1" latinLnBrk="0" hangingPunct="1">
+              <a:defRPr sz="1800" kern="1200">
+                <a:solidFill>
+                  <a:schemeClr val="lt1"/>
+                </a:solidFill>
+                <a:latin typeface="+mn-lt"/>
+                <a:ea typeface="+mn-ea"/>
+                <a:cs typeface="+mn-cs"/>
+              </a:defRPr>
+            </a:lvl7pPr>
+            <a:lvl8pPr marL="3200400" algn="l" defTabSz="914400" rtl="0" eaLnBrk="1" latinLnBrk="0" hangingPunct="1">
+              <a:defRPr sz="1800" kern="1200">
+                <a:solidFill>
+                  <a:schemeClr val="lt1"/>
+                </a:solidFill>
+                <a:latin typeface="+mn-lt"/>
+                <a:ea typeface="+mn-ea"/>
+                <a:cs typeface="+mn-cs"/>
+              </a:defRPr>
+            </a:lvl8pPr>
+            <a:lvl9pPr marL="3657600" algn="l" defTabSz="914400" rtl="0" eaLnBrk="1" latinLnBrk="0" hangingPunct="1">
+              <a:defRPr sz="1800" kern="1200">
+                <a:solidFill>
+                  <a:schemeClr val="lt1"/>
+                </a:solidFill>
+                <a:latin typeface="+mn-lt"/>
+                <a:ea typeface="+mn-ea"/>
+                <a:cs typeface="+mn-cs"/>
+              </a:defRPr>
+            </a:lvl9pPr>
+          </a:lstStyle>
+          <a:p>
+            <a:pPr algn="ctr"/>
+            <a:endParaRPr lang="en-US"/>
+          </a:p>
+        </p:txBody>
+      </p:sp>
+      <p:pic>
+        <p:nvPicPr>
+          <p:cNvPr id="5" name="內容版面配置區 4" descr="一張含有 文字, 室外, 綠色, 標誌 的圖片&#10;&#10;自動產生的描述">
+            <a:extLst>
+              <a:ext uri="{FF2B5EF4-FFF2-40B4-BE49-F238E27FC236}">
+                <a16:creationId xmlns:a16="http://schemas.microsoft.com/office/drawing/2014/main" id="{F1FF997E-94BE-48C4-8726-B41B727021AD}"/>
+              </a:ext>
+            </a:extLst>
+          </p:cNvPr>
+          <p:cNvPicPr>
+            <a:picLocks noGrp="1" noChangeAspect="1"/>
+          </p:cNvPicPr>
+          <p:nvPr>
+            <p:ph idx="1"/>
+          </p:nvPr>
+        </p:nvPicPr>
+        <p:blipFill rotWithShape="1">
+          <a:blip r:embed="rId2">
+            <a:extLst>
+              <a:ext uri="{28A0092B-C50C-407E-A947-70E740481C1C}">
+                <a14:useLocalDpi xmlns:a14="http://schemas.microsoft.com/office/drawing/2010/main" val="0"/>
+              </a:ext>
+            </a:extLst>
+          </a:blip>
+          <a:srcRect b="19"/>
+          <a:stretch/>
+        </p:blipFill>
+        <p:spPr>
+          <a:xfrm>
+            <a:off x="20" y="1282"/>
+            <a:ext cx="12191980" cy="6856718"/>
+          </a:xfrm>
+          <a:prstGeom prst="rect">
+            <a:avLst/>
+          </a:prstGeom>
+        </p:spPr>
+      </p:pic>
+      <p:sp>
+        <p:nvSpPr>
+          <p:cNvPr id="8" name="文字方塊 7">
+            <a:extLst>
+              <a:ext uri="{FF2B5EF4-FFF2-40B4-BE49-F238E27FC236}">
+                <a16:creationId xmlns:a16="http://schemas.microsoft.com/office/drawing/2014/main" id="{490F2732-998F-4532-AD3E-CDA9E4EC3B26}"/>
+              </a:ext>
+            </a:extLst>
+          </p:cNvPr>
+          <p:cNvSpPr txBox="1"/>
+          <p:nvPr/>
+        </p:nvSpPr>
+        <p:spPr>
+          <a:xfrm>
+            <a:off x="-1554" y="6557986"/>
+            <a:ext cx="6097554" cy="369332"/>
+          </a:xfrm>
+          <a:prstGeom prst="rect">
+            <a:avLst/>
+          </a:prstGeom>
+          <a:noFill/>
+        </p:spPr>
+        <p:txBody>
+          <a:bodyPr wrap="square">
+            <a:spAutoFit/>
+          </a:bodyPr>
+          <a:lstStyle/>
+          <a:p>
+            <a:r>
+              <a:rPr lang="zh-TW" altLang="en-US" dirty="0"/>
+              <a:t>https://udn.com/news/story/7328/5490709</a:t>
+            </a:r>
+          </a:p>
+        </p:txBody>
+      </p:sp>
+      <p:sp>
+        <p:nvSpPr>
+          <p:cNvPr id="7" name="文字方塊 6">
+            <a:extLst>
+              <a:ext uri="{FF2B5EF4-FFF2-40B4-BE49-F238E27FC236}">
+                <a16:creationId xmlns:a16="http://schemas.microsoft.com/office/drawing/2014/main" id="{A9A51FFB-7D0A-4D7C-836F-AE11DD8AB1C2}"/>
+              </a:ext>
+            </a:extLst>
+          </p:cNvPr>
+          <p:cNvSpPr txBox="1"/>
+          <p:nvPr/>
+        </p:nvSpPr>
+        <p:spPr>
+          <a:xfrm>
+            <a:off x="3590488" y="4976819"/>
+            <a:ext cx="2782349" cy="1323439"/>
+          </a:xfrm>
+          <a:prstGeom prst="rect">
+            <a:avLst/>
+          </a:prstGeom>
+          <a:noFill/>
+        </p:spPr>
+        <p:txBody>
+          <a:bodyPr wrap="square" rtlCol="0">
+            <a:spAutoFit/>
+          </a:bodyPr>
+          <a:lstStyle/>
+          <a:p>
+            <a:r>
+              <a:rPr lang="en-US" altLang="zh-TW" sz="8000" b="1" dirty="0" err="1">
+                <a:solidFill>
+                  <a:srgbClr val="FFFF00"/>
+                </a:solidFill>
+              </a:rPr>
+              <a:t>cerr</a:t>
+            </a:r>
+            <a:endParaRPr lang="zh-TW" altLang="en-US" sz="8000" b="1" dirty="0">
+              <a:solidFill>
+                <a:srgbClr val="FFFF00"/>
+              </a:solidFill>
+            </a:endParaRPr>
+          </a:p>
+        </p:txBody>
+      </p:sp>
+      <p:sp>
+        <p:nvSpPr>
+          <p:cNvPr id="11" name="文字方塊 10">
+            <a:extLst>
+              <a:ext uri="{FF2B5EF4-FFF2-40B4-BE49-F238E27FC236}">
+                <a16:creationId xmlns:a16="http://schemas.microsoft.com/office/drawing/2014/main" id="{79DD728A-6950-4F05-AEFC-0446DFA14FE4}"/>
+              </a:ext>
+            </a:extLst>
+          </p:cNvPr>
+          <p:cNvSpPr txBox="1"/>
+          <p:nvPr/>
+        </p:nvSpPr>
+        <p:spPr>
+          <a:xfrm>
+            <a:off x="9841684" y="4907501"/>
+            <a:ext cx="2782349" cy="1323439"/>
+          </a:xfrm>
+          <a:prstGeom prst="rect">
+            <a:avLst/>
+          </a:prstGeom>
+          <a:noFill/>
+        </p:spPr>
+        <p:txBody>
+          <a:bodyPr wrap="square" rtlCol="0">
+            <a:spAutoFit/>
+          </a:bodyPr>
+          <a:lstStyle/>
+          <a:p>
+            <a:r>
+              <a:rPr lang="en-US" altLang="zh-TW" sz="8000" b="1" dirty="0" err="1">
+                <a:solidFill>
+                  <a:srgbClr val="FFFF00"/>
+                </a:solidFill>
+              </a:rPr>
+              <a:t>cout</a:t>
+            </a:r>
+            <a:endParaRPr lang="zh-TW" altLang="en-US" sz="8000" b="1" dirty="0">
+              <a:solidFill>
+                <a:srgbClr val="FFFF00"/>
+              </a:solidFill>
+            </a:endParaRPr>
+          </a:p>
+        </p:txBody>
+      </p:sp>
+    </p:spTree>
+    <p:extLst>
+      <p:ext uri="{BB962C8B-B14F-4D97-AF65-F5344CB8AC3E}">
+        <p14:creationId xmlns:p14="http://schemas.microsoft.com/office/powerpoint/2010/main" val="2919207978"/>
+      </p:ext>
+    </p:extLst>
+  </p:cSld>
+  <p:clrMapOvr>
+    <a:masterClrMapping/>
+  </p:clrMapOvr>
+</p:sld>
+</file>
+
+<file path=ppt/slides/slide4.xml><?xml version="1.0" encoding="utf-8"?>
+<p:sld xmlns:a="http://schemas.openxmlformats.org/drawingml/2006/main" xmlns:r="http://schemas.openxmlformats.org/officeDocument/2006/relationships" xmlns:p="http://schemas.openxmlformats.org/presentationml/2006/main">
+  <p:cSld>
+    <p:spTree>
+      <p:nvGrpSpPr>
+        <p:cNvPr id="1" name=""/>
+        <p:cNvGrpSpPr/>
+        <p:nvPr/>
+      </p:nvGrpSpPr>
+      <p:grpSpPr>
+        <a:xfrm>
+          <a:off x="0" y="0"/>
+          <a:ext cx="0" cy="0"/>
+          <a:chOff x="0" y="0"/>
+          <a:chExt cx="0" cy="0"/>
+        </a:xfrm>
+      </p:grpSpPr>
+      <p:sp>
+        <p:nvSpPr>
           <p:cNvPr id="2" name="標題 1">
             <a:extLst>
               <a:ext uri="{FF2B5EF4-FFF2-40B4-BE49-F238E27FC236}">
@@ -4962,7 +5315,7 @@
 </p:sld>
 </file>
 
-<file path=ppt/slides/slide4.xml><?xml version="1.0" encoding="utf-8"?>
+<file path=ppt/slides/slide5.xml><?xml version="1.0" encoding="utf-8"?>
 <p:sld xmlns:a="http://schemas.openxmlformats.org/drawingml/2006/main" xmlns:r="http://schemas.openxmlformats.org/officeDocument/2006/relationships" xmlns:p="http://schemas.openxmlformats.org/presentationml/2006/main">
   <p:cSld>
     <p:spTree>
@@ -5886,7 +6239,7 @@
 </p:sld>
 </file>
 
-<file path=ppt/slides/slide5.xml><?xml version="1.0" encoding="utf-8"?>
+<file path=ppt/slides/slide6.xml><?xml version="1.0" encoding="utf-8"?>
 <p:sld xmlns:a="http://schemas.openxmlformats.org/drawingml/2006/main" xmlns:r="http://schemas.openxmlformats.org/officeDocument/2006/relationships" xmlns:p="http://schemas.openxmlformats.org/presentationml/2006/main">
   <p:cSld>
     <p:spTree>
@@ -7528,294 +7881,6 @@
 </p:sld>
 </file>
 
-<file path=ppt/slides/slide6.xml><?xml version="1.0" encoding="utf-8"?>
-<p:sld xmlns:a="http://schemas.openxmlformats.org/drawingml/2006/main" xmlns:r="http://schemas.openxmlformats.org/officeDocument/2006/relationships" xmlns:p="http://schemas.openxmlformats.org/presentationml/2006/main">
-  <p:cSld>
-    <p:spTree>
-      <p:nvGrpSpPr>
-        <p:cNvPr id="1" name=""/>
-        <p:cNvGrpSpPr/>
-        <p:nvPr/>
-      </p:nvGrpSpPr>
-      <p:grpSpPr>
-        <a:xfrm>
-          <a:off x="0" y="0"/>
-          <a:ext cx="0" cy="0"/>
-          <a:chOff x="0" y="0"/>
-          <a:chExt cx="0" cy="0"/>
-        </a:xfrm>
-      </p:grpSpPr>
-      <p:sp>
-        <p:nvSpPr>
-          <p:cNvPr id="2" name="標題 1">
-            <a:extLst>
-              <a:ext uri="{FF2B5EF4-FFF2-40B4-BE49-F238E27FC236}">
-                <a16:creationId xmlns:a16="http://schemas.microsoft.com/office/drawing/2014/main" id="{20AF70CD-07C4-4021-BEC6-D18AF9399B4C}"/>
-              </a:ext>
-            </a:extLst>
-          </p:cNvPr>
-          <p:cNvSpPr>
-            <a:spLocks noGrp="1"/>
-          </p:cNvSpPr>
-          <p:nvPr>
-            <p:ph type="title"/>
-          </p:nvPr>
-        </p:nvSpPr>
-        <p:spPr/>
-        <p:txBody>
-          <a:bodyPr/>
-          <a:lstStyle/>
-          <a:p>
-            <a:r>
-              <a:rPr lang="en-US" altLang="zh-TW" dirty="0"/>
-              <a:t>Formatting Output</a:t>
-            </a:r>
-            <a:endParaRPr lang="zh-TW" altLang="en-US" dirty="0"/>
-          </a:p>
-        </p:txBody>
-      </p:sp>
-      <p:sp>
-        <p:nvSpPr>
-          <p:cNvPr id="3" name="內容版面配置區 2">
-            <a:extLst>
-              <a:ext uri="{FF2B5EF4-FFF2-40B4-BE49-F238E27FC236}">
-                <a16:creationId xmlns:a16="http://schemas.microsoft.com/office/drawing/2014/main" id="{C8D9B03D-05A6-4A54-804C-4073E05FE3FC}"/>
-              </a:ext>
-            </a:extLst>
-          </p:cNvPr>
-          <p:cNvSpPr>
-            <a:spLocks noGrp="1"/>
-          </p:cNvSpPr>
-          <p:nvPr>
-            <p:ph idx="1"/>
-          </p:nvPr>
-        </p:nvSpPr>
-        <p:spPr/>
-        <p:txBody>
-          <a:bodyPr/>
-          <a:lstStyle/>
-          <a:p>
-            <a:r>
-              <a:rPr lang="en-US" altLang="zh-TW" dirty="0"/>
-              <a:t>Q: </a:t>
-            </a:r>
-            <a:r>
-              <a:rPr lang="en-US" altLang="zh-TW" b="0" dirty="0">
-                <a:solidFill>
-                  <a:srgbClr val="267F99"/>
-                </a:solidFill>
-                <a:effectLst/>
-                <a:latin typeface="Consolas" panose="020B0609020204030204" pitchFamily="49" charset="0"/>
-              </a:rPr>
-              <a:t>std</a:t>
-            </a:r>
-            <a:r>
-              <a:rPr lang="en-US" altLang="zh-TW" b="0" dirty="0">
-                <a:solidFill>
-                  <a:srgbClr val="000000"/>
-                </a:solidFill>
-                <a:effectLst/>
-                <a:latin typeface="Consolas" panose="020B0609020204030204" pitchFamily="49" charset="0"/>
-              </a:rPr>
-              <a:t>::</a:t>
-            </a:r>
-            <a:r>
-              <a:rPr lang="en-US" altLang="zh-TW" b="0" dirty="0" err="1">
-                <a:solidFill>
-                  <a:srgbClr val="001080"/>
-                </a:solidFill>
-                <a:effectLst/>
-                <a:latin typeface="Consolas" panose="020B0609020204030204" pitchFamily="49" charset="0"/>
-              </a:rPr>
-              <a:t>cout</a:t>
-            </a:r>
-            <a:r>
-              <a:rPr lang="en-US" altLang="zh-TW" b="0" dirty="0">
-                <a:solidFill>
-                  <a:srgbClr val="000000"/>
-                </a:solidFill>
-                <a:effectLst/>
-                <a:latin typeface="Consolas" panose="020B0609020204030204" pitchFamily="49" charset="0"/>
-              </a:rPr>
-              <a:t> </a:t>
-            </a:r>
-            <a:r>
-              <a:rPr lang="en-US" altLang="zh-TW" b="0" dirty="0">
-                <a:solidFill>
-                  <a:srgbClr val="795E26"/>
-                </a:solidFill>
-                <a:effectLst/>
-                <a:latin typeface="Consolas" panose="020B0609020204030204" pitchFamily="49" charset="0"/>
-              </a:rPr>
-              <a:t>&lt;&lt;</a:t>
-            </a:r>
-            <a:r>
-              <a:rPr lang="en-US" altLang="zh-TW" b="0" dirty="0">
-                <a:solidFill>
-                  <a:srgbClr val="000000"/>
-                </a:solidFill>
-                <a:effectLst/>
-                <a:latin typeface="Consolas" panose="020B0609020204030204" pitchFamily="49" charset="0"/>
-              </a:rPr>
-              <a:t> </a:t>
-            </a:r>
-            <a:r>
-              <a:rPr lang="en-US" altLang="zh-TW" b="0" dirty="0">
-                <a:solidFill>
-                  <a:srgbClr val="098658"/>
-                </a:solidFill>
-                <a:effectLst/>
-                <a:latin typeface="Consolas" panose="020B0609020204030204" pitchFamily="49" charset="0"/>
-              </a:rPr>
-              <a:t>1.0</a:t>
-            </a:r>
-            <a:r>
-              <a:rPr lang="en-US" altLang="zh-TW" b="0" dirty="0">
-                <a:solidFill>
-                  <a:srgbClr val="000000"/>
-                </a:solidFill>
-                <a:effectLst/>
-                <a:latin typeface="Consolas" panose="020B0609020204030204" pitchFamily="49" charset="0"/>
-              </a:rPr>
-              <a:t> / </a:t>
-            </a:r>
-            <a:r>
-              <a:rPr lang="en-US" altLang="zh-TW" b="0" dirty="0">
-                <a:solidFill>
-                  <a:srgbClr val="098658"/>
-                </a:solidFill>
-                <a:effectLst/>
-                <a:latin typeface="Consolas" panose="020B0609020204030204" pitchFamily="49" charset="0"/>
-              </a:rPr>
-              <a:t>2.0</a:t>
-            </a:r>
-            <a:r>
-              <a:rPr lang="en-US" altLang="zh-TW" b="0" dirty="0">
-                <a:solidFill>
-                  <a:srgbClr val="000000"/>
-                </a:solidFill>
-                <a:effectLst/>
-                <a:latin typeface="Consolas" panose="020B0609020204030204" pitchFamily="49" charset="0"/>
-              </a:rPr>
-              <a:t> </a:t>
-            </a:r>
-            <a:r>
-              <a:rPr lang="en-US" altLang="zh-TW" b="0" dirty="0">
-                <a:solidFill>
-                  <a:srgbClr val="795E26"/>
-                </a:solidFill>
-                <a:effectLst/>
-                <a:latin typeface="Consolas" panose="020B0609020204030204" pitchFamily="49" charset="0"/>
-              </a:rPr>
-              <a:t>&lt;&lt;</a:t>
-            </a:r>
-            <a:r>
-              <a:rPr lang="en-US" altLang="zh-TW" b="0" dirty="0">
-                <a:solidFill>
-                  <a:srgbClr val="000000"/>
-                </a:solidFill>
-                <a:effectLst/>
-                <a:latin typeface="Consolas" panose="020B0609020204030204" pitchFamily="49" charset="0"/>
-              </a:rPr>
-              <a:t> </a:t>
-            </a:r>
-            <a:r>
-              <a:rPr lang="en-US" altLang="zh-TW" b="0" dirty="0">
-                <a:solidFill>
-                  <a:srgbClr val="267F99"/>
-                </a:solidFill>
-                <a:effectLst/>
-                <a:latin typeface="Consolas" panose="020B0609020204030204" pitchFamily="49" charset="0"/>
-              </a:rPr>
-              <a:t>std</a:t>
-            </a:r>
-            <a:r>
-              <a:rPr lang="en-US" altLang="zh-TW" b="0" dirty="0">
-                <a:solidFill>
-                  <a:srgbClr val="000000"/>
-                </a:solidFill>
-                <a:effectLst/>
-                <a:latin typeface="Consolas" panose="020B0609020204030204" pitchFamily="49" charset="0"/>
-              </a:rPr>
-              <a:t>::</a:t>
-            </a:r>
-            <a:r>
-              <a:rPr lang="en-US" altLang="zh-TW" b="0" dirty="0" err="1">
-                <a:solidFill>
-                  <a:srgbClr val="795E26"/>
-                </a:solidFill>
-                <a:effectLst/>
-                <a:latin typeface="Consolas" panose="020B0609020204030204" pitchFamily="49" charset="0"/>
-              </a:rPr>
-              <a:t>endl</a:t>
-            </a:r>
-            <a:r>
-              <a:rPr lang="en-US" altLang="zh-TW" b="0" dirty="0">
-                <a:solidFill>
-                  <a:srgbClr val="000000"/>
-                </a:solidFill>
-                <a:effectLst/>
-                <a:latin typeface="Consolas" panose="020B0609020204030204" pitchFamily="49" charset="0"/>
-              </a:rPr>
-              <a:t>;</a:t>
-            </a:r>
-            <a:endParaRPr lang="en-US" altLang="zh-TW" dirty="0"/>
-          </a:p>
-          <a:p>
-            <a:r>
-              <a:rPr lang="zh-TW" altLang="en-US" dirty="0"/>
-              <a:t>❓</a:t>
-            </a:r>
-            <a:r>
-              <a:rPr lang="en-US" altLang="zh-TW" dirty="0"/>
-              <a:t> 0.5</a:t>
-            </a:r>
-          </a:p>
-          <a:p>
-            <a:r>
-              <a:rPr lang="zh-TW" altLang="en-US" dirty="0"/>
-              <a:t>❓</a:t>
-            </a:r>
-            <a:r>
-              <a:rPr lang="en-US" altLang="zh-TW" dirty="0"/>
-              <a:t> 0.50</a:t>
-            </a:r>
-          </a:p>
-          <a:p>
-            <a:r>
-              <a:rPr lang="zh-TW" altLang="en-US" dirty="0"/>
-              <a:t>❓ </a:t>
-            </a:r>
-            <a:r>
-              <a:rPr lang="en-US" altLang="zh-TW" dirty="0"/>
-              <a:t>other?</a:t>
-            </a:r>
-          </a:p>
-          <a:p>
-            <a:endParaRPr lang="en-US" altLang="zh-TW" dirty="0"/>
-          </a:p>
-          <a:p>
-            <a:r>
-              <a:rPr lang="en-US" altLang="zh-TW" dirty="0"/>
-              <a:t>Can we explicitly format the output?</a:t>
-            </a:r>
-            <a:endParaRPr lang="zh-TW" altLang="en-US" dirty="0"/>
-          </a:p>
-        </p:txBody>
-      </p:sp>
-    </p:spTree>
-    <p:extLst>
-      <p:ext uri="{BB962C8B-B14F-4D97-AF65-F5344CB8AC3E}">
-        <p14:creationId xmlns:p14="http://schemas.microsoft.com/office/powerpoint/2010/main" val="838327606"/>
-      </p:ext>
-    </p:extLst>
-  </p:cSld>
-  <p:clrMapOvr>
-    <a:masterClrMapping/>
-  </p:clrMapOvr>
-</p:sld>
-</file>
-
 <file path=ppt/slides/slide7.xml><?xml version="1.0" encoding="utf-8"?>
 <p:sld xmlns:a="http://schemas.openxmlformats.org/drawingml/2006/main" xmlns:r="http://schemas.openxmlformats.org/officeDocument/2006/relationships" xmlns:p="http://schemas.openxmlformats.org/presentationml/2006/main">
   <p:cSld>
@@ -7838,7 +7903,7 @@
           <p:cNvPr id="2" name="標題 1">
             <a:extLst>
               <a:ext uri="{FF2B5EF4-FFF2-40B4-BE49-F238E27FC236}">
-                <a16:creationId xmlns:a16="http://schemas.microsoft.com/office/drawing/2014/main" id="{A4B815FF-2511-456C-995E-1D9AEF6CE4DD}"/>
+                <a16:creationId xmlns:a16="http://schemas.microsoft.com/office/drawing/2014/main" id="{20AF70CD-07C4-4021-BEC6-D18AF9399B4C}"/>
               </a:ext>
             </a:extLst>
           </p:cNvPr>
@@ -7867,7 +7932,7 @@
           <p:cNvPr id="3" name="內容版面配置區 2">
             <a:extLst>
               <a:ext uri="{FF2B5EF4-FFF2-40B4-BE49-F238E27FC236}">
-                <a16:creationId xmlns:a16="http://schemas.microsoft.com/office/drawing/2014/main" id="{B726A873-B24F-41C8-8DD6-63019B0DC845}"/>
+                <a16:creationId xmlns:a16="http://schemas.microsoft.com/office/drawing/2014/main" id="{C8D9B03D-05A6-4A54-804C-4073E05FE3FC}"/>
               </a:ext>
             </a:extLst>
           </p:cNvPr>
@@ -7885,110 +7950,71 @@
           <a:p>
             <a:r>
               <a:rPr lang="en-US" altLang="zh-TW" dirty="0"/>
-              <a:t>Require another library </a:t>
-            </a:r>
-            <a:r>
-              <a:rPr lang="en-US" altLang="zh-TW" dirty="0">
-                <a:highlight>
-                  <a:srgbClr val="C0C0C0"/>
-                </a:highlight>
-              </a:rPr>
-              <a:t>&lt;</a:t>
-            </a:r>
-            <a:r>
-              <a:rPr lang="en-US" altLang="zh-TW" dirty="0" err="1">
-                <a:highlight>
-                  <a:srgbClr val="C0C0C0"/>
-                </a:highlight>
-              </a:rPr>
-              <a:t>iomanip</a:t>
-            </a:r>
-            <a:r>
-              <a:rPr lang="en-US" altLang="zh-TW" dirty="0">
-                <a:highlight>
-                  <a:srgbClr val="C0C0C0"/>
-                </a:highlight>
-              </a:rPr>
-              <a:t>&gt;</a:t>
-            </a:r>
-          </a:p>
-          <a:p>
-            <a:r>
-              <a:rPr lang="en-US" altLang="zh-TW" dirty="0">
-                <a:highlight>
-                  <a:srgbClr val="C0C0C0"/>
-                </a:highlight>
-              </a:rPr>
-              <a:t>&lt;</a:t>
-            </a:r>
-            <a:r>
-              <a:rPr lang="en-US" altLang="zh-TW" dirty="0" err="1">
-                <a:highlight>
-                  <a:srgbClr val="C0C0C0"/>
-                </a:highlight>
-              </a:rPr>
-              <a:t>iomanip</a:t>
-            </a:r>
-            <a:r>
-              <a:rPr lang="en-US" altLang="zh-TW" dirty="0">
-                <a:highlight>
-                  <a:srgbClr val="C0C0C0"/>
-                </a:highlight>
-              </a:rPr>
-              <a:t>&gt;</a:t>
-            </a:r>
+              <a:t>Q: std::</a:t>
+            </a:r>
+            <a:r>
+              <a:rPr lang="en-US" altLang="zh-TW" dirty="0" err="1"/>
+              <a:t>cout</a:t>
+            </a:r>
+            <a:r>
+              <a:rPr lang="en-US" altLang="zh-TW" dirty="0"/>
+              <a:t> &lt;&lt; 1.0 / 2.0 &lt;&lt; std::</a:t>
+            </a:r>
+            <a:r>
+              <a:rPr lang="en-US" altLang="zh-TW" dirty="0" err="1"/>
+              <a:t>endl</a:t>
+            </a:r>
+            <a:r>
+              <a:rPr lang="en-US" altLang="zh-TW" dirty="0"/>
+              <a:t>;</a:t>
+            </a:r>
+          </a:p>
+          <a:p>
             <a:r>
               <a:rPr lang="zh-TW" altLang="en-US" dirty="0"/>
-              <a:t> </a:t>
+              <a:t>❓</a:t>
             </a:r>
             <a:r>
               <a:rPr lang="en-US" altLang="zh-TW" dirty="0"/>
-              <a:t>includes </a:t>
-            </a:r>
-          </a:p>
-          <a:p>
-            <a:pPr lvl="1"/>
-            <a:r>
-              <a:rPr lang="en-US" altLang="zh-TW" dirty="0" err="1"/>
-              <a:t>setw</a:t>
-            </a:r>
+              <a:t> 0.5</a:t>
+            </a:r>
+          </a:p>
+          <a:p>
+            <a:r>
+              <a:rPr lang="zh-TW" altLang="en-US" dirty="0"/>
+              <a:t>❓</a:t>
+            </a:r>
+            <a:r>
+              <a:rPr lang="en-US" altLang="zh-TW" dirty="0"/>
+              <a:t> 0.50</a:t>
+            </a:r>
+          </a:p>
+          <a:p>
+            <a:r>
+              <a:rPr lang="zh-TW" altLang="en-US" dirty="0"/>
+              <a:t>❓ </a:t>
+            </a:r>
+            <a:r>
+              <a:rPr lang="en-US" altLang="zh-TW" dirty="0"/>
+              <a:t>other?</a:t>
+            </a:r>
+          </a:p>
+          <a:p>
             <a:endParaRPr lang="en-US" altLang="zh-TW" dirty="0"/>
           </a:p>
           <a:p>
-            <a:pPr lvl="1"/>
             <a:r>
               <a:rPr lang="en-US" altLang="zh-TW" dirty="0"/>
-              <a:t>left/ right align</a:t>
-            </a:r>
-          </a:p>
-          <a:p>
-            <a:pPr lvl="1"/>
-            <a:r>
-              <a:rPr lang="en-US" altLang="zh-TW" dirty="0"/>
-              <a:t>fill</a:t>
-            </a:r>
-          </a:p>
-          <a:p>
-            <a:pPr lvl="1"/>
-            <a:r>
-              <a:rPr lang="en-US" altLang="zh-TW" dirty="0" err="1"/>
-              <a:t>setprecision</a:t>
-            </a:r>
-            <a:endParaRPr lang="en-US" altLang="zh-TW" dirty="0"/>
-          </a:p>
-          <a:p>
-            <a:pPr lvl="1"/>
-            <a:r>
-              <a:rPr lang="en-US" altLang="zh-TW" dirty="0"/>
-              <a:t>fixed/ scientific</a:t>
-            </a:r>
+              <a:t>Can we explicitly format the output?</a:t>
+            </a:r>
+            <a:endParaRPr lang="zh-TW" altLang="en-US" dirty="0"/>
           </a:p>
         </p:txBody>
       </p:sp>
     </p:spTree>
     <p:extLst>
       <p:ext uri="{BB962C8B-B14F-4D97-AF65-F5344CB8AC3E}">
-        <p14:creationId xmlns:p14="http://schemas.microsoft.com/office/powerpoint/2010/main" val="616574688"/>
+        <p14:creationId xmlns:p14="http://schemas.microsoft.com/office/powerpoint/2010/main" val="838327606"/>
       </p:ext>
     </p:extLst>
   </p:cSld>
@@ -8001,14 +8027,6 @@
 <file path=ppt/slides/slide8.xml><?xml version="1.0" encoding="utf-8"?>
 <p:sld xmlns:a="http://schemas.openxmlformats.org/drawingml/2006/main" xmlns:r="http://schemas.openxmlformats.org/officeDocument/2006/relationships" xmlns:p="http://schemas.openxmlformats.org/presentationml/2006/main">
   <p:cSld>
-    <p:bg>
-      <p:bgPr>
-        <a:solidFill>
-          <a:schemeClr val="bg1"/>
-        </a:solidFill>
-        <a:effectLst/>
-      </p:bgPr>
-    </p:bg>
     <p:spTree>
       <p:nvGrpSpPr>
         <p:cNvPr id="1" name=""/>
@@ -8025,323 +8043,160 @@
       </p:grpSpPr>
       <p:sp>
         <p:nvSpPr>
-          <p:cNvPr id="10" name="Rectangle 9">
-            <a:extLst>
-              <a:ext uri="{FF2B5EF4-FFF2-40B4-BE49-F238E27FC236}">
-                <a16:creationId xmlns:a16="http://schemas.microsoft.com/office/drawing/2014/main" id="{42A4FC2C-047E-45A5-965D-8E1E3BF09BC6}"/>
-              </a:ext>
-              <a:ext uri="{C183D7F6-B498-43B3-948B-1728B52AA6E4}">
-                <adec:decorative xmlns:adec="http://schemas.microsoft.com/office/drawing/2017/decorative" val="1"/>
+          <p:cNvPr id="2" name="標題 1">
+            <a:extLst>
+              <a:ext uri="{FF2B5EF4-FFF2-40B4-BE49-F238E27FC236}">
+                <a16:creationId xmlns:a16="http://schemas.microsoft.com/office/drawing/2014/main" id="{A4B815FF-2511-456C-995E-1D9AEF6CE4DD}"/>
               </a:ext>
             </a:extLst>
           </p:cNvPr>
           <p:cNvSpPr>
-            <a:spLocks noGrp="1" noRot="1" noChangeAspect="1" noMove="1" noResize="1" noEditPoints="1" noAdjustHandles="1" noChangeArrowheads="1" noChangeShapeType="1" noTextEdit="1"/>
+            <a:spLocks noGrp="1"/>
           </p:cNvSpPr>
           <p:nvPr>
-            <p:extLst>
-              <p:ext uri="{386F3935-93C4-4BCD-93E2-E3B085C9AB24}">
-                <p16:designElem xmlns:p16="http://schemas.microsoft.com/office/powerpoint/2015/main" val="1"/>
-              </p:ext>
-            </p:extLst>
+            <p:ph type="title"/>
           </p:nvPr>
         </p:nvSpPr>
-        <p:spPr bwMode="white">
-          <a:xfrm>
-            <a:off x="1524" y="0"/>
-            <a:ext cx="12188952" cy="6858000"/>
-          </a:xfrm>
-          <a:prstGeom prst="rect">
-            <a:avLst/>
-          </a:prstGeom>
-          <a:noFill/>
-          <a:ln>
-            <a:noFill/>
-          </a:ln>
-        </p:spPr>
-        <p:style>
-          <a:lnRef idx="2">
-            <a:schemeClr val="accent1">
-              <a:shade val="50000"/>
-            </a:schemeClr>
-          </a:lnRef>
-          <a:fillRef idx="1">
-            <a:schemeClr val="accent1"/>
-          </a:fillRef>
-          <a:effectRef idx="0">
-            <a:schemeClr val="accent1"/>
-          </a:effectRef>
-          <a:fontRef idx="minor">
-            <a:schemeClr val="lt1"/>
-          </a:fontRef>
-        </p:style>
-        <p:txBody>
-          <a:bodyPr rtlCol="0" anchor="ctr"/>
-          <a:lstStyle>
-            <a:defPPr>
-              <a:defRPr lang="en-US"/>
-            </a:defPPr>
-            <a:lvl1pPr marL="0" algn="l" defTabSz="914400" rtl="0" eaLnBrk="1" latinLnBrk="0" hangingPunct="1">
-              <a:defRPr sz="1800" kern="1200">
-                <a:solidFill>
-                  <a:schemeClr val="lt1"/>
-                </a:solidFill>
-                <a:latin typeface="+mn-lt"/>
-                <a:ea typeface="+mn-ea"/>
-                <a:cs typeface="+mn-cs"/>
-              </a:defRPr>
-            </a:lvl1pPr>
-            <a:lvl2pPr marL="457200" algn="l" defTabSz="914400" rtl="0" eaLnBrk="1" latinLnBrk="0" hangingPunct="1">
-              <a:defRPr sz="1800" kern="1200">
-                <a:solidFill>
-                  <a:schemeClr val="lt1"/>
-                </a:solidFill>
-                <a:latin typeface="+mn-lt"/>
-                <a:ea typeface="+mn-ea"/>
-                <a:cs typeface="+mn-cs"/>
-              </a:defRPr>
-            </a:lvl2pPr>
-            <a:lvl3pPr marL="914400" algn="l" defTabSz="914400" rtl="0" eaLnBrk="1" latinLnBrk="0" hangingPunct="1">
-              <a:defRPr sz="1800" kern="1200">
-                <a:solidFill>
-                  <a:schemeClr val="lt1"/>
-                </a:solidFill>
-                <a:latin typeface="+mn-lt"/>
-                <a:ea typeface="+mn-ea"/>
-                <a:cs typeface="+mn-cs"/>
-              </a:defRPr>
-            </a:lvl3pPr>
-            <a:lvl4pPr marL="1371600" algn="l" defTabSz="914400" rtl="0" eaLnBrk="1" latinLnBrk="0" hangingPunct="1">
-              <a:defRPr sz="1800" kern="1200">
-                <a:solidFill>
-                  <a:schemeClr val="lt1"/>
-                </a:solidFill>
-                <a:latin typeface="+mn-lt"/>
-                <a:ea typeface="+mn-ea"/>
-                <a:cs typeface="+mn-cs"/>
-              </a:defRPr>
-            </a:lvl4pPr>
-            <a:lvl5pPr marL="1828800" algn="l" defTabSz="914400" rtl="0" eaLnBrk="1" latinLnBrk="0" hangingPunct="1">
-              <a:defRPr sz="1800" kern="1200">
-                <a:solidFill>
-                  <a:schemeClr val="lt1"/>
-                </a:solidFill>
-                <a:latin typeface="+mn-lt"/>
-                <a:ea typeface="+mn-ea"/>
-                <a:cs typeface="+mn-cs"/>
-              </a:defRPr>
-            </a:lvl5pPr>
-            <a:lvl6pPr marL="2286000" algn="l" defTabSz="914400" rtl="0" eaLnBrk="1" latinLnBrk="0" hangingPunct="1">
-              <a:defRPr sz="1800" kern="1200">
-                <a:solidFill>
-                  <a:schemeClr val="lt1"/>
-                </a:solidFill>
-                <a:latin typeface="+mn-lt"/>
-                <a:ea typeface="+mn-ea"/>
-                <a:cs typeface="+mn-cs"/>
-              </a:defRPr>
-            </a:lvl6pPr>
-            <a:lvl7pPr marL="2743200" algn="l" defTabSz="914400" rtl="0" eaLnBrk="1" latinLnBrk="0" hangingPunct="1">
-              <a:defRPr sz="1800" kern="1200">
-                <a:solidFill>
-                  <a:schemeClr val="lt1"/>
-                </a:solidFill>
-                <a:latin typeface="+mn-lt"/>
-                <a:ea typeface="+mn-ea"/>
-                <a:cs typeface="+mn-cs"/>
-              </a:defRPr>
-            </a:lvl7pPr>
-            <a:lvl8pPr marL="3200400" algn="l" defTabSz="914400" rtl="0" eaLnBrk="1" latinLnBrk="0" hangingPunct="1">
-              <a:defRPr sz="1800" kern="1200">
-                <a:solidFill>
-                  <a:schemeClr val="lt1"/>
-                </a:solidFill>
-                <a:latin typeface="+mn-lt"/>
-                <a:ea typeface="+mn-ea"/>
-                <a:cs typeface="+mn-cs"/>
-              </a:defRPr>
-            </a:lvl8pPr>
-            <a:lvl9pPr marL="3657600" algn="l" defTabSz="914400" rtl="0" eaLnBrk="1" latinLnBrk="0" hangingPunct="1">
-              <a:defRPr sz="1800" kern="1200">
-                <a:solidFill>
-                  <a:schemeClr val="lt1"/>
-                </a:solidFill>
-                <a:latin typeface="+mn-lt"/>
-                <a:ea typeface="+mn-ea"/>
-                <a:cs typeface="+mn-cs"/>
-              </a:defRPr>
-            </a:lvl9pPr>
-          </a:lstStyle>
-          <a:p>
-            <a:pPr algn="ctr"/>
-            <a:endParaRPr lang="en-US"/>
-          </a:p>
-        </p:txBody>
-      </p:sp>
-      <p:pic>
-        <p:nvPicPr>
-          <p:cNvPr id="5" name="內容版面配置區 4" descr="一張含有 文字, 室外, 綠色, 標誌 的圖片&#10;&#10;自動產生的描述">
-            <a:extLst>
-              <a:ext uri="{FF2B5EF4-FFF2-40B4-BE49-F238E27FC236}">
-                <a16:creationId xmlns:a16="http://schemas.microsoft.com/office/drawing/2014/main" id="{F1FF997E-94BE-48C4-8726-B41B727021AD}"/>
-              </a:ext>
-            </a:extLst>
-          </p:cNvPr>
-          <p:cNvPicPr>
-            <a:picLocks noGrp="1" noChangeAspect="1"/>
-          </p:cNvPicPr>
+        <p:spPr/>
+        <p:txBody>
+          <a:bodyPr/>
+          <a:lstStyle/>
+          <a:p>
+            <a:r>
+              <a:rPr lang="en-US" altLang="zh-TW" dirty="0"/>
+              <a:t>Formatting Output</a:t>
+            </a:r>
+            <a:endParaRPr lang="zh-TW" altLang="en-US" dirty="0"/>
+          </a:p>
+        </p:txBody>
+      </p:sp>
+      <p:sp>
+        <p:nvSpPr>
+          <p:cNvPr id="3" name="內容版面配置區 2">
+            <a:extLst>
+              <a:ext uri="{FF2B5EF4-FFF2-40B4-BE49-F238E27FC236}">
+                <a16:creationId xmlns:a16="http://schemas.microsoft.com/office/drawing/2014/main" id="{B726A873-B24F-41C8-8DD6-63019B0DC845}"/>
+              </a:ext>
+            </a:extLst>
+          </p:cNvPr>
+          <p:cNvSpPr>
+            <a:spLocks noGrp="1"/>
+          </p:cNvSpPr>
           <p:nvPr>
             <p:ph idx="1"/>
           </p:nvPr>
-        </p:nvPicPr>
-        <p:blipFill rotWithShape="1">
-          <a:blip r:embed="rId2">
-            <a:extLst>
-              <a:ext uri="{28A0092B-C50C-407E-A947-70E740481C1C}">
-                <a14:useLocalDpi xmlns:a14="http://schemas.microsoft.com/office/drawing/2010/main" val="0"/>
-              </a:ext>
-            </a:extLst>
-          </a:blip>
-          <a:srcRect b="19"/>
-          <a:stretch/>
-        </p:blipFill>
-        <p:spPr>
-          <a:xfrm>
-            <a:off x="20" y="1282"/>
-            <a:ext cx="12191980" cy="6856718"/>
-          </a:xfrm>
-          <a:prstGeom prst="rect">
-            <a:avLst/>
-          </a:prstGeom>
-        </p:spPr>
-      </p:pic>
-      <p:sp>
-        <p:nvSpPr>
-          <p:cNvPr id="8" name="文字方塊 7">
-            <a:extLst>
-              <a:ext uri="{FF2B5EF4-FFF2-40B4-BE49-F238E27FC236}">
-                <a16:creationId xmlns:a16="http://schemas.microsoft.com/office/drawing/2014/main" id="{490F2732-998F-4532-AD3E-CDA9E4EC3B26}"/>
-              </a:ext>
-            </a:extLst>
-          </p:cNvPr>
-          <p:cNvSpPr txBox="1"/>
-          <p:nvPr/>
-        </p:nvSpPr>
-        <p:spPr>
-          <a:xfrm>
-            <a:off x="-1554" y="6557986"/>
-            <a:ext cx="6097554" cy="369332"/>
-          </a:xfrm>
-          <a:prstGeom prst="rect">
-            <a:avLst/>
-          </a:prstGeom>
-          <a:noFill/>
-        </p:spPr>
-        <p:txBody>
-          <a:bodyPr wrap="square">
-            <a:spAutoFit/>
-          </a:bodyPr>
+        </p:nvSpPr>
+        <p:spPr/>
+        <p:txBody>
+          <a:bodyPr/>
           <a:lstStyle/>
           <a:p>
             <a:r>
+              <a:rPr lang="en-US" altLang="zh-TW" dirty="0"/>
+              <a:t>Require another library </a:t>
+            </a:r>
+            <a:r>
+              <a:rPr lang="en-US" altLang="zh-TW" dirty="0">
+                <a:highlight>
+                  <a:srgbClr val="C0C0C0"/>
+                </a:highlight>
+              </a:rPr>
+              <a:t>&lt;</a:t>
+            </a:r>
+            <a:r>
+              <a:rPr lang="en-US" altLang="zh-TW" dirty="0" err="1">
+                <a:highlight>
+                  <a:srgbClr val="C0C0C0"/>
+                </a:highlight>
+              </a:rPr>
+              <a:t>iomanip</a:t>
+            </a:r>
+            <a:r>
+              <a:rPr lang="en-US" altLang="zh-TW" dirty="0">
+                <a:highlight>
+                  <a:srgbClr val="C0C0C0"/>
+                </a:highlight>
+              </a:rPr>
+              <a:t>&gt;</a:t>
+            </a:r>
+          </a:p>
+          <a:p>
+            <a:r>
+              <a:rPr lang="en-US" altLang="zh-TW" dirty="0">
+                <a:highlight>
+                  <a:srgbClr val="C0C0C0"/>
+                </a:highlight>
+              </a:rPr>
+              <a:t>&lt;</a:t>
+            </a:r>
+            <a:r>
+              <a:rPr lang="en-US" altLang="zh-TW" dirty="0" err="1">
+                <a:highlight>
+                  <a:srgbClr val="C0C0C0"/>
+                </a:highlight>
+              </a:rPr>
+              <a:t>iomanip</a:t>
+            </a:r>
+            <a:r>
+              <a:rPr lang="en-US" altLang="zh-TW" dirty="0">
+                <a:highlight>
+                  <a:srgbClr val="C0C0C0"/>
+                </a:highlight>
+              </a:rPr>
+              <a:t>&gt;</a:t>
+            </a:r>
+            <a:r>
               <a:rPr lang="zh-TW" altLang="en-US" dirty="0"/>
-              <a:t>https://udn.com/news/story/7328/5490709</a:t>
-            </a:r>
-          </a:p>
-        </p:txBody>
-      </p:sp>
-      <p:sp>
-        <p:nvSpPr>
-          <p:cNvPr id="7" name="文字方塊 6">
-            <a:extLst>
-              <a:ext uri="{FF2B5EF4-FFF2-40B4-BE49-F238E27FC236}">
-                <a16:creationId xmlns:a16="http://schemas.microsoft.com/office/drawing/2014/main" id="{A9A51FFB-7D0A-4D7C-836F-AE11DD8AB1C2}"/>
-              </a:ext>
-            </a:extLst>
-          </p:cNvPr>
-          <p:cNvSpPr txBox="1"/>
-          <p:nvPr/>
-        </p:nvSpPr>
-        <p:spPr>
-          <a:xfrm>
-            <a:off x="3590488" y="4976819"/>
-            <a:ext cx="2782349" cy="1323439"/>
-          </a:xfrm>
-          <a:prstGeom prst="rect">
-            <a:avLst/>
-          </a:prstGeom>
-          <a:noFill/>
-        </p:spPr>
-        <p:txBody>
-          <a:bodyPr wrap="square" rtlCol="0">
-            <a:spAutoFit/>
-          </a:bodyPr>
-          <a:lstStyle/>
-          <a:p>
-            <a:r>
-              <a:rPr lang="en-US" altLang="zh-TW" sz="8000" b="1" dirty="0" err="1">
-                <a:solidFill>
-                  <a:srgbClr val="FFFF00"/>
-                </a:solidFill>
-              </a:rPr>
-              <a:t>cerr</a:t>
-            </a:r>
-            <a:endParaRPr lang="zh-TW" altLang="en-US" sz="8000" b="1" dirty="0">
-              <a:solidFill>
-                <a:srgbClr val="FFFF00"/>
-              </a:solidFill>
-            </a:endParaRPr>
-          </a:p>
-        </p:txBody>
-      </p:sp>
-      <p:sp>
-        <p:nvSpPr>
-          <p:cNvPr id="11" name="文字方塊 10">
-            <a:extLst>
-              <a:ext uri="{FF2B5EF4-FFF2-40B4-BE49-F238E27FC236}">
-                <a16:creationId xmlns:a16="http://schemas.microsoft.com/office/drawing/2014/main" id="{79DD728A-6950-4F05-AEFC-0446DFA14FE4}"/>
-              </a:ext>
-            </a:extLst>
-          </p:cNvPr>
-          <p:cNvSpPr txBox="1"/>
-          <p:nvPr/>
-        </p:nvSpPr>
-        <p:spPr>
-          <a:xfrm>
-            <a:off x="9841684" y="4907501"/>
-            <a:ext cx="2782349" cy="1323439"/>
-          </a:xfrm>
-          <a:prstGeom prst="rect">
-            <a:avLst/>
-          </a:prstGeom>
-          <a:noFill/>
-        </p:spPr>
-        <p:txBody>
-          <a:bodyPr wrap="square" rtlCol="0">
-            <a:spAutoFit/>
-          </a:bodyPr>
-          <a:lstStyle/>
-          <a:p>
-            <a:r>
-              <a:rPr lang="en-US" altLang="zh-TW" sz="8000" b="1" dirty="0" err="1">
-                <a:solidFill>
-                  <a:srgbClr val="FFFF00"/>
-                </a:solidFill>
-              </a:rPr>
-              <a:t>cout</a:t>
-            </a:r>
-            <a:endParaRPr lang="zh-TW" altLang="en-US" sz="8000" b="1" dirty="0">
-              <a:solidFill>
-                <a:srgbClr val="FFFF00"/>
-              </a:solidFill>
-            </a:endParaRPr>
+              <a:t> </a:t>
+            </a:r>
+            <a:r>
+              <a:rPr lang="en-US" altLang="zh-TW" dirty="0"/>
+              <a:t>includes </a:t>
+            </a:r>
+          </a:p>
+          <a:p>
+            <a:pPr lvl="1"/>
+            <a:r>
+              <a:rPr lang="en-US" altLang="zh-TW" dirty="0" err="1"/>
+              <a:t>setw</a:t>
+            </a:r>
+            <a:endParaRPr lang="en-US" altLang="zh-TW" dirty="0"/>
+          </a:p>
+          <a:p>
+            <a:pPr lvl="1"/>
+            <a:r>
+              <a:rPr lang="en-US" altLang="zh-TW" dirty="0"/>
+              <a:t>left/ right align</a:t>
+            </a:r>
+          </a:p>
+          <a:p>
+            <a:pPr lvl="1"/>
+            <a:r>
+              <a:rPr lang="en-US" altLang="zh-TW" dirty="0"/>
+              <a:t>fill</a:t>
+            </a:r>
+          </a:p>
+          <a:p>
+            <a:pPr lvl="1"/>
+            <a:r>
+              <a:rPr lang="en-US" altLang="zh-TW" dirty="0" err="1"/>
+              <a:t>setprecision</a:t>
+            </a:r>
+            <a:endParaRPr lang="en-US" altLang="zh-TW" dirty="0"/>
+          </a:p>
+          <a:p>
+            <a:pPr lvl="1"/>
+            <a:r>
+              <a:rPr lang="en-US" altLang="zh-TW" dirty="0"/>
+              <a:t>fixed/ scientific</a:t>
+            </a:r>
           </a:p>
         </p:txBody>
       </p:sp>
     </p:spTree>
     <p:extLst>
       <p:ext uri="{BB962C8B-B14F-4D97-AF65-F5344CB8AC3E}">
-        <p14:creationId xmlns:p14="http://schemas.microsoft.com/office/powerpoint/2010/main" val="2919207978"/>
+        <p14:creationId xmlns:p14="http://schemas.microsoft.com/office/powerpoint/2010/main" val="616574688"/>
       </p:ext>
     </p:extLst>
   </p:cSld>

--- a/03-iostream/00-iostream.pptx
+++ b/03-iostream/00-iostream.pptx
@@ -7,14 +7,15 @@
   <p:sldIdLst>
     <p:sldId id="258" r:id="rId2"/>
     <p:sldId id="259" r:id="rId3"/>
-    <p:sldId id="260" r:id="rId4"/>
-    <p:sldId id="261" r:id="rId5"/>
-    <p:sldId id="262" r:id="rId6"/>
-    <p:sldId id="265" r:id="rId7"/>
-    <p:sldId id="266" r:id="rId8"/>
-    <p:sldId id="267" r:id="rId9"/>
-    <p:sldId id="264" r:id="rId10"/>
-    <p:sldId id="294" r:id="rId11"/>
+    <p:sldId id="295" r:id="rId4"/>
+    <p:sldId id="296" r:id="rId5"/>
+    <p:sldId id="261" r:id="rId6"/>
+    <p:sldId id="262" r:id="rId7"/>
+    <p:sldId id="265" r:id="rId8"/>
+    <p:sldId id="266" r:id="rId9"/>
+    <p:sldId id="267" r:id="rId10"/>
+    <p:sldId id="264" r:id="rId11"/>
+    <p:sldId id="294" r:id="rId12"/>
   </p:sldIdLst>
   <p:sldSz cx="12192000" cy="6858000"/>
   <p:notesSz cx="6858000" cy="9144000"/>
@@ -268,7 +269,7 @@
           <a:p>
             <a:fld id="{87DFA0E8-174F-457D-A281-0FCE3F99AF07}" type="datetimeFigureOut">
               <a:rPr lang="zh-TW" altLang="en-US" smtClean="0"/>
-              <a:t>2021/8/22</a:t>
+              <a:t>2021/10/3</a:t>
             </a:fld>
             <a:endParaRPr lang="zh-TW" altLang="en-US"/>
           </a:p>
@@ -466,7 +467,7 @@
           <a:p>
             <a:fld id="{87DFA0E8-174F-457D-A281-0FCE3F99AF07}" type="datetimeFigureOut">
               <a:rPr lang="zh-TW" altLang="en-US" smtClean="0"/>
-              <a:t>2021/8/22</a:t>
+              <a:t>2021/10/3</a:t>
             </a:fld>
             <a:endParaRPr lang="zh-TW" altLang="en-US"/>
           </a:p>
@@ -674,7 +675,7 @@
           <a:p>
             <a:fld id="{87DFA0E8-174F-457D-A281-0FCE3F99AF07}" type="datetimeFigureOut">
               <a:rPr lang="zh-TW" altLang="en-US" smtClean="0"/>
-              <a:t>2021/8/22</a:t>
+              <a:t>2021/10/3</a:t>
             </a:fld>
             <a:endParaRPr lang="zh-TW" altLang="en-US"/>
           </a:p>
@@ -872,7 +873,7 @@
           <a:p>
             <a:fld id="{87DFA0E8-174F-457D-A281-0FCE3F99AF07}" type="datetimeFigureOut">
               <a:rPr lang="zh-TW" altLang="en-US" smtClean="0"/>
-              <a:t>2021/8/22</a:t>
+              <a:t>2021/10/3</a:t>
             </a:fld>
             <a:endParaRPr lang="zh-TW" altLang="en-US"/>
           </a:p>
@@ -1147,7 +1148,7 @@
           <a:p>
             <a:fld id="{87DFA0E8-174F-457D-A281-0FCE3F99AF07}" type="datetimeFigureOut">
               <a:rPr lang="zh-TW" altLang="en-US" smtClean="0"/>
-              <a:t>2021/8/22</a:t>
+              <a:t>2021/10/3</a:t>
             </a:fld>
             <a:endParaRPr lang="zh-TW" altLang="en-US"/>
           </a:p>
@@ -1412,7 +1413,7 @@
           <a:p>
             <a:fld id="{87DFA0E8-174F-457D-A281-0FCE3F99AF07}" type="datetimeFigureOut">
               <a:rPr lang="zh-TW" altLang="en-US" smtClean="0"/>
-              <a:t>2021/8/22</a:t>
+              <a:t>2021/10/3</a:t>
             </a:fld>
             <a:endParaRPr lang="zh-TW" altLang="en-US"/>
           </a:p>
@@ -1824,7 +1825,7 @@
           <a:p>
             <a:fld id="{87DFA0E8-174F-457D-A281-0FCE3F99AF07}" type="datetimeFigureOut">
               <a:rPr lang="zh-TW" altLang="en-US" smtClean="0"/>
-              <a:t>2021/8/22</a:t>
+              <a:t>2021/10/3</a:t>
             </a:fld>
             <a:endParaRPr lang="zh-TW" altLang="en-US"/>
           </a:p>
@@ -1965,7 +1966,7 @@
           <a:p>
             <a:fld id="{87DFA0E8-174F-457D-A281-0FCE3F99AF07}" type="datetimeFigureOut">
               <a:rPr lang="zh-TW" altLang="en-US" smtClean="0"/>
-              <a:t>2021/8/22</a:t>
+              <a:t>2021/10/3</a:t>
             </a:fld>
             <a:endParaRPr lang="zh-TW" altLang="en-US"/>
           </a:p>
@@ -2078,7 +2079,7 @@
           <a:p>
             <a:fld id="{87DFA0E8-174F-457D-A281-0FCE3F99AF07}" type="datetimeFigureOut">
               <a:rPr lang="zh-TW" altLang="en-US" smtClean="0"/>
-              <a:t>2021/8/22</a:t>
+              <a:t>2021/10/3</a:t>
             </a:fld>
             <a:endParaRPr lang="zh-TW" altLang="en-US"/>
           </a:p>
@@ -2389,7 +2390,7 @@
           <a:p>
             <a:fld id="{87DFA0E8-174F-457D-A281-0FCE3F99AF07}" type="datetimeFigureOut">
               <a:rPr lang="zh-TW" altLang="en-US" smtClean="0"/>
-              <a:t>2021/8/22</a:t>
+              <a:t>2021/10/3</a:t>
             </a:fld>
             <a:endParaRPr lang="zh-TW" altLang="en-US"/>
           </a:p>
@@ -2677,7 +2678,7 @@
           <a:p>
             <a:fld id="{87DFA0E8-174F-457D-A281-0FCE3F99AF07}" type="datetimeFigureOut">
               <a:rPr lang="zh-TW" altLang="en-US" smtClean="0"/>
-              <a:t>2021/8/22</a:t>
+              <a:t>2021/10/3</a:t>
             </a:fld>
             <a:endParaRPr lang="zh-TW" altLang="en-US"/>
           </a:p>
@@ -2918,7 +2919,7 @@
           <a:p>
             <a:fld id="{87DFA0E8-174F-457D-A281-0FCE3F99AF07}" type="datetimeFigureOut">
               <a:rPr lang="zh-TW" altLang="en-US" smtClean="0"/>
-              <a:t>2021/8/22</a:t>
+              <a:t>2021/10/3</a:t>
             </a:fld>
             <a:endParaRPr lang="zh-TW" altLang="en-US"/>
           </a:p>
@@ -4008,6 +4009,734 @@
 </file>
 
 <file path=ppt/slides/slide10.xml><?xml version="1.0" encoding="utf-8"?>
+<p:sld xmlns:a="http://schemas.openxmlformats.org/drawingml/2006/main" xmlns:r="http://schemas.openxmlformats.org/officeDocument/2006/relationships" xmlns:p="http://schemas.openxmlformats.org/presentationml/2006/main">
+  <p:cSld>
+    <p:spTree>
+      <p:nvGrpSpPr>
+        <p:cNvPr id="1" name=""/>
+        <p:cNvGrpSpPr/>
+        <p:nvPr/>
+      </p:nvGrpSpPr>
+      <p:grpSpPr>
+        <a:xfrm>
+          <a:off x="0" y="0"/>
+          <a:ext cx="0" cy="0"/>
+          <a:chOff x="0" y="0"/>
+          <a:chExt cx="0" cy="0"/>
+        </a:xfrm>
+      </p:grpSpPr>
+      <p:sp>
+        <p:nvSpPr>
+          <p:cNvPr id="2" name="標題 1">
+            <a:extLst>
+              <a:ext uri="{FF2B5EF4-FFF2-40B4-BE49-F238E27FC236}">
+                <a16:creationId xmlns:a16="http://schemas.microsoft.com/office/drawing/2014/main" id="{3E5B3252-C592-43EE-9453-77E31881C9B6}"/>
+              </a:ext>
+            </a:extLst>
+          </p:cNvPr>
+          <p:cNvSpPr>
+            <a:spLocks noGrp="1"/>
+          </p:cNvSpPr>
+          <p:nvPr>
+            <p:ph type="title"/>
+          </p:nvPr>
+        </p:nvSpPr>
+        <p:spPr/>
+        <p:txBody>
+          <a:bodyPr/>
+          <a:lstStyle/>
+          <a:p>
+            <a:r>
+              <a:rPr lang="en-US" altLang="zh-TW" dirty="0"/>
+              <a:t>Console Input</a:t>
+            </a:r>
+            <a:endParaRPr lang="zh-TW" altLang="en-US" dirty="0"/>
+          </a:p>
+        </p:txBody>
+      </p:sp>
+      <p:sp>
+        <p:nvSpPr>
+          <p:cNvPr id="3" name="內容版面配置區 2">
+            <a:extLst>
+              <a:ext uri="{FF2B5EF4-FFF2-40B4-BE49-F238E27FC236}">
+                <a16:creationId xmlns:a16="http://schemas.microsoft.com/office/drawing/2014/main" id="{9EA3E587-5030-4EEE-AE76-22315DE67217}"/>
+              </a:ext>
+            </a:extLst>
+          </p:cNvPr>
+          <p:cNvSpPr>
+            <a:spLocks noGrp="1"/>
+          </p:cNvSpPr>
+          <p:nvPr>
+            <p:ph idx="1"/>
+          </p:nvPr>
+        </p:nvSpPr>
+        <p:spPr/>
+        <p:txBody>
+          <a:bodyPr/>
+          <a:lstStyle/>
+          <a:p>
+            <a:r>
+              <a:rPr lang="en-US" altLang="zh-TW" dirty="0"/>
+              <a:t>(user-friendly) using </a:t>
+            </a:r>
+            <a:r>
+              <a:rPr lang="en-US" altLang="zh-TW" b="1" dirty="0" err="1"/>
+              <a:t>cout</a:t>
+            </a:r>
+            <a:r>
+              <a:rPr lang="en-US" altLang="zh-TW" dirty="0"/>
+              <a:t> prompt (no newline) before every </a:t>
+            </a:r>
+            <a:r>
+              <a:rPr lang="en-US" altLang="zh-TW" b="1" dirty="0" err="1"/>
+              <a:t>cin</a:t>
+            </a:r>
+            <a:endParaRPr lang="en-US" altLang="zh-TW" b="1" dirty="0"/>
+          </a:p>
+          <a:p>
+            <a:endParaRPr lang="zh-TW" altLang="en-US" dirty="0"/>
+          </a:p>
+        </p:txBody>
+      </p:sp>
+      <p:graphicFrame>
+        <p:nvGraphicFramePr>
+          <p:cNvPr id="4" name="表格 8">
+            <a:extLst>
+              <a:ext uri="{FF2B5EF4-FFF2-40B4-BE49-F238E27FC236}">
+                <a16:creationId xmlns:a16="http://schemas.microsoft.com/office/drawing/2014/main" id="{DC9F39D0-3DD0-43D2-BBC8-A879F6A3DB88}"/>
+              </a:ext>
+            </a:extLst>
+          </p:cNvPr>
+          <p:cNvGraphicFramePr>
+            <a:graphicFrameLocks/>
+          </p:cNvGraphicFramePr>
+          <p:nvPr>
+            <p:extLst>
+              <p:ext uri="{D42A27DB-BD31-4B8C-83A1-F6EECF244321}">
+                <p14:modId xmlns:p14="http://schemas.microsoft.com/office/powerpoint/2010/main" val="3448448421"/>
+              </p:ext>
+            </p:extLst>
+          </p:nvPr>
+        </p:nvGraphicFramePr>
+        <p:xfrm>
+          <a:off x="1837189" y="3704759"/>
+          <a:ext cx="9248162" cy="370840"/>
+        </p:xfrm>
+        <a:graphic>
+          <a:graphicData uri="http://schemas.openxmlformats.org/drawingml/2006/table">
+            <a:tbl>
+              <a:tblPr firstRow="1" bandRow="1">
+                <a:tableStyleId>{D7AC3CCA-C797-4891-BE02-D94E43425B78}</a:tableStyleId>
+              </a:tblPr>
+              <a:tblGrid>
+                <a:gridCol w="840742">
+                  <a:extLst>
+                    <a:ext uri="{9D8B030D-6E8A-4147-A177-3AD203B41FA5}">
+                      <a16:colId xmlns:a16="http://schemas.microsoft.com/office/drawing/2014/main" val="2094337055"/>
+                    </a:ext>
+                  </a:extLst>
+                </a:gridCol>
+                <a:gridCol w="840742">
+                  <a:extLst>
+                    <a:ext uri="{9D8B030D-6E8A-4147-A177-3AD203B41FA5}">
+                      <a16:colId xmlns:a16="http://schemas.microsoft.com/office/drawing/2014/main" val="1396432210"/>
+                    </a:ext>
+                  </a:extLst>
+                </a:gridCol>
+                <a:gridCol w="840742">
+                  <a:extLst>
+                    <a:ext uri="{9D8B030D-6E8A-4147-A177-3AD203B41FA5}">
+                      <a16:colId xmlns:a16="http://schemas.microsoft.com/office/drawing/2014/main" val="334027796"/>
+                    </a:ext>
+                  </a:extLst>
+                </a:gridCol>
+                <a:gridCol w="840742">
+                  <a:extLst>
+                    <a:ext uri="{9D8B030D-6E8A-4147-A177-3AD203B41FA5}">
+                      <a16:colId xmlns:a16="http://schemas.microsoft.com/office/drawing/2014/main" val="3671959317"/>
+                    </a:ext>
+                  </a:extLst>
+                </a:gridCol>
+                <a:gridCol w="840742">
+                  <a:extLst>
+                    <a:ext uri="{9D8B030D-6E8A-4147-A177-3AD203B41FA5}">
+                      <a16:colId xmlns:a16="http://schemas.microsoft.com/office/drawing/2014/main" val="1276661334"/>
+                    </a:ext>
+                  </a:extLst>
+                </a:gridCol>
+                <a:gridCol w="840742">
+                  <a:extLst>
+                    <a:ext uri="{9D8B030D-6E8A-4147-A177-3AD203B41FA5}">
+                      <a16:colId xmlns:a16="http://schemas.microsoft.com/office/drawing/2014/main" val="2551898653"/>
+                    </a:ext>
+                  </a:extLst>
+                </a:gridCol>
+                <a:gridCol w="840742">
+                  <a:extLst>
+                    <a:ext uri="{9D8B030D-6E8A-4147-A177-3AD203B41FA5}">
+                      <a16:colId xmlns:a16="http://schemas.microsoft.com/office/drawing/2014/main" val="1843195974"/>
+                    </a:ext>
+                  </a:extLst>
+                </a:gridCol>
+                <a:gridCol w="840742">
+                  <a:extLst>
+                    <a:ext uri="{9D8B030D-6E8A-4147-A177-3AD203B41FA5}">
+                      <a16:colId xmlns:a16="http://schemas.microsoft.com/office/drawing/2014/main" val="4067993191"/>
+                    </a:ext>
+                  </a:extLst>
+                </a:gridCol>
+                <a:gridCol w="840742">
+                  <a:extLst>
+                    <a:ext uri="{9D8B030D-6E8A-4147-A177-3AD203B41FA5}">
+                      <a16:colId xmlns:a16="http://schemas.microsoft.com/office/drawing/2014/main" val="4096984229"/>
+                    </a:ext>
+                  </a:extLst>
+                </a:gridCol>
+                <a:gridCol w="840742">
+                  <a:extLst>
+                    <a:ext uri="{9D8B030D-6E8A-4147-A177-3AD203B41FA5}">
+                      <a16:colId xmlns:a16="http://schemas.microsoft.com/office/drawing/2014/main" val="3939039333"/>
+                    </a:ext>
+                  </a:extLst>
+                </a:gridCol>
+                <a:gridCol w="840742">
+                  <a:extLst>
+                    <a:ext uri="{9D8B030D-6E8A-4147-A177-3AD203B41FA5}">
+                      <a16:colId xmlns:a16="http://schemas.microsoft.com/office/drawing/2014/main" val="3076240458"/>
+                    </a:ext>
+                  </a:extLst>
+                </a:gridCol>
+              </a:tblGrid>
+              <a:tr h="370840">
+                <a:tc>
+                  <a:txBody>
+                    <a:bodyPr/>
+                    <a:lstStyle/>
+                    <a:p>
+                      <a:pPr algn="ctr"/>
+                      <a:r>
+                        <a:rPr lang="en-US" altLang="zh-TW" dirty="0"/>
+                        <a:t>1</a:t>
+                      </a:r>
+                      <a:endParaRPr lang="zh-TW" altLang="en-US" dirty="0"/>
+                    </a:p>
+                  </a:txBody>
+                  <a:tcPr/>
+                </a:tc>
+                <a:tc>
+                  <a:txBody>
+                    <a:bodyPr/>
+                    <a:lstStyle/>
+                    <a:p>
+                      <a:pPr algn="ctr"/>
+                      <a:r>
+                        <a:rPr lang="en-US" altLang="zh-TW" dirty="0"/>
+                        <a:t>2</a:t>
+                      </a:r>
+                      <a:endParaRPr lang="zh-TW" altLang="en-US" dirty="0"/>
+                    </a:p>
+                  </a:txBody>
+                  <a:tcPr/>
+                </a:tc>
+                <a:tc>
+                  <a:txBody>
+                    <a:bodyPr/>
+                    <a:lstStyle/>
+                    <a:p>
+                      <a:pPr algn="ctr"/>
+                      <a:r>
+                        <a:rPr lang="en-US" altLang="zh-TW" dirty="0"/>
+                        <a:t>3</a:t>
+                      </a:r>
+                      <a:endParaRPr lang="zh-TW" altLang="en-US" dirty="0"/>
+                    </a:p>
+                  </a:txBody>
+                  <a:tcPr/>
+                </a:tc>
+                <a:tc>
+                  <a:txBody>
+                    <a:bodyPr/>
+                    <a:lstStyle/>
+                    <a:p>
+                      <a:pPr algn="ctr"/>
+                      <a:r>
+                        <a:rPr lang="zh-TW" altLang="en-US" dirty="0"/>
+                        <a:t>⏎</a:t>
+                      </a:r>
+                    </a:p>
+                  </a:txBody>
+                  <a:tcPr/>
+                </a:tc>
+                <a:tc>
+                  <a:txBody>
+                    <a:bodyPr/>
+                    <a:lstStyle/>
+                    <a:p>
+                      <a:pPr algn="ctr"/>
+                      <a:r>
+                        <a:rPr lang="en-US" altLang="zh-TW" dirty="0"/>
+                        <a:t>4</a:t>
+                      </a:r>
+                      <a:endParaRPr lang="zh-TW" altLang="en-US" dirty="0"/>
+                    </a:p>
+                  </a:txBody>
+                  <a:tcPr/>
+                </a:tc>
+                <a:tc>
+                  <a:txBody>
+                    <a:bodyPr/>
+                    <a:lstStyle/>
+                    <a:p>
+                      <a:pPr algn="ctr"/>
+                      <a:r>
+                        <a:rPr lang="en-US" altLang="zh-TW" dirty="0"/>
+                        <a:t>5</a:t>
+                      </a:r>
+                      <a:endParaRPr lang="zh-TW" altLang="en-US" dirty="0"/>
+                    </a:p>
+                  </a:txBody>
+                  <a:tcPr/>
+                </a:tc>
+                <a:tc>
+                  <a:txBody>
+                    <a:bodyPr/>
+                    <a:lstStyle/>
+                    <a:p>
+                      <a:pPr algn="ctr"/>
+                      <a:r>
+                        <a:rPr lang="zh-TW" altLang="en-US" dirty="0"/>
+                        <a:t>⏎</a:t>
+                      </a:r>
+                    </a:p>
+                  </a:txBody>
+                  <a:tcPr/>
+                </a:tc>
+                <a:tc>
+                  <a:txBody>
+                    <a:bodyPr/>
+                    <a:lstStyle/>
+                    <a:p>
+                      <a:pPr algn="ctr"/>
+                      <a:r>
+                        <a:rPr lang="en-US" altLang="zh-TW" dirty="0"/>
+                        <a:t>6</a:t>
+                      </a:r>
+                      <a:endParaRPr lang="zh-TW" altLang="en-US" dirty="0"/>
+                    </a:p>
+                  </a:txBody>
+                  <a:tcPr/>
+                </a:tc>
+                <a:tc>
+                  <a:txBody>
+                    <a:bodyPr/>
+                    <a:lstStyle/>
+                    <a:p>
+                      <a:pPr algn="ctr"/>
+                      <a:r>
+                        <a:rPr lang="en-US" altLang="zh-TW" dirty="0"/>
+                        <a:t>7</a:t>
+                      </a:r>
+                      <a:endParaRPr lang="zh-TW" altLang="en-US" dirty="0"/>
+                    </a:p>
+                  </a:txBody>
+                  <a:tcPr/>
+                </a:tc>
+                <a:tc>
+                  <a:txBody>
+                    <a:bodyPr/>
+                    <a:lstStyle/>
+                    <a:p>
+                      <a:pPr algn="ctr"/>
+                      <a:r>
+                        <a:rPr lang="en-US" altLang="zh-TW" dirty="0"/>
+                        <a:t>8</a:t>
+                      </a:r>
+                      <a:endParaRPr lang="zh-TW" altLang="en-US" dirty="0"/>
+                    </a:p>
+                  </a:txBody>
+                  <a:tcPr/>
+                </a:tc>
+                <a:tc>
+                  <a:txBody>
+                    <a:bodyPr/>
+                    <a:lstStyle/>
+                    <a:p>
+                      <a:pPr algn="ctr"/>
+                      <a:r>
+                        <a:rPr lang="zh-TW" altLang="en-US" dirty="0"/>
+                        <a:t>⏎</a:t>
+                      </a:r>
+                    </a:p>
+                  </a:txBody>
+                  <a:tcPr/>
+                </a:tc>
+                <a:extLst>
+                  <a:ext uri="{0D108BD9-81ED-4DB2-BD59-A6C34878D82A}">
+                    <a16:rowId xmlns:a16="http://schemas.microsoft.com/office/drawing/2014/main" val="3351429656"/>
+                  </a:ext>
+                </a:extLst>
+              </a:tr>
+            </a:tbl>
+          </a:graphicData>
+        </a:graphic>
+      </p:graphicFrame>
+      <p:sp>
+        <p:nvSpPr>
+          <p:cNvPr id="5" name="文字方塊 4">
+            <a:extLst>
+              <a:ext uri="{FF2B5EF4-FFF2-40B4-BE49-F238E27FC236}">
+                <a16:creationId xmlns:a16="http://schemas.microsoft.com/office/drawing/2014/main" id="{C85B9ECC-9836-427D-B627-967D0939B741}"/>
+              </a:ext>
+            </a:extLst>
+          </p:cNvPr>
+          <p:cNvSpPr txBox="1"/>
+          <p:nvPr/>
+        </p:nvSpPr>
+        <p:spPr>
+          <a:xfrm>
+            <a:off x="411061" y="3711481"/>
+            <a:ext cx="981512" cy="369332"/>
+          </a:xfrm>
+          <a:prstGeom prst="rect">
+            <a:avLst/>
+          </a:prstGeom>
+          <a:noFill/>
+          <a:ln w="28575">
+            <a:solidFill>
+              <a:srgbClr val="00B0F0"/>
+            </a:solidFill>
+          </a:ln>
+        </p:spPr>
+        <p:txBody>
+          <a:bodyPr wrap="square" rtlCol="0">
+            <a:spAutoFit/>
+          </a:bodyPr>
+          <a:lstStyle/>
+          <a:p>
+            <a:pPr algn="ctr"/>
+            <a:r>
+              <a:rPr lang="en-US" altLang="zh-TW" dirty="0" err="1"/>
+              <a:t>std:cin</a:t>
+            </a:r>
+            <a:endParaRPr lang="zh-TW" altLang="en-US" dirty="0"/>
+          </a:p>
+        </p:txBody>
+      </p:sp>
+      <p:cxnSp>
+        <p:nvCxnSpPr>
+          <p:cNvPr id="6" name="直線單箭頭接點 5">
+            <a:extLst>
+              <a:ext uri="{FF2B5EF4-FFF2-40B4-BE49-F238E27FC236}">
+                <a16:creationId xmlns:a16="http://schemas.microsoft.com/office/drawing/2014/main" id="{1F05E7A1-0A2C-4E3C-B631-BA7679971BBA}"/>
+              </a:ext>
+            </a:extLst>
+          </p:cNvPr>
+          <p:cNvCxnSpPr>
+            <a:cxnSpLocks/>
+            <a:stCxn id="5" idx="3"/>
+            <a:endCxn id="4" idx="1"/>
+          </p:cNvCxnSpPr>
+          <p:nvPr/>
+        </p:nvCxnSpPr>
+        <p:spPr>
+          <a:xfrm flipV="1">
+            <a:off x="1392573" y="3890179"/>
+            <a:ext cx="444616" cy="5968"/>
+          </a:xfrm>
+          <a:prstGeom prst="straightConnector1">
+            <a:avLst/>
+          </a:prstGeom>
+          <a:ln w="38100">
+            <a:solidFill>
+              <a:srgbClr val="0070C0"/>
+            </a:solidFill>
+            <a:tailEnd type="triangle"/>
+          </a:ln>
+        </p:spPr>
+        <p:style>
+          <a:lnRef idx="1">
+            <a:schemeClr val="accent1"/>
+          </a:lnRef>
+          <a:fillRef idx="0">
+            <a:schemeClr val="accent1"/>
+          </a:fillRef>
+          <a:effectRef idx="0">
+            <a:schemeClr val="accent1"/>
+          </a:effectRef>
+          <a:fontRef idx="minor">
+            <a:schemeClr val="tx1"/>
+          </a:fontRef>
+        </p:style>
+      </p:cxnSp>
+      <p:sp>
+        <p:nvSpPr>
+          <p:cNvPr id="7" name="右大括弧 6">
+            <a:extLst>
+              <a:ext uri="{FF2B5EF4-FFF2-40B4-BE49-F238E27FC236}">
+                <a16:creationId xmlns:a16="http://schemas.microsoft.com/office/drawing/2014/main" id="{A3CC52A3-552A-4393-95C3-494E7D6721DB}"/>
+              </a:ext>
+            </a:extLst>
+          </p:cNvPr>
+          <p:cNvSpPr/>
+          <p:nvPr/>
+        </p:nvSpPr>
+        <p:spPr>
+          <a:xfrm rot="16200000">
+            <a:off x="2892696" y="2122364"/>
+            <a:ext cx="369332" cy="2502715"/>
+          </a:xfrm>
+          <a:prstGeom prst="rightBrace">
+            <a:avLst>
+              <a:gd name="adj1" fmla="val 0"/>
+              <a:gd name="adj2" fmla="val 50000"/>
+            </a:avLst>
+          </a:prstGeom>
+          <a:ln w="12700"/>
+        </p:spPr>
+        <p:style>
+          <a:lnRef idx="1">
+            <a:schemeClr val="accent1"/>
+          </a:lnRef>
+          <a:fillRef idx="0">
+            <a:schemeClr val="accent1"/>
+          </a:fillRef>
+          <a:effectRef idx="0">
+            <a:schemeClr val="accent1"/>
+          </a:effectRef>
+          <a:fontRef idx="minor">
+            <a:schemeClr val="tx1"/>
+          </a:fontRef>
+        </p:style>
+        <p:txBody>
+          <a:bodyPr rtlCol="0" anchor="ctr"/>
+          <a:lstStyle/>
+          <a:p>
+            <a:pPr algn="ctr"/>
+            <a:endParaRPr lang="zh-TW" altLang="en-US"/>
+          </a:p>
+        </p:txBody>
+      </p:sp>
+      <p:sp>
+        <p:nvSpPr>
+          <p:cNvPr id="8" name="文字方塊 7">
+            <a:extLst>
+              <a:ext uri="{FF2B5EF4-FFF2-40B4-BE49-F238E27FC236}">
+                <a16:creationId xmlns:a16="http://schemas.microsoft.com/office/drawing/2014/main" id="{9D3FC174-7B34-4B8E-AD70-CAC597AF74DA}"/>
+              </a:ext>
+            </a:extLst>
+          </p:cNvPr>
+          <p:cNvSpPr txBox="1"/>
+          <p:nvPr/>
+        </p:nvSpPr>
+        <p:spPr>
+          <a:xfrm>
+            <a:off x="2239861" y="2466891"/>
+            <a:ext cx="1675002" cy="461665"/>
+          </a:xfrm>
+          <a:prstGeom prst="rect">
+            <a:avLst/>
+          </a:prstGeom>
+          <a:noFill/>
+        </p:spPr>
+        <p:txBody>
+          <a:bodyPr wrap="square" rtlCol="0">
+            <a:spAutoFit/>
+          </a:bodyPr>
+          <a:lstStyle/>
+          <a:p>
+            <a:pPr algn="ctr"/>
+            <a:r>
+              <a:rPr lang="en-US" altLang="zh-TW" sz="2400" dirty="0"/>
+              <a:t>Var1</a:t>
+            </a:r>
+            <a:endParaRPr lang="zh-TW" altLang="en-US" sz="2400" dirty="0"/>
+          </a:p>
+        </p:txBody>
+      </p:sp>
+      <p:sp>
+        <p:nvSpPr>
+          <p:cNvPr id="9" name="右大括弧 8">
+            <a:extLst>
+              <a:ext uri="{FF2B5EF4-FFF2-40B4-BE49-F238E27FC236}">
+                <a16:creationId xmlns:a16="http://schemas.microsoft.com/office/drawing/2014/main" id="{CAC88B3E-B080-448C-8CEB-5F089B3904D8}"/>
+              </a:ext>
+            </a:extLst>
+          </p:cNvPr>
+          <p:cNvSpPr/>
+          <p:nvPr/>
+        </p:nvSpPr>
+        <p:spPr>
+          <a:xfrm rot="16200000">
+            <a:off x="5859779" y="2539192"/>
+            <a:ext cx="369332" cy="1669062"/>
+          </a:xfrm>
+          <a:prstGeom prst="rightBrace">
+            <a:avLst>
+              <a:gd name="adj1" fmla="val 0"/>
+              <a:gd name="adj2" fmla="val 50000"/>
+            </a:avLst>
+          </a:prstGeom>
+          <a:ln w="12700"/>
+        </p:spPr>
+        <p:style>
+          <a:lnRef idx="1">
+            <a:schemeClr val="accent1"/>
+          </a:lnRef>
+          <a:fillRef idx="0">
+            <a:schemeClr val="accent1"/>
+          </a:fillRef>
+          <a:effectRef idx="0">
+            <a:schemeClr val="accent1"/>
+          </a:effectRef>
+          <a:fontRef idx="minor">
+            <a:schemeClr val="tx1"/>
+          </a:fontRef>
+        </p:style>
+        <p:txBody>
+          <a:bodyPr rtlCol="0" anchor="ctr"/>
+          <a:lstStyle/>
+          <a:p>
+            <a:pPr algn="ctr"/>
+            <a:endParaRPr lang="zh-TW" altLang="en-US"/>
+          </a:p>
+        </p:txBody>
+      </p:sp>
+      <p:sp>
+        <p:nvSpPr>
+          <p:cNvPr id="10" name="右大括弧 9">
+            <a:extLst>
+              <a:ext uri="{FF2B5EF4-FFF2-40B4-BE49-F238E27FC236}">
+                <a16:creationId xmlns:a16="http://schemas.microsoft.com/office/drawing/2014/main" id="{A929CAE5-2B55-4AA5-91A3-7AF7520F57FF}"/>
+              </a:ext>
+            </a:extLst>
+          </p:cNvPr>
+          <p:cNvSpPr/>
+          <p:nvPr/>
+        </p:nvSpPr>
+        <p:spPr>
+          <a:xfrm rot="16200000">
+            <a:off x="8826862" y="2122364"/>
+            <a:ext cx="369332" cy="2502715"/>
+          </a:xfrm>
+          <a:prstGeom prst="rightBrace">
+            <a:avLst>
+              <a:gd name="adj1" fmla="val 0"/>
+              <a:gd name="adj2" fmla="val 50000"/>
+            </a:avLst>
+          </a:prstGeom>
+          <a:ln w="12700"/>
+        </p:spPr>
+        <p:style>
+          <a:lnRef idx="1">
+            <a:schemeClr val="accent1"/>
+          </a:lnRef>
+          <a:fillRef idx="0">
+            <a:schemeClr val="accent1"/>
+          </a:fillRef>
+          <a:effectRef idx="0">
+            <a:schemeClr val="accent1"/>
+          </a:effectRef>
+          <a:fontRef idx="minor">
+            <a:schemeClr val="tx1"/>
+          </a:fontRef>
+        </p:style>
+        <p:txBody>
+          <a:bodyPr rtlCol="0" anchor="ctr"/>
+          <a:lstStyle/>
+          <a:p>
+            <a:pPr algn="ctr"/>
+            <a:endParaRPr lang="zh-TW" altLang="en-US"/>
+          </a:p>
+        </p:txBody>
+      </p:sp>
+      <p:sp>
+        <p:nvSpPr>
+          <p:cNvPr id="11" name="文字方塊 10">
+            <a:extLst>
+              <a:ext uri="{FF2B5EF4-FFF2-40B4-BE49-F238E27FC236}">
+                <a16:creationId xmlns:a16="http://schemas.microsoft.com/office/drawing/2014/main" id="{3D8E404C-080C-4423-891F-9AB5F7E45C36}"/>
+              </a:ext>
+            </a:extLst>
+          </p:cNvPr>
+          <p:cNvSpPr txBox="1"/>
+          <p:nvPr/>
+        </p:nvSpPr>
+        <p:spPr>
+          <a:xfrm>
+            <a:off x="5203974" y="2466891"/>
+            <a:ext cx="1675002" cy="461665"/>
+          </a:xfrm>
+          <a:prstGeom prst="rect">
+            <a:avLst/>
+          </a:prstGeom>
+          <a:noFill/>
+        </p:spPr>
+        <p:txBody>
+          <a:bodyPr wrap="square" rtlCol="0">
+            <a:spAutoFit/>
+          </a:bodyPr>
+          <a:lstStyle/>
+          <a:p>
+            <a:pPr algn="ctr"/>
+            <a:r>
+              <a:rPr lang="en-US" altLang="zh-TW" sz="2400" dirty="0"/>
+              <a:t>Var2</a:t>
+            </a:r>
+            <a:endParaRPr lang="zh-TW" altLang="en-US" sz="2400" dirty="0"/>
+          </a:p>
+        </p:txBody>
+      </p:sp>
+      <p:sp>
+        <p:nvSpPr>
+          <p:cNvPr id="12" name="文字方塊 11">
+            <a:extLst>
+              <a:ext uri="{FF2B5EF4-FFF2-40B4-BE49-F238E27FC236}">
+                <a16:creationId xmlns:a16="http://schemas.microsoft.com/office/drawing/2014/main" id="{423FAF93-9D16-482A-8877-2245F1B78572}"/>
+              </a:ext>
+            </a:extLst>
+          </p:cNvPr>
+          <p:cNvSpPr txBox="1"/>
+          <p:nvPr/>
+        </p:nvSpPr>
+        <p:spPr>
+          <a:xfrm>
+            <a:off x="8156904" y="2466891"/>
+            <a:ext cx="1675002" cy="461665"/>
+          </a:xfrm>
+          <a:prstGeom prst="rect">
+            <a:avLst/>
+          </a:prstGeom>
+          <a:noFill/>
+        </p:spPr>
+        <p:txBody>
+          <a:bodyPr wrap="square" rtlCol="0">
+            <a:spAutoFit/>
+          </a:bodyPr>
+          <a:lstStyle/>
+          <a:p>
+            <a:pPr algn="ctr"/>
+            <a:r>
+              <a:rPr lang="en-US" altLang="zh-TW" sz="2400" dirty="0"/>
+              <a:t>Var3</a:t>
+            </a:r>
+            <a:endParaRPr lang="zh-TW" altLang="en-US" sz="2400" dirty="0"/>
+          </a:p>
+        </p:txBody>
+      </p:sp>
+    </p:spTree>
+    <p:extLst>
+      <p:ext uri="{BB962C8B-B14F-4D97-AF65-F5344CB8AC3E}">
+        <p14:creationId xmlns:p14="http://schemas.microsoft.com/office/powerpoint/2010/main" val="3905853701"/>
+      </p:ext>
+    </p:extLst>
+  </p:cSld>
+  <p:clrMapOvr>
+    <a:masterClrMapping/>
+  </p:clrMapOvr>
+</p:sld>
+</file>
+
+<file path=ppt/slides/slide11.xml><?xml version="1.0" encoding="utf-8"?>
 <p:sld xmlns:a="http://schemas.openxmlformats.org/drawingml/2006/main" xmlns:r="http://schemas.openxmlformats.org/officeDocument/2006/relationships" xmlns:p="http://schemas.openxmlformats.org/presentationml/2006/main">
   <p:cSld>
     <p:spTree>
@@ -4637,13 +5366,40 @@
               <a:t>Console input/output -&gt; </a:t>
             </a:r>
             <a:r>
-              <a:rPr lang="en-US" altLang="zh-TW" dirty="0">
-                <a:highlight>
-                  <a:srgbClr val="C0C0C0"/>
-                </a:highlight>
+              <a:rPr lang="en-US" altLang="zh-TW" b="0" dirty="0">
+                <a:solidFill>
+                  <a:srgbClr val="AF00DB"/>
+                </a:solidFill>
+                <a:effectLst/>
+                <a:latin typeface="Consolas" panose="020B0609020204030204" pitchFamily="49" charset="0"/>
               </a:rPr>
-              <a:t>#include &lt;iostream&gt;</a:t>
-            </a:r>
+              <a:t>#include</a:t>
+            </a:r>
+            <a:r>
+              <a:rPr lang="en-US" altLang="zh-TW" b="0" dirty="0">
+                <a:solidFill>
+                  <a:srgbClr val="0000FF"/>
+                </a:solidFill>
+                <a:effectLst/>
+                <a:latin typeface="Consolas" panose="020B0609020204030204" pitchFamily="49" charset="0"/>
+              </a:rPr>
+              <a:t> </a:t>
+            </a:r>
+            <a:r>
+              <a:rPr lang="en-US" altLang="zh-TW" b="0" dirty="0">
+                <a:solidFill>
+                  <a:srgbClr val="A31515"/>
+                </a:solidFill>
+                <a:effectLst/>
+                <a:latin typeface="Consolas" panose="020B0609020204030204" pitchFamily="49" charset="0"/>
+              </a:rPr>
+              <a:t>&lt;iostream&gt;</a:t>
+            </a:r>
+            <a:endParaRPr lang="en-US" altLang="zh-TW" dirty="0">
+              <a:highlight>
+                <a:srgbClr val="C0C0C0"/>
+              </a:highlight>
+            </a:endParaRPr>
           </a:p>
           <a:p>
             <a:pPr lvl="1"/>
@@ -4715,29 +5471,60 @@
               <a:t>File input/output -&gt; </a:t>
             </a:r>
             <a:r>
-              <a:rPr lang="en-US" altLang="zh-TW" dirty="0">
-                <a:highlight>
-                  <a:srgbClr val="C0C0C0"/>
-                </a:highlight>
+              <a:rPr lang="en-US" altLang="zh-TW" b="0" dirty="0">
+                <a:solidFill>
+                  <a:srgbClr val="AF00DB"/>
+                </a:solidFill>
+                <a:effectLst/>
+                <a:latin typeface="Consolas" panose="020B0609020204030204" pitchFamily="49" charset="0"/>
               </a:rPr>
-              <a:t>#include &lt;</a:t>
-            </a:r>
-            <a:r>
-              <a:rPr lang="en-US" altLang="zh-TW" dirty="0" err="1">
-                <a:highlight>
-                  <a:srgbClr val="C0C0C0"/>
-                </a:highlight>
+              <a:t>#include</a:t>
+            </a:r>
+            <a:r>
+              <a:rPr lang="en-US" altLang="zh-TW" b="0" dirty="0">
+                <a:solidFill>
+                  <a:srgbClr val="0000FF"/>
+                </a:solidFill>
+                <a:effectLst/>
+                <a:latin typeface="Consolas" panose="020B0609020204030204" pitchFamily="49" charset="0"/>
               </a:rPr>
-              <a:t>fstream</a:t>
-            </a:r>
-            <a:r>
-              <a:rPr lang="en-US" altLang="zh-TW" dirty="0">
-                <a:highlight>
-                  <a:srgbClr val="C0C0C0"/>
-                </a:highlight>
+              <a:t> </a:t>
+            </a:r>
+            <a:r>
+              <a:rPr lang="en-US" altLang="zh-TW" b="0" dirty="0">
+                <a:solidFill>
+                  <a:srgbClr val="A31515"/>
+                </a:solidFill>
+                <a:effectLst/>
+                <a:latin typeface="Consolas" panose="020B0609020204030204" pitchFamily="49" charset="0"/>
+              </a:rPr>
+              <a:t>&lt;</a:t>
+            </a:r>
+            <a:r>
+              <a:rPr lang="en-US" altLang="zh-TW" b="0" dirty="0" err="1">
+                <a:solidFill>
+                  <a:srgbClr val="A31515"/>
+                </a:solidFill>
+                <a:effectLst/>
+                <a:latin typeface="Consolas" panose="020B0609020204030204" pitchFamily="49" charset="0"/>
+              </a:rPr>
+              <a:t>ftream</a:t>
+            </a:r>
+            <a:r>
+              <a:rPr lang="en-US" altLang="zh-TW" b="0" dirty="0">
+                <a:solidFill>
+                  <a:srgbClr val="A31515"/>
+                </a:solidFill>
+                <a:effectLst/>
+                <a:latin typeface="Consolas" panose="020B0609020204030204" pitchFamily="49" charset="0"/>
               </a:rPr>
               <a:t>&gt;</a:t>
             </a:r>
+            <a:endParaRPr lang="en-US" altLang="zh-TW" dirty="0">
+              <a:highlight>
+                <a:srgbClr val="C0C0C0"/>
+              </a:highlight>
+            </a:endParaRPr>
           </a:p>
           <a:p>
             <a:pPr lvl="1"/>
@@ -4787,14 +5574,6 @@
 <file path=ppt/slides/slide3.xml><?xml version="1.0" encoding="utf-8"?>
 <p:sld xmlns:a="http://schemas.openxmlformats.org/drawingml/2006/main" xmlns:r="http://schemas.openxmlformats.org/officeDocument/2006/relationships" xmlns:p="http://schemas.openxmlformats.org/presentationml/2006/main">
   <p:cSld>
-    <p:bg>
-      <p:bgPr>
-        <a:solidFill>
-          <a:schemeClr val="bg1"/>
-        </a:solidFill>
-        <a:effectLst/>
-      </p:bgPr>
-    </p:bg>
     <p:spTree>
       <p:nvGrpSpPr>
         <p:cNvPr id="1" name=""/>
@@ -4811,39 +5590,118 @@
       </p:grpSpPr>
       <p:sp>
         <p:nvSpPr>
-          <p:cNvPr id="10" name="Rectangle 9">
-            <a:extLst>
-              <a:ext uri="{FF2B5EF4-FFF2-40B4-BE49-F238E27FC236}">
-                <a16:creationId xmlns:a16="http://schemas.microsoft.com/office/drawing/2014/main" id="{42A4FC2C-047E-45A5-965D-8E1E3BF09BC6}"/>
-              </a:ext>
-              <a:ext uri="{C183D7F6-B498-43B3-948B-1728B52AA6E4}">
-                <adec:decorative xmlns:adec="http://schemas.microsoft.com/office/drawing/2017/decorative" val="1"/>
+          <p:cNvPr id="2" name="標題 1">
+            <a:extLst>
+              <a:ext uri="{FF2B5EF4-FFF2-40B4-BE49-F238E27FC236}">
+                <a16:creationId xmlns:a16="http://schemas.microsoft.com/office/drawing/2014/main" id="{848D0978-F709-4CEF-8D09-5FD91B2215CF}"/>
               </a:ext>
             </a:extLst>
           </p:cNvPr>
           <p:cNvSpPr>
-            <a:spLocks noGrp="1" noRot="1" noChangeAspect="1" noMove="1" noResize="1" noEditPoints="1" noAdjustHandles="1" noChangeArrowheads="1" noChangeShapeType="1" noTextEdit="1"/>
+            <a:spLocks noGrp="1"/>
           </p:cNvSpPr>
           <p:nvPr>
-            <p:extLst>
-              <p:ext uri="{386F3935-93C4-4BCD-93E2-E3B085C9AB24}">
-                <p16:designElem xmlns:p16="http://schemas.microsoft.com/office/powerpoint/2015/main" val="1"/>
-              </p:ext>
-            </p:extLst>
+            <p:ph type="title"/>
           </p:nvPr>
         </p:nvSpPr>
-        <p:spPr bwMode="white">
+        <p:spPr/>
+        <p:txBody>
+          <a:bodyPr/>
+          <a:lstStyle/>
+          <a:p>
+            <a:r>
+              <a:rPr lang="en-US" altLang="zh-TW" dirty="0"/>
+              <a:t>Output stream</a:t>
+            </a:r>
+            <a:endParaRPr lang="zh-TW" altLang="en-US" dirty="0"/>
+          </a:p>
+        </p:txBody>
+      </p:sp>
+      <p:sp>
+        <p:nvSpPr>
+          <p:cNvPr id="5" name="文字方塊 4">
+            <a:extLst>
+              <a:ext uri="{FF2B5EF4-FFF2-40B4-BE49-F238E27FC236}">
+                <a16:creationId xmlns:a16="http://schemas.microsoft.com/office/drawing/2014/main" id="{43536670-C8F5-40C5-BD55-A3006E78B7AD}"/>
+              </a:ext>
+            </a:extLst>
+          </p:cNvPr>
+          <p:cNvSpPr txBox="1"/>
+          <p:nvPr/>
+        </p:nvSpPr>
+        <p:spPr>
           <a:xfrm>
-            <a:off x="1524" y="0"/>
-            <a:ext cx="12188952" cy="6858000"/>
+            <a:off x="1398" y="6488668"/>
+            <a:ext cx="6094602" cy="369332"/>
           </a:xfrm>
           <a:prstGeom prst="rect">
             <a:avLst/>
           </a:prstGeom>
           <a:noFill/>
-          <a:ln>
-            <a:noFill/>
-          </a:ln>
+        </p:spPr>
+        <p:txBody>
+          <a:bodyPr wrap="square">
+            <a:spAutoFit/>
+          </a:bodyPr>
+          <a:lstStyle/>
+          <a:p>
+            <a:r>
+              <a:rPr lang="zh-TW" altLang="en-US" dirty="0"/>
+              <a:t>https://en.cppreference.com/w/cpp/io/basic_ostream</a:t>
+            </a:r>
+          </a:p>
+        </p:txBody>
+      </p:sp>
+      <p:pic>
+        <p:nvPicPr>
+          <p:cNvPr id="11" name="圖片 10">
+            <a:extLst>
+              <a:ext uri="{FF2B5EF4-FFF2-40B4-BE49-F238E27FC236}">
+                <a16:creationId xmlns:a16="http://schemas.microsoft.com/office/drawing/2014/main" id="{FC88020C-F838-4D4F-8A38-444B9CA524DC}"/>
+              </a:ext>
+            </a:extLst>
+          </p:cNvPr>
+          <p:cNvPicPr>
+            <a:picLocks noChangeAspect="1"/>
+          </p:cNvPicPr>
+          <p:nvPr/>
+        </p:nvPicPr>
+        <p:blipFill>
+          <a:blip r:embed="rId2"/>
+          <a:stretch>
+            <a:fillRect/>
+          </a:stretch>
+        </p:blipFill>
+        <p:spPr>
+          <a:xfrm>
+            <a:off x="838200" y="1717622"/>
+            <a:ext cx="5858693" cy="2372056"/>
+          </a:xfrm>
+          <a:prstGeom prst="rect">
+            <a:avLst/>
+          </a:prstGeom>
+        </p:spPr>
+      </p:pic>
+      <p:sp>
+        <p:nvSpPr>
+          <p:cNvPr id="12" name="矩形 11">
+            <a:extLst>
+              <a:ext uri="{FF2B5EF4-FFF2-40B4-BE49-F238E27FC236}">
+                <a16:creationId xmlns:a16="http://schemas.microsoft.com/office/drawing/2014/main" id="{D1424EBB-92B3-4681-87EF-2C9C3C5D8A4D}"/>
+              </a:ext>
+            </a:extLst>
+          </p:cNvPr>
+          <p:cNvSpPr/>
+          <p:nvPr/>
+        </p:nvSpPr>
+        <p:spPr>
+          <a:xfrm>
+            <a:off x="7038363" y="1914718"/>
+            <a:ext cx="4530055" cy="2875396"/>
+          </a:xfrm>
+          <a:prstGeom prst="rect">
+            <a:avLst/>
+          </a:prstGeom>
         </p:spPr>
         <p:style>
           <a:lnRef idx="2">
@@ -4863,160 +5721,29 @@
         </p:style>
         <p:txBody>
           <a:bodyPr rtlCol="0" anchor="ctr"/>
-          <a:lstStyle>
-            <a:defPPr>
-              <a:defRPr lang="en-US"/>
-            </a:defPPr>
-            <a:lvl1pPr marL="0" algn="l" defTabSz="914400" rtl="0" eaLnBrk="1" latinLnBrk="0" hangingPunct="1">
-              <a:defRPr sz="1800" kern="1200">
-                <a:solidFill>
-                  <a:schemeClr val="lt1"/>
-                </a:solidFill>
-                <a:latin typeface="+mn-lt"/>
-                <a:ea typeface="+mn-ea"/>
-                <a:cs typeface="+mn-cs"/>
-              </a:defRPr>
-            </a:lvl1pPr>
-            <a:lvl2pPr marL="457200" algn="l" defTabSz="914400" rtl="0" eaLnBrk="1" latinLnBrk="0" hangingPunct="1">
-              <a:defRPr sz="1800" kern="1200">
-                <a:solidFill>
-                  <a:schemeClr val="lt1"/>
-                </a:solidFill>
-                <a:latin typeface="+mn-lt"/>
-                <a:ea typeface="+mn-ea"/>
-                <a:cs typeface="+mn-cs"/>
-              </a:defRPr>
-            </a:lvl2pPr>
-            <a:lvl3pPr marL="914400" algn="l" defTabSz="914400" rtl="0" eaLnBrk="1" latinLnBrk="0" hangingPunct="1">
-              <a:defRPr sz="1800" kern="1200">
-                <a:solidFill>
-                  <a:schemeClr val="lt1"/>
-                </a:solidFill>
-                <a:latin typeface="+mn-lt"/>
-                <a:ea typeface="+mn-ea"/>
-                <a:cs typeface="+mn-cs"/>
-              </a:defRPr>
-            </a:lvl3pPr>
-            <a:lvl4pPr marL="1371600" algn="l" defTabSz="914400" rtl="0" eaLnBrk="1" latinLnBrk="0" hangingPunct="1">
-              <a:defRPr sz="1800" kern="1200">
-                <a:solidFill>
-                  <a:schemeClr val="lt1"/>
-                </a:solidFill>
-                <a:latin typeface="+mn-lt"/>
-                <a:ea typeface="+mn-ea"/>
-                <a:cs typeface="+mn-cs"/>
-              </a:defRPr>
-            </a:lvl4pPr>
-            <a:lvl5pPr marL="1828800" algn="l" defTabSz="914400" rtl="0" eaLnBrk="1" latinLnBrk="0" hangingPunct="1">
-              <a:defRPr sz="1800" kern="1200">
-                <a:solidFill>
-                  <a:schemeClr val="lt1"/>
-                </a:solidFill>
-                <a:latin typeface="+mn-lt"/>
-                <a:ea typeface="+mn-ea"/>
-                <a:cs typeface="+mn-cs"/>
-              </a:defRPr>
-            </a:lvl5pPr>
-            <a:lvl6pPr marL="2286000" algn="l" defTabSz="914400" rtl="0" eaLnBrk="1" latinLnBrk="0" hangingPunct="1">
-              <a:defRPr sz="1800" kern="1200">
-                <a:solidFill>
-                  <a:schemeClr val="lt1"/>
-                </a:solidFill>
-                <a:latin typeface="+mn-lt"/>
-                <a:ea typeface="+mn-ea"/>
-                <a:cs typeface="+mn-cs"/>
-              </a:defRPr>
-            </a:lvl6pPr>
-            <a:lvl7pPr marL="2743200" algn="l" defTabSz="914400" rtl="0" eaLnBrk="1" latinLnBrk="0" hangingPunct="1">
-              <a:defRPr sz="1800" kern="1200">
-                <a:solidFill>
-                  <a:schemeClr val="lt1"/>
-                </a:solidFill>
-                <a:latin typeface="+mn-lt"/>
-                <a:ea typeface="+mn-ea"/>
-                <a:cs typeface="+mn-cs"/>
-              </a:defRPr>
-            </a:lvl7pPr>
-            <a:lvl8pPr marL="3200400" algn="l" defTabSz="914400" rtl="0" eaLnBrk="1" latinLnBrk="0" hangingPunct="1">
-              <a:defRPr sz="1800" kern="1200">
-                <a:solidFill>
-                  <a:schemeClr val="lt1"/>
-                </a:solidFill>
-                <a:latin typeface="+mn-lt"/>
-                <a:ea typeface="+mn-ea"/>
-                <a:cs typeface="+mn-cs"/>
-              </a:defRPr>
-            </a:lvl8pPr>
-            <a:lvl9pPr marL="3657600" algn="l" defTabSz="914400" rtl="0" eaLnBrk="1" latinLnBrk="0" hangingPunct="1">
-              <a:defRPr sz="1800" kern="1200">
-                <a:solidFill>
-                  <a:schemeClr val="lt1"/>
-                </a:solidFill>
-                <a:latin typeface="+mn-lt"/>
-                <a:ea typeface="+mn-ea"/>
-                <a:cs typeface="+mn-cs"/>
-              </a:defRPr>
-            </a:lvl9pPr>
-          </a:lstStyle>
+          <a:lstStyle/>
           <a:p>
             <a:pPr algn="ctr"/>
-            <a:endParaRPr lang="en-US"/>
-          </a:p>
-        </p:txBody>
-      </p:sp>
-      <p:pic>
-        <p:nvPicPr>
-          <p:cNvPr id="5" name="內容版面配置區 4" descr="一張含有 文字, 室外, 綠色, 標誌 的圖片&#10;&#10;自動產生的描述">
-            <a:extLst>
-              <a:ext uri="{FF2B5EF4-FFF2-40B4-BE49-F238E27FC236}">
-                <a16:creationId xmlns:a16="http://schemas.microsoft.com/office/drawing/2014/main" id="{F1FF997E-94BE-48C4-8726-B41B727021AD}"/>
-              </a:ext>
-            </a:extLst>
-          </p:cNvPr>
-          <p:cNvPicPr>
-            <a:picLocks noGrp="1" noChangeAspect="1"/>
-          </p:cNvPicPr>
-          <p:nvPr>
-            <p:ph idx="1"/>
-          </p:nvPr>
-        </p:nvPicPr>
-        <p:blipFill rotWithShape="1">
-          <a:blip r:embed="rId2">
-            <a:extLst>
-              <a:ext uri="{28A0092B-C50C-407E-A947-70E740481C1C}">
-                <a14:useLocalDpi xmlns:a14="http://schemas.microsoft.com/office/drawing/2010/main" val="0"/>
-              </a:ext>
-            </a:extLst>
-          </a:blip>
-          <a:srcRect b="19"/>
-          <a:stretch/>
-        </p:blipFill>
+            <a:endParaRPr lang="zh-TW" altLang="en-US"/>
+          </a:p>
+        </p:txBody>
+      </p:sp>
+      <p:sp>
+        <p:nvSpPr>
+          <p:cNvPr id="14" name="文字方塊 13">
+            <a:extLst>
+              <a:ext uri="{FF2B5EF4-FFF2-40B4-BE49-F238E27FC236}">
+                <a16:creationId xmlns:a16="http://schemas.microsoft.com/office/drawing/2014/main" id="{F5CBD8A2-67A7-4EF1-9785-9BB352FF180F}"/>
+              </a:ext>
+            </a:extLst>
+          </p:cNvPr>
+          <p:cNvSpPr txBox="1"/>
+          <p:nvPr/>
+        </p:nvSpPr>
         <p:spPr>
           <a:xfrm>
-            <a:off x="20" y="1282"/>
-            <a:ext cx="12191980" cy="6856718"/>
-          </a:xfrm>
-          <a:prstGeom prst="rect">
-            <a:avLst/>
-          </a:prstGeom>
-        </p:spPr>
-      </p:pic>
-      <p:sp>
-        <p:nvSpPr>
-          <p:cNvPr id="8" name="文字方塊 7">
-            <a:extLst>
-              <a:ext uri="{FF2B5EF4-FFF2-40B4-BE49-F238E27FC236}">
-                <a16:creationId xmlns:a16="http://schemas.microsoft.com/office/drawing/2014/main" id="{490F2732-998F-4532-AD3E-CDA9E4EC3B26}"/>
-              </a:ext>
-            </a:extLst>
-          </p:cNvPr>
-          <p:cNvSpPr txBox="1"/>
-          <p:nvPr/>
-        </p:nvSpPr>
-        <p:spPr>
-          <a:xfrm>
-            <a:off x="-1554" y="6557986"/>
-            <a:ext cx="6097554" cy="369332"/>
+            <a:off x="10016456" y="1914718"/>
+            <a:ext cx="1551962" cy="615553"/>
           </a:xfrm>
           <a:prstGeom prst="rect">
             <a:avLst/>
@@ -5024,24 +5751,25 @@
           <a:noFill/>
         </p:spPr>
         <p:txBody>
-          <a:bodyPr wrap="square">
+          <a:bodyPr wrap="square" rtlCol="0">
             <a:spAutoFit/>
           </a:bodyPr>
           <a:lstStyle/>
           <a:p>
             <a:r>
-              <a:rPr lang="zh-TW" altLang="en-US" dirty="0"/>
-              <a:t>https://udn.com/news/story/7328/5490709</a:t>
-            </a:r>
-          </a:p>
-        </p:txBody>
-      </p:sp>
-      <p:sp>
-        <p:nvSpPr>
-          <p:cNvPr id="7" name="文字方塊 6">
-            <a:extLst>
-              <a:ext uri="{FF2B5EF4-FFF2-40B4-BE49-F238E27FC236}">
-                <a16:creationId xmlns:a16="http://schemas.microsoft.com/office/drawing/2014/main" id="{A9A51FFB-7D0A-4D7C-836F-AE11DD8AB1C2}"/>
+              <a:rPr lang="en-US" altLang="zh-TW" sz="3400" b="1" dirty="0"/>
+              <a:t>Screen</a:t>
+            </a:r>
+            <a:endParaRPr lang="zh-TW" altLang="en-US" sz="3400" b="1" dirty="0"/>
+          </a:p>
+        </p:txBody>
+      </p:sp>
+      <p:sp>
+        <p:nvSpPr>
+          <p:cNvPr id="15" name="文字方塊 14">
+            <a:extLst>
+              <a:ext uri="{FF2B5EF4-FFF2-40B4-BE49-F238E27FC236}">
+                <a16:creationId xmlns:a16="http://schemas.microsoft.com/office/drawing/2014/main" id="{4644D844-95C3-4820-8B90-21FF0EC32986}"/>
               </a:ext>
             </a:extLst>
           </p:cNvPr>
@@ -5050,13 +5778,17 @@
         </p:nvSpPr>
         <p:spPr>
           <a:xfrm>
-            <a:off x="3590488" y="4976819"/>
-            <a:ext cx="2782349" cy="1323439"/>
+            <a:off x="7239699" y="2595873"/>
+            <a:ext cx="4114101" cy="615553"/>
           </a:xfrm>
           <a:prstGeom prst="rect">
             <a:avLst/>
           </a:prstGeom>
-          <a:noFill/>
+          <a:solidFill>
+            <a:schemeClr val="bg1">
+              <a:lumMod val="65000"/>
+            </a:schemeClr>
+          </a:solidFill>
         </p:spPr>
         <p:txBody>
           <a:bodyPr wrap="square" rtlCol="0">
@@ -5065,27 +5797,23 @@
           <a:lstStyle/>
           <a:p>
             <a:r>
-              <a:rPr lang="en-US" altLang="zh-TW" sz="8000" b="1" dirty="0" err="1">
-                <a:solidFill>
-                  <a:srgbClr val="FFFF00"/>
-                </a:solidFill>
-              </a:rPr>
-              <a:t>cerr</a:t>
-            </a:r>
-            <a:endParaRPr lang="zh-TW" altLang="en-US" sz="8000" b="1" dirty="0">
-              <a:solidFill>
-                <a:srgbClr val="FFFF00"/>
-              </a:solidFill>
-            </a:endParaRPr>
-          </a:p>
-        </p:txBody>
-      </p:sp>
-      <p:sp>
-        <p:nvSpPr>
-          <p:cNvPr id="11" name="文字方塊 10">
-            <a:extLst>
-              <a:ext uri="{FF2B5EF4-FFF2-40B4-BE49-F238E27FC236}">
-                <a16:creationId xmlns:a16="http://schemas.microsoft.com/office/drawing/2014/main" id="{79DD728A-6950-4F05-AEFC-0446DFA14FE4}"/>
+              <a:rPr lang="en-US" altLang="zh-TW" sz="3400" dirty="0"/>
+              <a:t>std::</a:t>
+            </a:r>
+            <a:r>
+              <a:rPr lang="en-US" altLang="zh-TW" sz="3400" dirty="0" err="1"/>
+              <a:t>cout</a:t>
+            </a:r>
+            <a:endParaRPr lang="zh-TW" altLang="en-US" sz="3400" dirty="0"/>
+          </a:p>
+        </p:txBody>
+      </p:sp>
+      <p:sp>
+        <p:nvSpPr>
+          <p:cNvPr id="16" name="文字方塊 15">
+            <a:extLst>
+              <a:ext uri="{FF2B5EF4-FFF2-40B4-BE49-F238E27FC236}">
+                <a16:creationId xmlns:a16="http://schemas.microsoft.com/office/drawing/2014/main" id="{FE89E5FC-6FE3-4C0E-BCB6-D2439B5CB0A2}"/>
               </a:ext>
             </a:extLst>
           </p:cNvPr>
@@ -5094,13 +5822,18 @@
         </p:nvSpPr>
         <p:spPr>
           <a:xfrm>
-            <a:off x="9841684" y="4907501"/>
-            <a:ext cx="2782349" cy="1323439"/>
+            <a:off x="7246339" y="3277028"/>
+            <a:ext cx="4114101" cy="615553"/>
           </a:xfrm>
           <a:prstGeom prst="rect">
             <a:avLst/>
           </a:prstGeom>
-          <a:noFill/>
+          <a:solidFill>
+            <a:schemeClr val="accent2">
+              <a:lumMod val="60000"/>
+              <a:lumOff val="40000"/>
+            </a:schemeClr>
+          </a:solidFill>
         </p:spPr>
         <p:txBody>
           <a:bodyPr wrap="square" rtlCol="0">
@@ -5109,25 +5842,100 @@
           <a:lstStyle/>
           <a:p>
             <a:r>
-              <a:rPr lang="en-US" altLang="zh-TW" sz="8000" b="1" dirty="0" err="1">
-                <a:solidFill>
-                  <a:srgbClr val="FFFF00"/>
-                </a:solidFill>
-              </a:rPr>
-              <a:t>cout</a:t>
-            </a:r>
-            <a:endParaRPr lang="zh-TW" altLang="en-US" sz="8000" b="1" dirty="0">
-              <a:solidFill>
-                <a:srgbClr val="FFFF00"/>
-              </a:solidFill>
-            </a:endParaRPr>
-          </a:p>
-        </p:txBody>
-      </p:sp>
+              <a:rPr lang="en-US" altLang="zh-TW" sz="3400" dirty="0"/>
+              <a:t>std::</a:t>
+            </a:r>
+            <a:r>
+              <a:rPr lang="en-US" altLang="zh-TW" sz="3400" dirty="0" err="1"/>
+              <a:t>cerr</a:t>
+            </a:r>
+            <a:endParaRPr lang="zh-TW" altLang="en-US" sz="3400" dirty="0"/>
+          </a:p>
+        </p:txBody>
+      </p:sp>
+      <p:sp>
+        <p:nvSpPr>
+          <p:cNvPr id="17" name="文字方塊 16">
+            <a:extLst>
+              <a:ext uri="{FF2B5EF4-FFF2-40B4-BE49-F238E27FC236}">
+                <a16:creationId xmlns:a16="http://schemas.microsoft.com/office/drawing/2014/main" id="{3212076B-ABE0-4230-B1DB-1367A74B8978}"/>
+              </a:ext>
+            </a:extLst>
+          </p:cNvPr>
+          <p:cNvSpPr txBox="1"/>
+          <p:nvPr/>
+        </p:nvSpPr>
+        <p:spPr>
+          <a:xfrm>
+            <a:off x="7239698" y="4012763"/>
+            <a:ext cx="4114101" cy="615553"/>
+          </a:xfrm>
+          <a:prstGeom prst="rect">
+            <a:avLst/>
+          </a:prstGeom>
+          <a:solidFill>
+            <a:schemeClr val="accent6"/>
+          </a:solidFill>
+        </p:spPr>
+        <p:txBody>
+          <a:bodyPr wrap="square" rtlCol="0">
+            <a:spAutoFit/>
+          </a:bodyPr>
+          <a:lstStyle/>
+          <a:p>
+            <a:r>
+              <a:rPr lang="en-US" altLang="zh-TW" sz="3400" dirty="0"/>
+              <a:t>std::clog</a:t>
+            </a:r>
+            <a:endParaRPr lang="zh-TW" altLang="en-US" sz="3400" dirty="0"/>
+          </a:p>
+        </p:txBody>
+      </p:sp>
+      <p:cxnSp>
+        <p:nvCxnSpPr>
+          <p:cNvPr id="22" name="直線接點 21">
+            <a:extLst>
+              <a:ext uri="{FF2B5EF4-FFF2-40B4-BE49-F238E27FC236}">
+                <a16:creationId xmlns:a16="http://schemas.microsoft.com/office/drawing/2014/main" id="{73A94038-9E21-4A04-A28D-65D9AF6E7B43}"/>
+              </a:ext>
+            </a:extLst>
+          </p:cNvPr>
+          <p:cNvCxnSpPr/>
+          <p:nvPr/>
+        </p:nvCxnSpPr>
+        <p:spPr>
+          <a:xfrm>
+            <a:off x="5335398" y="3352416"/>
+            <a:ext cx="1031846" cy="0"/>
+          </a:xfrm>
+          <a:prstGeom prst="line">
+            <a:avLst/>
+          </a:prstGeom>
+          <a:ln w="38100">
+            <a:solidFill>
+              <a:srgbClr val="C00000"/>
+            </a:solidFill>
+          </a:ln>
+        </p:spPr>
+        <p:style>
+          <a:lnRef idx="1">
+            <a:schemeClr val="accent1"/>
+          </a:lnRef>
+          <a:fillRef idx="0">
+            <a:schemeClr val="accent1"/>
+          </a:fillRef>
+          <a:effectRef idx="0">
+            <a:schemeClr val="accent1"/>
+          </a:effectRef>
+          <a:fontRef idx="minor">
+            <a:schemeClr val="tx1"/>
+          </a:fontRef>
+        </p:style>
+      </p:cxnSp>
     </p:spTree>
     <p:extLst>
       <p:ext uri="{BB962C8B-B14F-4D97-AF65-F5344CB8AC3E}">
-        <p14:creationId xmlns:p14="http://schemas.microsoft.com/office/powerpoint/2010/main" val="2919207978"/>
+        <p14:creationId xmlns:p14="http://schemas.microsoft.com/office/powerpoint/2010/main" val="1779442171"/>
       </p:ext>
     </p:extLst>
   </p:cSld>
@@ -5159,7 +5967,7 @@
           <p:cNvPr id="2" name="標題 1">
             <a:extLst>
               <a:ext uri="{FF2B5EF4-FFF2-40B4-BE49-F238E27FC236}">
-                <a16:creationId xmlns:a16="http://schemas.microsoft.com/office/drawing/2014/main" id="{7BDB7620-1AC5-43FE-AB9D-CEF52C7F14EB}"/>
+                <a16:creationId xmlns:a16="http://schemas.microsoft.com/office/drawing/2014/main" id="{7338AEDA-51AA-4087-9928-B280187B855C}"/>
               </a:ext>
             </a:extLst>
           </p:cNvPr>
@@ -5177,6 +5985,748 @@
           <a:p>
             <a:r>
               <a:rPr lang="en-US" altLang="zh-TW" dirty="0"/>
+              <a:t>Output stream</a:t>
+            </a:r>
+            <a:endParaRPr lang="zh-TW" altLang="en-US" dirty="0"/>
+          </a:p>
+        </p:txBody>
+      </p:sp>
+      <p:sp>
+        <p:nvSpPr>
+          <p:cNvPr id="5" name="文字方塊 4">
+            <a:extLst>
+              <a:ext uri="{FF2B5EF4-FFF2-40B4-BE49-F238E27FC236}">
+                <a16:creationId xmlns:a16="http://schemas.microsoft.com/office/drawing/2014/main" id="{AC3537CC-A70B-458C-B51A-1C24542ACE69}"/>
+              </a:ext>
+            </a:extLst>
+          </p:cNvPr>
+          <p:cNvSpPr txBox="1"/>
+          <p:nvPr/>
+        </p:nvSpPr>
+        <p:spPr>
+          <a:xfrm>
+            <a:off x="975220" y="1895155"/>
+            <a:ext cx="6094602" cy="2585323"/>
+          </a:xfrm>
+          <a:prstGeom prst="rect">
+            <a:avLst/>
+          </a:prstGeom>
+          <a:noFill/>
+        </p:spPr>
+        <p:txBody>
+          <a:bodyPr wrap="square">
+            <a:spAutoFit/>
+          </a:bodyPr>
+          <a:lstStyle/>
+          <a:p>
+            <a:r>
+              <a:rPr lang="en-US" altLang="zh-TW" b="0" dirty="0">
+                <a:solidFill>
+                  <a:srgbClr val="AF00DB"/>
+                </a:solidFill>
+                <a:effectLst/>
+                <a:latin typeface="Consolas" panose="020B0609020204030204" pitchFamily="49" charset="0"/>
+              </a:rPr>
+              <a:t>#include</a:t>
+            </a:r>
+            <a:r>
+              <a:rPr lang="en-US" altLang="zh-TW" b="0" dirty="0">
+                <a:solidFill>
+                  <a:srgbClr val="0000FF"/>
+                </a:solidFill>
+                <a:effectLst/>
+                <a:latin typeface="Consolas" panose="020B0609020204030204" pitchFamily="49" charset="0"/>
+              </a:rPr>
+              <a:t> </a:t>
+            </a:r>
+            <a:r>
+              <a:rPr lang="en-US" altLang="zh-TW" b="0" dirty="0">
+                <a:solidFill>
+                  <a:srgbClr val="A31515"/>
+                </a:solidFill>
+                <a:effectLst/>
+                <a:latin typeface="Consolas" panose="020B0609020204030204" pitchFamily="49" charset="0"/>
+              </a:rPr>
+              <a:t>&lt;iostream&gt;</a:t>
+            </a:r>
+            <a:endParaRPr lang="en-US" altLang="zh-TW" b="0" dirty="0">
+              <a:solidFill>
+                <a:srgbClr val="000000"/>
+              </a:solidFill>
+              <a:effectLst/>
+              <a:latin typeface="Consolas" panose="020B0609020204030204" pitchFamily="49" charset="0"/>
+            </a:endParaRPr>
+          </a:p>
+          <a:p>
+            <a:br>
+              <a:rPr lang="en-US" altLang="zh-TW" b="0" dirty="0">
+                <a:solidFill>
+                  <a:srgbClr val="000000"/>
+                </a:solidFill>
+                <a:effectLst/>
+                <a:latin typeface="Consolas" panose="020B0609020204030204" pitchFamily="49" charset="0"/>
+              </a:rPr>
+            </a:br>
+            <a:r>
+              <a:rPr lang="en-US" altLang="zh-TW" b="0" dirty="0">
+                <a:solidFill>
+                  <a:srgbClr val="0000FF"/>
+                </a:solidFill>
+                <a:effectLst/>
+                <a:latin typeface="Consolas" panose="020B0609020204030204" pitchFamily="49" charset="0"/>
+              </a:rPr>
+              <a:t>int</a:t>
+            </a:r>
+            <a:r>
+              <a:rPr lang="en-US" altLang="zh-TW" b="0" dirty="0">
+                <a:solidFill>
+                  <a:srgbClr val="000000"/>
+                </a:solidFill>
+                <a:effectLst/>
+                <a:latin typeface="Consolas" panose="020B0609020204030204" pitchFamily="49" charset="0"/>
+              </a:rPr>
+              <a:t> </a:t>
+            </a:r>
+            <a:r>
+              <a:rPr lang="en-US" altLang="zh-TW" b="0" dirty="0">
+                <a:solidFill>
+                  <a:srgbClr val="795E26"/>
+                </a:solidFill>
+                <a:effectLst/>
+                <a:latin typeface="Consolas" panose="020B0609020204030204" pitchFamily="49" charset="0"/>
+              </a:rPr>
+              <a:t>main</a:t>
+            </a:r>
+            <a:r>
+              <a:rPr lang="en-US" altLang="zh-TW" b="0" dirty="0">
+                <a:solidFill>
+                  <a:srgbClr val="000000"/>
+                </a:solidFill>
+                <a:effectLst/>
+                <a:latin typeface="Consolas" panose="020B0609020204030204" pitchFamily="49" charset="0"/>
+              </a:rPr>
+              <a:t>()</a:t>
+            </a:r>
+          </a:p>
+          <a:p>
+            <a:r>
+              <a:rPr lang="en-US" altLang="zh-TW" b="0" dirty="0">
+                <a:solidFill>
+                  <a:srgbClr val="000000"/>
+                </a:solidFill>
+                <a:effectLst/>
+                <a:latin typeface="Consolas" panose="020B0609020204030204" pitchFamily="49" charset="0"/>
+              </a:rPr>
+              <a:t>{</a:t>
+            </a:r>
+          </a:p>
+          <a:p>
+            <a:r>
+              <a:rPr lang="en-US" altLang="zh-TW" b="0" dirty="0">
+                <a:solidFill>
+                  <a:srgbClr val="000000"/>
+                </a:solidFill>
+                <a:effectLst/>
+                <a:latin typeface="Consolas" panose="020B0609020204030204" pitchFamily="49" charset="0"/>
+              </a:rPr>
+              <a:t>    </a:t>
+            </a:r>
+            <a:r>
+              <a:rPr lang="en-US" altLang="zh-TW" b="0" dirty="0">
+                <a:solidFill>
+                  <a:srgbClr val="267F99"/>
+                </a:solidFill>
+                <a:effectLst/>
+                <a:latin typeface="Consolas" panose="020B0609020204030204" pitchFamily="49" charset="0"/>
+              </a:rPr>
+              <a:t>std</a:t>
+            </a:r>
+            <a:r>
+              <a:rPr lang="en-US" altLang="zh-TW" b="0" dirty="0">
+                <a:solidFill>
+                  <a:srgbClr val="000000"/>
+                </a:solidFill>
+                <a:effectLst/>
+                <a:latin typeface="Consolas" panose="020B0609020204030204" pitchFamily="49" charset="0"/>
+              </a:rPr>
+              <a:t>::</a:t>
+            </a:r>
+            <a:r>
+              <a:rPr lang="en-US" altLang="zh-TW" b="0" dirty="0" err="1">
+                <a:solidFill>
+                  <a:srgbClr val="001080"/>
+                </a:solidFill>
+                <a:effectLst/>
+                <a:latin typeface="Consolas" panose="020B0609020204030204" pitchFamily="49" charset="0"/>
+              </a:rPr>
+              <a:t>cout</a:t>
+            </a:r>
+            <a:r>
+              <a:rPr lang="en-US" altLang="zh-TW" b="0" dirty="0">
+                <a:solidFill>
+                  <a:srgbClr val="000000"/>
+                </a:solidFill>
+                <a:effectLst/>
+                <a:latin typeface="Consolas" panose="020B0609020204030204" pitchFamily="49" charset="0"/>
+              </a:rPr>
+              <a:t> </a:t>
+            </a:r>
+            <a:r>
+              <a:rPr lang="en-US" altLang="zh-TW" b="0" dirty="0">
+                <a:solidFill>
+                  <a:srgbClr val="795E26"/>
+                </a:solidFill>
+                <a:effectLst/>
+                <a:latin typeface="Consolas" panose="020B0609020204030204" pitchFamily="49" charset="0"/>
+              </a:rPr>
+              <a:t>&lt;&lt;</a:t>
+            </a:r>
+            <a:r>
+              <a:rPr lang="en-US" altLang="zh-TW" b="0" dirty="0">
+                <a:solidFill>
+                  <a:srgbClr val="000000"/>
+                </a:solidFill>
+                <a:effectLst/>
+                <a:latin typeface="Consolas" panose="020B0609020204030204" pitchFamily="49" charset="0"/>
+              </a:rPr>
+              <a:t> </a:t>
+            </a:r>
+            <a:r>
+              <a:rPr lang="en-US" altLang="zh-TW" b="0" dirty="0">
+                <a:solidFill>
+                  <a:srgbClr val="A31515"/>
+                </a:solidFill>
+                <a:effectLst/>
+                <a:latin typeface="Consolas" panose="020B0609020204030204" pitchFamily="49" charset="0"/>
+              </a:rPr>
+              <a:t>"this is std::</a:t>
+            </a:r>
+            <a:r>
+              <a:rPr lang="en-US" altLang="zh-TW" b="0" dirty="0" err="1">
+                <a:solidFill>
+                  <a:srgbClr val="A31515"/>
+                </a:solidFill>
+                <a:effectLst/>
+                <a:latin typeface="Consolas" panose="020B0609020204030204" pitchFamily="49" charset="0"/>
+              </a:rPr>
+              <a:t>cout</a:t>
+            </a:r>
+            <a:r>
+              <a:rPr lang="en-US" altLang="zh-TW" b="0" dirty="0">
+                <a:solidFill>
+                  <a:srgbClr val="EE0000"/>
+                </a:solidFill>
+                <a:effectLst/>
+                <a:latin typeface="Consolas" panose="020B0609020204030204" pitchFamily="49" charset="0"/>
+              </a:rPr>
+              <a:t>\n</a:t>
+            </a:r>
+            <a:r>
+              <a:rPr lang="en-US" altLang="zh-TW" b="0" dirty="0">
+                <a:solidFill>
+                  <a:srgbClr val="A31515"/>
+                </a:solidFill>
+                <a:effectLst/>
+                <a:latin typeface="Consolas" panose="020B0609020204030204" pitchFamily="49" charset="0"/>
+              </a:rPr>
+              <a:t>"</a:t>
+            </a:r>
+            <a:r>
+              <a:rPr lang="en-US" altLang="zh-TW" b="0" dirty="0">
+                <a:solidFill>
+                  <a:srgbClr val="000000"/>
+                </a:solidFill>
+                <a:effectLst/>
+                <a:latin typeface="Consolas" panose="020B0609020204030204" pitchFamily="49" charset="0"/>
+              </a:rPr>
+              <a:t>;</a:t>
+            </a:r>
+          </a:p>
+          <a:p>
+            <a:r>
+              <a:rPr lang="en-US" altLang="zh-TW" b="0" dirty="0">
+                <a:solidFill>
+                  <a:srgbClr val="000000"/>
+                </a:solidFill>
+                <a:effectLst/>
+                <a:latin typeface="Consolas" panose="020B0609020204030204" pitchFamily="49" charset="0"/>
+              </a:rPr>
+              <a:t>    </a:t>
+            </a:r>
+            <a:r>
+              <a:rPr lang="en-US" altLang="zh-TW" b="0" dirty="0">
+                <a:solidFill>
+                  <a:srgbClr val="267F99"/>
+                </a:solidFill>
+                <a:effectLst/>
+                <a:latin typeface="Consolas" panose="020B0609020204030204" pitchFamily="49" charset="0"/>
+              </a:rPr>
+              <a:t>std</a:t>
+            </a:r>
+            <a:r>
+              <a:rPr lang="en-US" altLang="zh-TW" b="0" dirty="0">
+                <a:solidFill>
+                  <a:srgbClr val="000000"/>
+                </a:solidFill>
+                <a:effectLst/>
+                <a:latin typeface="Consolas" panose="020B0609020204030204" pitchFamily="49" charset="0"/>
+              </a:rPr>
+              <a:t>::</a:t>
+            </a:r>
+            <a:r>
+              <a:rPr lang="en-US" altLang="zh-TW" b="0" dirty="0" err="1">
+                <a:solidFill>
+                  <a:srgbClr val="001080"/>
+                </a:solidFill>
+                <a:effectLst/>
+                <a:latin typeface="Consolas" panose="020B0609020204030204" pitchFamily="49" charset="0"/>
+              </a:rPr>
+              <a:t>cerr</a:t>
+            </a:r>
+            <a:r>
+              <a:rPr lang="en-US" altLang="zh-TW" b="0" dirty="0">
+                <a:solidFill>
+                  <a:srgbClr val="000000"/>
+                </a:solidFill>
+                <a:effectLst/>
+                <a:latin typeface="Consolas" panose="020B0609020204030204" pitchFamily="49" charset="0"/>
+              </a:rPr>
+              <a:t> </a:t>
+            </a:r>
+            <a:r>
+              <a:rPr lang="en-US" altLang="zh-TW" b="0" dirty="0">
+                <a:solidFill>
+                  <a:srgbClr val="795E26"/>
+                </a:solidFill>
+                <a:effectLst/>
+                <a:latin typeface="Consolas" panose="020B0609020204030204" pitchFamily="49" charset="0"/>
+              </a:rPr>
+              <a:t>&lt;&lt;</a:t>
+            </a:r>
+            <a:r>
+              <a:rPr lang="en-US" altLang="zh-TW" b="0" dirty="0">
+                <a:solidFill>
+                  <a:srgbClr val="000000"/>
+                </a:solidFill>
+                <a:effectLst/>
+                <a:latin typeface="Consolas" panose="020B0609020204030204" pitchFamily="49" charset="0"/>
+              </a:rPr>
+              <a:t> </a:t>
+            </a:r>
+            <a:r>
+              <a:rPr lang="en-US" altLang="zh-TW" b="0" dirty="0">
+                <a:solidFill>
+                  <a:srgbClr val="A31515"/>
+                </a:solidFill>
+                <a:effectLst/>
+                <a:latin typeface="Consolas" panose="020B0609020204030204" pitchFamily="49" charset="0"/>
+              </a:rPr>
+              <a:t>"this is std::</a:t>
+            </a:r>
+            <a:r>
+              <a:rPr lang="en-US" altLang="zh-TW" b="0" dirty="0" err="1">
+                <a:solidFill>
+                  <a:srgbClr val="A31515"/>
+                </a:solidFill>
+                <a:effectLst/>
+                <a:latin typeface="Consolas" panose="020B0609020204030204" pitchFamily="49" charset="0"/>
+              </a:rPr>
+              <a:t>cerr</a:t>
+            </a:r>
+            <a:r>
+              <a:rPr lang="en-US" altLang="zh-TW" b="0" dirty="0">
+                <a:solidFill>
+                  <a:srgbClr val="EE0000"/>
+                </a:solidFill>
+                <a:effectLst/>
+                <a:latin typeface="Consolas" panose="020B0609020204030204" pitchFamily="49" charset="0"/>
+              </a:rPr>
+              <a:t>\n</a:t>
+            </a:r>
+            <a:r>
+              <a:rPr lang="en-US" altLang="zh-TW" b="0" dirty="0">
+                <a:solidFill>
+                  <a:srgbClr val="A31515"/>
+                </a:solidFill>
+                <a:effectLst/>
+                <a:latin typeface="Consolas" panose="020B0609020204030204" pitchFamily="49" charset="0"/>
+              </a:rPr>
+              <a:t>"</a:t>
+            </a:r>
+            <a:r>
+              <a:rPr lang="en-US" altLang="zh-TW" b="0" dirty="0">
+                <a:solidFill>
+                  <a:srgbClr val="000000"/>
+                </a:solidFill>
+                <a:effectLst/>
+                <a:latin typeface="Consolas" panose="020B0609020204030204" pitchFamily="49" charset="0"/>
+              </a:rPr>
+              <a:t>;</a:t>
+            </a:r>
+          </a:p>
+          <a:p>
+            <a:r>
+              <a:rPr lang="en-US" altLang="zh-TW" b="0" dirty="0">
+                <a:solidFill>
+                  <a:srgbClr val="000000"/>
+                </a:solidFill>
+                <a:effectLst/>
+                <a:latin typeface="Consolas" panose="020B0609020204030204" pitchFamily="49" charset="0"/>
+              </a:rPr>
+              <a:t>    </a:t>
+            </a:r>
+            <a:r>
+              <a:rPr lang="en-US" altLang="zh-TW" b="0" dirty="0">
+                <a:solidFill>
+                  <a:srgbClr val="267F99"/>
+                </a:solidFill>
+                <a:effectLst/>
+                <a:latin typeface="Consolas" panose="020B0609020204030204" pitchFamily="49" charset="0"/>
+              </a:rPr>
+              <a:t>std</a:t>
+            </a:r>
+            <a:r>
+              <a:rPr lang="en-US" altLang="zh-TW" b="0" dirty="0">
+                <a:solidFill>
+                  <a:srgbClr val="000000"/>
+                </a:solidFill>
+                <a:effectLst/>
+                <a:latin typeface="Consolas" panose="020B0609020204030204" pitchFamily="49" charset="0"/>
+              </a:rPr>
+              <a:t>::</a:t>
+            </a:r>
+            <a:r>
+              <a:rPr lang="en-US" altLang="zh-TW" b="0" dirty="0">
+                <a:solidFill>
+                  <a:srgbClr val="001080"/>
+                </a:solidFill>
+                <a:effectLst/>
+                <a:latin typeface="Consolas" panose="020B0609020204030204" pitchFamily="49" charset="0"/>
+              </a:rPr>
+              <a:t>clog</a:t>
+            </a:r>
+            <a:r>
+              <a:rPr lang="en-US" altLang="zh-TW" b="0" dirty="0">
+                <a:solidFill>
+                  <a:srgbClr val="000000"/>
+                </a:solidFill>
+                <a:effectLst/>
+                <a:latin typeface="Consolas" panose="020B0609020204030204" pitchFamily="49" charset="0"/>
+              </a:rPr>
+              <a:t> </a:t>
+            </a:r>
+            <a:r>
+              <a:rPr lang="en-US" altLang="zh-TW" b="0" dirty="0">
+                <a:solidFill>
+                  <a:srgbClr val="795E26"/>
+                </a:solidFill>
+                <a:effectLst/>
+                <a:latin typeface="Consolas" panose="020B0609020204030204" pitchFamily="49" charset="0"/>
+              </a:rPr>
+              <a:t>&lt;&lt;</a:t>
+            </a:r>
+            <a:r>
+              <a:rPr lang="en-US" altLang="zh-TW" b="0" dirty="0">
+                <a:solidFill>
+                  <a:srgbClr val="000000"/>
+                </a:solidFill>
+                <a:effectLst/>
+                <a:latin typeface="Consolas" panose="020B0609020204030204" pitchFamily="49" charset="0"/>
+              </a:rPr>
+              <a:t> </a:t>
+            </a:r>
+            <a:r>
+              <a:rPr lang="en-US" altLang="zh-TW" b="0" dirty="0">
+                <a:solidFill>
+                  <a:srgbClr val="A31515"/>
+                </a:solidFill>
+                <a:effectLst/>
+                <a:latin typeface="Consolas" panose="020B0609020204030204" pitchFamily="49" charset="0"/>
+              </a:rPr>
+              <a:t>"this is std::clog</a:t>
+            </a:r>
+            <a:r>
+              <a:rPr lang="en-US" altLang="zh-TW" b="0" dirty="0">
+                <a:solidFill>
+                  <a:srgbClr val="EE0000"/>
+                </a:solidFill>
+                <a:effectLst/>
+                <a:latin typeface="Consolas" panose="020B0609020204030204" pitchFamily="49" charset="0"/>
+              </a:rPr>
+              <a:t>\n</a:t>
+            </a:r>
+            <a:r>
+              <a:rPr lang="en-US" altLang="zh-TW" b="0" dirty="0">
+                <a:solidFill>
+                  <a:srgbClr val="A31515"/>
+                </a:solidFill>
+                <a:effectLst/>
+                <a:latin typeface="Consolas" panose="020B0609020204030204" pitchFamily="49" charset="0"/>
+              </a:rPr>
+              <a:t>"</a:t>
+            </a:r>
+            <a:r>
+              <a:rPr lang="en-US" altLang="zh-TW" b="0" dirty="0">
+                <a:solidFill>
+                  <a:srgbClr val="000000"/>
+                </a:solidFill>
+                <a:effectLst/>
+                <a:latin typeface="Consolas" panose="020B0609020204030204" pitchFamily="49" charset="0"/>
+              </a:rPr>
+              <a:t>;</a:t>
+            </a:r>
+          </a:p>
+          <a:p>
+            <a:r>
+              <a:rPr lang="en-US" altLang="zh-TW" b="0" dirty="0">
+                <a:solidFill>
+                  <a:srgbClr val="000000"/>
+                </a:solidFill>
+                <a:effectLst/>
+                <a:latin typeface="Consolas" panose="020B0609020204030204" pitchFamily="49" charset="0"/>
+              </a:rPr>
+              <a:t>    </a:t>
+            </a:r>
+            <a:r>
+              <a:rPr lang="en-US" altLang="zh-TW" b="0" dirty="0">
+                <a:solidFill>
+                  <a:srgbClr val="AF00DB"/>
+                </a:solidFill>
+                <a:effectLst/>
+                <a:latin typeface="Consolas" panose="020B0609020204030204" pitchFamily="49" charset="0"/>
+              </a:rPr>
+              <a:t>return</a:t>
+            </a:r>
+            <a:r>
+              <a:rPr lang="en-US" altLang="zh-TW" b="0" dirty="0">
+                <a:solidFill>
+                  <a:srgbClr val="000000"/>
+                </a:solidFill>
+                <a:effectLst/>
+                <a:latin typeface="Consolas" panose="020B0609020204030204" pitchFamily="49" charset="0"/>
+              </a:rPr>
+              <a:t> </a:t>
+            </a:r>
+            <a:r>
+              <a:rPr lang="en-US" altLang="zh-TW" b="0" dirty="0">
+                <a:solidFill>
+                  <a:srgbClr val="098658"/>
+                </a:solidFill>
+                <a:effectLst/>
+                <a:latin typeface="Consolas" panose="020B0609020204030204" pitchFamily="49" charset="0"/>
+              </a:rPr>
+              <a:t>0</a:t>
+            </a:r>
+            <a:r>
+              <a:rPr lang="en-US" altLang="zh-TW" b="0" dirty="0">
+                <a:solidFill>
+                  <a:srgbClr val="000000"/>
+                </a:solidFill>
+                <a:effectLst/>
+                <a:latin typeface="Consolas" panose="020B0609020204030204" pitchFamily="49" charset="0"/>
+              </a:rPr>
+              <a:t>;</a:t>
+            </a:r>
+          </a:p>
+          <a:p>
+            <a:r>
+              <a:rPr lang="en-US" altLang="zh-TW" b="0" dirty="0">
+                <a:solidFill>
+                  <a:srgbClr val="000000"/>
+                </a:solidFill>
+                <a:effectLst/>
+                <a:latin typeface="Consolas" panose="020B0609020204030204" pitchFamily="49" charset="0"/>
+              </a:rPr>
+              <a:t>}</a:t>
+            </a:r>
+          </a:p>
+        </p:txBody>
+      </p:sp>
+      <p:sp>
+        <p:nvSpPr>
+          <p:cNvPr id="7" name="文字方塊 6">
+            <a:extLst>
+              <a:ext uri="{FF2B5EF4-FFF2-40B4-BE49-F238E27FC236}">
+                <a16:creationId xmlns:a16="http://schemas.microsoft.com/office/drawing/2014/main" id="{01847EAA-42D8-4857-A53D-D894B1D1DCB6}"/>
+              </a:ext>
+            </a:extLst>
+          </p:cNvPr>
+          <p:cNvSpPr txBox="1"/>
+          <p:nvPr/>
+        </p:nvSpPr>
+        <p:spPr>
+          <a:xfrm>
+            <a:off x="6716785" y="1859339"/>
+            <a:ext cx="4637015" cy="3693319"/>
+          </a:xfrm>
+          <a:prstGeom prst="rect">
+            <a:avLst/>
+          </a:prstGeom>
+          <a:noFill/>
+        </p:spPr>
+        <p:txBody>
+          <a:bodyPr wrap="square">
+            <a:spAutoFit/>
+          </a:bodyPr>
+          <a:lstStyle/>
+          <a:p>
+            <a:r>
+              <a:rPr lang="en-US" altLang="zh-TW" dirty="0"/>
+              <a:t>&gt;&gt; g++ test.cpp &amp;&amp; ./</a:t>
+            </a:r>
+            <a:r>
+              <a:rPr lang="en-US" altLang="zh-TW" dirty="0" err="1"/>
+              <a:t>a.out</a:t>
+            </a:r>
+            <a:r>
+              <a:rPr lang="en-US" altLang="zh-TW" dirty="0"/>
+              <a:t> </a:t>
+            </a:r>
+          </a:p>
+          <a:p>
+            <a:r>
+              <a:rPr lang="en-US" altLang="zh-TW" dirty="0"/>
+              <a:t>this is std::</a:t>
+            </a:r>
+            <a:r>
+              <a:rPr lang="en-US" altLang="zh-TW" dirty="0" err="1"/>
+              <a:t>cout</a:t>
+            </a:r>
+            <a:endParaRPr lang="en-US" altLang="zh-TW" dirty="0"/>
+          </a:p>
+          <a:p>
+            <a:r>
+              <a:rPr lang="en-US" altLang="zh-TW" dirty="0"/>
+              <a:t>this is std::</a:t>
+            </a:r>
+            <a:r>
+              <a:rPr lang="en-US" altLang="zh-TW" dirty="0" err="1"/>
+              <a:t>cerr</a:t>
+            </a:r>
+            <a:endParaRPr lang="en-US" altLang="zh-TW" dirty="0"/>
+          </a:p>
+          <a:p>
+            <a:r>
+              <a:rPr lang="en-US" altLang="zh-TW" dirty="0"/>
+              <a:t>this is std::clog</a:t>
+            </a:r>
+          </a:p>
+          <a:p>
+            <a:endParaRPr lang="en-US" altLang="zh-TW" dirty="0"/>
+          </a:p>
+          <a:p>
+            <a:r>
+              <a:rPr lang="en-US" altLang="zh-TW" dirty="0"/>
+              <a:t>&gt;&gt; </a:t>
+            </a:r>
+            <a:r>
+              <a:rPr lang="zh-TW" altLang="en-US" dirty="0"/>
+              <a:t>g++ test.cpp &amp;&amp; ./a.out &gt; cout.txt 2&gt; cerr.txt</a:t>
+            </a:r>
+            <a:endParaRPr lang="en-US" altLang="zh-TW" dirty="0"/>
+          </a:p>
+          <a:p>
+            <a:endParaRPr lang="en-US" altLang="zh-TW" dirty="0"/>
+          </a:p>
+          <a:p>
+            <a:r>
+              <a:rPr lang="en-US" altLang="zh-TW" dirty="0"/>
+              <a:t>&gt;&gt; cat cout.txt </a:t>
+            </a:r>
+          </a:p>
+          <a:p>
+            <a:r>
+              <a:rPr lang="en-US" altLang="zh-TW" dirty="0"/>
+              <a:t>this is std::</a:t>
+            </a:r>
+            <a:r>
+              <a:rPr lang="en-US" altLang="zh-TW" dirty="0" err="1"/>
+              <a:t>cout</a:t>
+            </a:r>
+            <a:endParaRPr lang="en-US" altLang="zh-TW" dirty="0"/>
+          </a:p>
+          <a:p>
+            <a:endParaRPr lang="en-US" altLang="zh-TW" dirty="0"/>
+          </a:p>
+          <a:p>
+            <a:r>
+              <a:rPr lang="en-US" altLang="zh-TW" dirty="0"/>
+              <a:t>&gt;&gt; cat cerr.txt </a:t>
+            </a:r>
+          </a:p>
+          <a:p>
+            <a:r>
+              <a:rPr lang="en-US" altLang="zh-TW" dirty="0"/>
+              <a:t>this is std::</a:t>
+            </a:r>
+            <a:r>
+              <a:rPr lang="en-US" altLang="zh-TW" dirty="0" err="1"/>
+              <a:t>cerr</a:t>
+            </a:r>
+            <a:endParaRPr lang="en-US" altLang="zh-TW" dirty="0"/>
+          </a:p>
+          <a:p>
+            <a:r>
+              <a:rPr lang="en-US" altLang="zh-TW" dirty="0"/>
+              <a:t>this is std::clog </a:t>
+            </a:r>
+            <a:endParaRPr lang="zh-TW" altLang="en-US" dirty="0"/>
+          </a:p>
+        </p:txBody>
+      </p:sp>
+    </p:spTree>
+    <p:extLst>
+      <p:ext uri="{BB962C8B-B14F-4D97-AF65-F5344CB8AC3E}">
+        <p14:creationId xmlns:p14="http://schemas.microsoft.com/office/powerpoint/2010/main" val="1810601568"/>
+      </p:ext>
+    </p:extLst>
+  </p:cSld>
+  <p:clrMapOvr>
+    <a:masterClrMapping/>
+  </p:clrMapOvr>
+</p:sld>
+</file>
+
+<file path=ppt/slides/slide5.xml><?xml version="1.0" encoding="utf-8"?>
+<p:sld xmlns:a="http://schemas.openxmlformats.org/drawingml/2006/main" xmlns:r="http://schemas.openxmlformats.org/officeDocument/2006/relationships" xmlns:p="http://schemas.openxmlformats.org/presentationml/2006/main">
+  <p:cSld>
+    <p:spTree>
+      <p:nvGrpSpPr>
+        <p:cNvPr id="1" name=""/>
+        <p:cNvGrpSpPr/>
+        <p:nvPr/>
+      </p:nvGrpSpPr>
+      <p:grpSpPr>
+        <a:xfrm>
+          <a:off x="0" y="0"/>
+          <a:ext cx="0" cy="0"/>
+          <a:chOff x="0" y="0"/>
+          <a:chExt cx="0" cy="0"/>
+        </a:xfrm>
+      </p:grpSpPr>
+      <p:sp>
+        <p:nvSpPr>
+          <p:cNvPr id="2" name="標題 1">
+            <a:extLst>
+              <a:ext uri="{FF2B5EF4-FFF2-40B4-BE49-F238E27FC236}">
+                <a16:creationId xmlns:a16="http://schemas.microsoft.com/office/drawing/2014/main" id="{7BDB7620-1AC5-43FE-AB9D-CEF52C7F14EB}"/>
+              </a:ext>
+            </a:extLst>
+          </p:cNvPr>
+          <p:cNvSpPr>
+            <a:spLocks noGrp="1"/>
+          </p:cNvSpPr>
+          <p:nvPr>
+            <p:ph type="title"/>
+          </p:nvPr>
+        </p:nvSpPr>
+        <p:spPr/>
+        <p:txBody>
+          <a:bodyPr/>
+          <a:lstStyle/>
+          <a:p>
+            <a:r>
+              <a:rPr lang="en-US" altLang="zh-TW" dirty="0"/>
               <a:t>Console Output</a:t>
             </a:r>
             <a:endParaRPr lang="zh-TW" altLang="en-US" dirty="0"/>
@@ -5245,45 +6795,170 @@
               <a:buNone/>
             </a:pPr>
             <a:r>
-              <a:rPr lang="en-US" altLang="zh-TW" dirty="0">
-                <a:highlight>
-                  <a:srgbClr val="C0C0C0"/>
-                </a:highlight>
+              <a:rPr lang="en-US" altLang="zh-TW" b="0" dirty="0">
+                <a:solidFill>
+                  <a:srgbClr val="267F99"/>
+                </a:solidFill>
+                <a:effectLst/>
+                <a:latin typeface="Consolas" panose="020B0609020204030204" pitchFamily="49" charset="0"/>
               </a:rPr>
-              <a:t>std::</a:t>
-            </a:r>
-            <a:r>
-              <a:rPr lang="en-US" altLang="zh-TW" dirty="0" err="1">
-                <a:highlight>
-                  <a:srgbClr val="C0C0C0"/>
-                </a:highlight>
+              <a:t>std</a:t>
+            </a:r>
+            <a:r>
+              <a:rPr lang="en-US" altLang="zh-TW" b="0" dirty="0">
+                <a:solidFill>
+                  <a:srgbClr val="000000"/>
+                </a:solidFill>
+                <a:effectLst/>
+                <a:latin typeface="Consolas" panose="020B0609020204030204" pitchFamily="49" charset="0"/>
+              </a:rPr>
+              <a:t>::</a:t>
+            </a:r>
+            <a:r>
+              <a:rPr lang="en-US" altLang="zh-TW" b="0" dirty="0" err="1">
+                <a:solidFill>
+                  <a:srgbClr val="001080"/>
+                </a:solidFill>
+                <a:effectLst/>
+                <a:latin typeface="Consolas" panose="020B0609020204030204" pitchFamily="49" charset="0"/>
               </a:rPr>
               <a:t>cout</a:t>
             </a:r>
             <a:r>
-              <a:rPr lang="en-US" altLang="zh-TW" dirty="0">
-                <a:highlight>
-                  <a:srgbClr val="C0C0C0"/>
-                </a:highlight>
+              <a:rPr lang="en-US" altLang="zh-TW" b="0" dirty="0">
+                <a:solidFill>
+                  <a:srgbClr val="000000"/>
+                </a:solidFill>
+                <a:effectLst/>
+                <a:latin typeface="Consolas" panose="020B0609020204030204" pitchFamily="49" charset="0"/>
               </a:rPr>
-              <a:t> &lt;&lt; “hello” &lt;&lt; “ “ &lt;&lt; world” &lt;&lt; std::</a:t>
-            </a:r>
-            <a:r>
-              <a:rPr lang="en-US" altLang="zh-TW" dirty="0" err="1">
-                <a:highlight>
-                  <a:srgbClr val="C0C0C0"/>
-                </a:highlight>
+              <a:t> </a:t>
+            </a:r>
+            <a:r>
+              <a:rPr lang="en-US" altLang="zh-TW" b="0" dirty="0">
+                <a:solidFill>
+                  <a:srgbClr val="795E26"/>
+                </a:solidFill>
+                <a:effectLst/>
+                <a:latin typeface="Consolas" panose="020B0609020204030204" pitchFamily="49" charset="0"/>
+              </a:rPr>
+              <a:t>&lt;&lt;</a:t>
+            </a:r>
+            <a:r>
+              <a:rPr lang="en-US" altLang="zh-TW" b="0" dirty="0">
+                <a:solidFill>
+                  <a:srgbClr val="000000"/>
+                </a:solidFill>
+                <a:effectLst/>
+                <a:latin typeface="Consolas" panose="020B0609020204030204" pitchFamily="49" charset="0"/>
+              </a:rPr>
+              <a:t> </a:t>
+            </a:r>
+            <a:r>
+              <a:rPr lang="en-US" altLang="zh-TW" b="0" dirty="0">
+                <a:solidFill>
+                  <a:srgbClr val="A31515"/>
+                </a:solidFill>
+                <a:effectLst/>
+                <a:latin typeface="Consolas" panose="020B0609020204030204" pitchFamily="49" charset="0"/>
+              </a:rPr>
+              <a:t>"hello"</a:t>
+            </a:r>
+            <a:r>
+              <a:rPr lang="en-US" altLang="zh-TW" b="0" dirty="0">
+                <a:solidFill>
+                  <a:srgbClr val="000000"/>
+                </a:solidFill>
+                <a:effectLst/>
+                <a:latin typeface="Consolas" panose="020B0609020204030204" pitchFamily="49" charset="0"/>
+              </a:rPr>
+              <a:t> &lt;&lt; </a:t>
+            </a:r>
+            <a:r>
+              <a:rPr lang="en-US" altLang="zh-TW" b="0" dirty="0">
+                <a:solidFill>
+                  <a:srgbClr val="A31515"/>
+                </a:solidFill>
+                <a:effectLst/>
+                <a:latin typeface="Consolas" panose="020B0609020204030204" pitchFamily="49" charset="0"/>
+              </a:rPr>
+              <a:t>" "</a:t>
+            </a:r>
+            <a:r>
+              <a:rPr lang="en-US" altLang="zh-TW" b="0" dirty="0">
+                <a:solidFill>
+                  <a:srgbClr val="000000"/>
+                </a:solidFill>
+                <a:effectLst/>
+                <a:latin typeface="Consolas" panose="020B0609020204030204" pitchFamily="49" charset="0"/>
+              </a:rPr>
+              <a:t> &lt;&lt; </a:t>
+            </a:r>
+            <a:r>
+              <a:rPr lang="en-US" altLang="zh-TW" b="0" dirty="0">
+                <a:solidFill>
+                  <a:srgbClr val="A31515"/>
+                </a:solidFill>
+                <a:effectLst/>
+                <a:latin typeface="Consolas" panose="020B0609020204030204" pitchFamily="49" charset="0"/>
+              </a:rPr>
+              <a:t>"world"</a:t>
+            </a:r>
+            <a:r>
+              <a:rPr lang="en-US" altLang="zh-TW" b="0" dirty="0">
+                <a:solidFill>
+                  <a:srgbClr val="000000"/>
+                </a:solidFill>
+                <a:effectLst/>
+                <a:latin typeface="Consolas" panose="020B0609020204030204" pitchFamily="49" charset="0"/>
+              </a:rPr>
+              <a:t> &lt;&lt; </a:t>
+            </a:r>
+            <a:r>
+              <a:rPr lang="en-US" altLang="zh-TW" b="0" dirty="0">
+                <a:solidFill>
+                  <a:srgbClr val="267F99"/>
+                </a:solidFill>
+                <a:effectLst/>
+                <a:latin typeface="Consolas" panose="020B0609020204030204" pitchFamily="49" charset="0"/>
+              </a:rPr>
+              <a:t>std</a:t>
+            </a:r>
+            <a:r>
+              <a:rPr lang="en-US" altLang="zh-TW" b="0" dirty="0">
+                <a:solidFill>
+                  <a:srgbClr val="000000"/>
+                </a:solidFill>
+                <a:effectLst/>
+                <a:latin typeface="Consolas" panose="020B0609020204030204" pitchFamily="49" charset="0"/>
+              </a:rPr>
+              <a:t>::</a:t>
+            </a:r>
+            <a:r>
+              <a:rPr lang="en-US" altLang="zh-TW" b="0" dirty="0" err="1">
+                <a:solidFill>
+                  <a:srgbClr val="000000"/>
+                </a:solidFill>
+                <a:effectLst/>
+                <a:latin typeface="Consolas" panose="020B0609020204030204" pitchFamily="49" charset="0"/>
               </a:rPr>
               <a:t>endl</a:t>
             </a:r>
             <a:r>
-              <a:rPr lang="en-US" altLang="zh-TW" dirty="0">
-                <a:highlight>
-                  <a:srgbClr val="C0C0C0"/>
-                </a:highlight>
+              <a:rPr lang="en-US" altLang="zh-TW" b="0" dirty="0">
+                <a:solidFill>
+                  <a:srgbClr val="000000"/>
+                </a:solidFill>
+                <a:effectLst/>
+                <a:latin typeface="Consolas" panose="020B0609020204030204" pitchFamily="49" charset="0"/>
               </a:rPr>
               <a:t>;</a:t>
             </a:r>
+            <a:endParaRPr lang="en-US" altLang="zh-TW" dirty="0">
+              <a:highlight>
+                <a:srgbClr val="C0C0C0"/>
+              </a:highlight>
+            </a:endParaRPr>
           </a:p>
           <a:p>
             <a:r>
@@ -5315,7 +6990,7 @@
 </p:sld>
 </file>
 
-<file path=ppt/slides/slide5.xml><?xml version="1.0" encoding="utf-8"?>
+<file path=ppt/slides/slide6.xml><?xml version="1.0" encoding="utf-8"?>
 <p:sld xmlns:a="http://schemas.openxmlformats.org/drawingml/2006/main" xmlns:r="http://schemas.openxmlformats.org/officeDocument/2006/relationships" xmlns:p="http://schemas.openxmlformats.org/presentationml/2006/main">
   <p:cSld>
     <p:spTree>
@@ -6239,7 +7914,7 @@
 </p:sld>
 </file>
 
-<file path=ppt/slides/slide6.xml><?xml version="1.0" encoding="utf-8"?>
+<file path=ppt/slides/slide7.xml><?xml version="1.0" encoding="utf-8"?>
 <p:sld xmlns:a="http://schemas.openxmlformats.org/drawingml/2006/main" xmlns:r="http://schemas.openxmlformats.org/officeDocument/2006/relationships" xmlns:p="http://schemas.openxmlformats.org/presentationml/2006/main">
   <p:cSld>
     <p:spTree>
@@ -7881,149 +9556,6 @@
 </p:sld>
 </file>
 
-<file path=ppt/slides/slide7.xml><?xml version="1.0" encoding="utf-8"?>
-<p:sld xmlns:a="http://schemas.openxmlformats.org/drawingml/2006/main" xmlns:r="http://schemas.openxmlformats.org/officeDocument/2006/relationships" xmlns:p="http://schemas.openxmlformats.org/presentationml/2006/main">
-  <p:cSld>
-    <p:spTree>
-      <p:nvGrpSpPr>
-        <p:cNvPr id="1" name=""/>
-        <p:cNvGrpSpPr/>
-        <p:nvPr/>
-      </p:nvGrpSpPr>
-      <p:grpSpPr>
-        <a:xfrm>
-          <a:off x="0" y="0"/>
-          <a:ext cx="0" cy="0"/>
-          <a:chOff x="0" y="0"/>
-          <a:chExt cx="0" cy="0"/>
-        </a:xfrm>
-      </p:grpSpPr>
-      <p:sp>
-        <p:nvSpPr>
-          <p:cNvPr id="2" name="標題 1">
-            <a:extLst>
-              <a:ext uri="{FF2B5EF4-FFF2-40B4-BE49-F238E27FC236}">
-                <a16:creationId xmlns:a16="http://schemas.microsoft.com/office/drawing/2014/main" id="{20AF70CD-07C4-4021-BEC6-D18AF9399B4C}"/>
-              </a:ext>
-            </a:extLst>
-          </p:cNvPr>
-          <p:cNvSpPr>
-            <a:spLocks noGrp="1"/>
-          </p:cNvSpPr>
-          <p:nvPr>
-            <p:ph type="title"/>
-          </p:nvPr>
-        </p:nvSpPr>
-        <p:spPr/>
-        <p:txBody>
-          <a:bodyPr/>
-          <a:lstStyle/>
-          <a:p>
-            <a:r>
-              <a:rPr lang="en-US" altLang="zh-TW" dirty="0"/>
-              <a:t>Formatting Output</a:t>
-            </a:r>
-            <a:endParaRPr lang="zh-TW" altLang="en-US" dirty="0"/>
-          </a:p>
-        </p:txBody>
-      </p:sp>
-      <p:sp>
-        <p:nvSpPr>
-          <p:cNvPr id="3" name="內容版面配置區 2">
-            <a:extLst>
-              <a:ext uri="{FF2B5EF4-FFF2-40B4-BE49-F238E27FC236}">
-                <a16:creationId xmlns:a16="http://schemas.microsoft.com/office/drawing/2014/main" id="{C8D9B03D-05A6-4A54-804C-4073E05FE3FC}"/>
-              </a:ext>
-            </a:extLst>
-          </p:cNvPr>
-          <p:cNvSpPr>
-            <a:spLocks noGrp="1"/>
-          </p:cNvSpPr>
-          <p:nvPr>
-            <p:ph idx="1"/>
-          </p:nvPr>
-        </p:nvSpPr>
-        <p:spPr/>
-        <p:txBody>
-          <a:bodyPr/>
-          <a:lstStyle/>
-          <a:p>
-            <a:r>
-              <a:rPr lang="en-US" altLang="zh-TW" dirty="0"/>
-              <a:t>Q: std::</a:t>
-            </a:r>
-            <a:r>
-              <a:rPr lang="en-US" altLang="zh-TW" dirty="0" err="1"/>
-              <a:t>cout</a:t>
-            </a:r>
-            <a:r>
-              <a:rPr lang="en-US" altLang="zh-TW" dirty="0"/>
-              <a:t> &lt;&lt; 1.0 / 2.0 &lt;&lt; std::</a:t>
-            </a:r>
-            <a:r>
-              <a:rPr lang="en-US" altLang="zh-TW" dirty="0" err="1"/>
-              <a:t>endl</a:t>
-            </a:r>
-            <a:r>
-              <a:rPr lang="en-US" altLang="zh-TW" dirty="0"/>
-              <a:t>;</a:t>
-            </a:r>
-          </a:p>
-          <a:p>
-            <a:r>
-              <a:rPr lang="zh-TW" altLang="en-US" dirty="0"/>
-              <a:t>❓</a:t>
-            </a:r>
-            <a:r>
-              <a:rPr lang="en-US" altLang="zh-TW" dirty="0"/>
-              <a:t> 0.5</a:t>
-            </a:r>
-          </a:p>
-          <a:p>
-            <a:r>
-              <a:rPr lang="zh-TW" altLang="en-US" dirty="0"/>
-              <a:t>❓</a:t>
-            </a:r>
-            <a:r>
-              <a:rPr lang="en-US" altLang="zh-TW" dirty="0"/>
-              <a:t> 0.50</a:t>
-            </a:r>
-          </a:p>
-          <a:p>
-            <a:r>
-              <a:rPr lang="zh-TW" altLang="en-US" dirty="0"/>
-              <a:t>❓ </a:t>
-            </a:r>
-            <a:r>
-              <a:rPr lang="en-US" altLang="zh-TW" dirty="0"/>
-              <a:t>other?</a:t>
-            </a:r>
-          </a:p>
-          <a:p>
-            <a:endParaRPr lang="en-US" altLang="zh-TW" dirty="0"/>
-          </a:p>
-          <a:p>
-            <a:r>
-              <a:rPr lang="en-US" altLang="zh-TW" dirty="0"/>
-              <a:t>Can we explicitly format the output?</a:t>
-            </a:r>
-            <a:endParaRPr lang="zh-TW" altLang="en-US" dirty="0"/>
-          </a:p>
-        </p:txBody>
-      </p:sp>
-    </p:spTree>
-    <p:extLst>
-      <p:ext uri="{BB962C8B-B14F-4D97-AF65-F5344CB8AC3E}">
-        <p14:creationId xmlns:p14="http://schemas.microsoft.com/office/powerpoint/2010/main" val="838327606"/>
-      </p:ext>
-    </p:extLst>
-  </p:cSld>
-  <p:clrMapOvr>
-    <a:masterClrMapping/>
-  </p:clrMapOvr>
-</p:sld>
-</file>
-
 <file path=ppt/slides/slide8.xml><?xml version="1.0" encoding="utf-8"?>
 <p:sld xmlns:a="http://schemas.openxmlformats.org/drawingml/2006/main" xmlns:r="http://schemas.openxmlformats.org/officeDocument/2006/relationships" xmlns:p="http://schemas.openxmlformats.org/presentationml/2006/main">
   <p:cSld>
@@ -8046,7 +9578,7 @@
           <p:cNvPr id="2" name="標題 1">
             <a:extLst>
               <a:ext uri="{FF2B5EF4-FFF2-40B4-BE49-F238E27FC236}">
-                <a16:creationId xmlns:a16="http://schemas.microsoft.com/office/drawing/2014/main" id="{A4B815FF-2511-456C-995E-1D9AEF6CE4DD}"/>
+                <a16:creationId xmlns:a16="http://schemas.microsoft.com/office/drawing/2014/main" id="{20AF70CD-07C4-4021-BEC6-D18AF9399B4C}"/>
               </a:ext>
             </a:extLst>
           </p:cNvPr>
@@ -8075,7 +9607,7 @@
           <p:cNvPr id="3" name="內容版面配置區 2">
             <a:extLst>
               <a:ext uri="{FF2B5EF4-FFF2-40B4-BE49-F238E27FC236}">
-                <a16:creationId xmlns:a16="http://schemas.microsoft.com/office/drawing/2014/main" id="{B726A873-B24F-41C8-8DD6-63019B0DC845}"/>
+                <a16:creationId xmlns:a16="http://schemas.microsoft.com/office/drawing/2014/main" id="{C8D9B03D-05A6-4A54-804C-4073E05FE3FC}"/>
               </a:ext>
             </a:extLst>
           </p:cNvPr>
@@ -8093,110 +9625,216 @@
           <a:p>
             <a:r>
               <a:rPr lang="en-US" altLang="zh-TW" dirty="0"/>
-              <a:t>Require another library </a:t>
-            </a:r>
-            <a:r>
-              <a:rPr lang="en-US" altLang="zh-TW" dirty="0">
-                <a:highlight>
-                  <a:srgbClr val="C0C0C0"/>
-                </a:highlight>
+              <a:t>Q: </a:t>
+            </a:r>
+            <a:r>
+              <a:rPr lang="en-US" altLang="zh-TW" b="0" dirty="0">
+                <a:solidFill>
+                  <a:srgbClr val="267F99"/>
+                </a:solidFill>
+                <a:effectLst/>
+                <a:latin typeface="Consolas" panose="020B0609020204030204" pitchFamily="49" charset="0"/>
               </a:rPr>
-              <a:t>&lt;</a:t>
-            </a:r>
-            <a:r>
-              <a:rPr lang="en-US" altLang="zh-TW" dirty="0" err="1">
-                <a:highlight>
-                  <a:srgbClr val="C0C0C0"/>
-                </a:highlight>
+              <a:t>std</a:t>
+            </a:r>
+            <a:r>
+              <a:rPr lang="en-US" altLang="zh-TW" b="0" dirty="0">
+                <a:solidFill>
+                  <a:srgbClr val="000000"/>
+                </a:solidFill>
+                <a:effectLst/>
+                <a:latin typeface="Consolas" panose="020B0609020204030204" pitchFamily="49" charset="0"/>
               </a:rPr>
-              <a:t>iomanip</a:t>
-            </a:r>
-            <a:r>
-              <a:rPr lang="en-US" altLang="zh-TW" dirty="0">
-                <a:highlight>
-                  <a:srgbClr val="C0C0C0"/>
-                </a:highlight>
+              <a:t>::</a:t>
+            </a:r>
+            <a:r>
+              <a:rPr lang="en-US" altLang="zh-TW" b="0" dirty="0" err="1">
+                <a:solidFill>
+                  <a:srgbClr val="001080"/>
+                </a:solidFill>
+                <a:effectLst/>
+                <a:latin typeface="Consolas" panose="020B0609020204030204" pitchFamily="49" charset="0"/>
               </a:rPr>
-              <a:t>&gt;</a:t>
-            </a:r>
-          </a:p>
-          <a:p>
-            <a:r>
-              <a:rPr lang="en-US" altLang="zh-TW" dirty="0">
-                <a:highlight>
-                  <a:srgbClr val="C0C0C0"/>
-                </a:highlight>
+              <a:t>cout</a:t>
+            </a:r>
+            <a:r>
+              <a:rPr lang="en-US" altLang="zh-TW" b="0" dirty="0">
+                <a:solidFill>
+                  <a:srgbClr val="000000"/>
+                </a:solidFill>
+                <a:effectLst/>
+                <a:latin typeface="Consolas" panose="020B0609020204030204" pitchFamily="49" charset="0"/>
               </a:rPr>
-              <a:t>&lt;</a:t>
-            </a:r>
-            <a:r>
-              <a:rPr lang="en-US" altLang="zh-TW" dirty="0" err="1">
-                <a:highlight>
-                  <a:srgbClr val="C0C0C0"/>
-                </a:highlight>
+              <a:t> </a:t>
+            </a:r>
+            <a:r>
+              <a:rPr lang="en-US" altLang="zh-TW" b="0" dirty="0">
+                <a:solidFill>
+                  <a:srgbClr val="795E26"/>
+                </a:solidFill>
+                <a:effectLst/>
+                <a:latin typeface="Consolas" panose="020B0609020204030204" pitchFamily="49" charset="0"/>
               </a:rPr>
-              <a:t>iomanip</a:t>
-            </a:r>
-            <a:r>
-              <a:rPr lang="en-US" altLang="zh-TW" dirty="0">
-                <a:highlight>
-                  <a:srgbClr val="C0C0C0"/>
-                </a:highlight>
+              <a:t>&lt;&lt;</a:t>
+            </a:r>
+            <a:r>
+              <a:rPr lang="en-US" altLang="zh-TW" b="0" dirty="0">
+                <a:solidFill>
+                  <a:srgbClr val="000000"/>
+                </a:solidFill>
+                <a:effectLst/>
+                <a:latin typeface="Consolas" panose="020B0609020204030204" pitchFamily="49" charset="0"/>
               </a:rPr>
-              <a:t>&gt;</a:t>
-            </a:r>
+              <a:t> </a:t>
+            </a:r>
+            <a:r>
+              <a:rPr lang="en-US" altLang="zh-TW" b="0" dirty="0">
+                <a:solidFill>
+                  <a:srgbClr val="098658"/>
+                </a:solidFill>
+                <a:effectLst/>
+                <a:latin typeface="Consolas" panose="020B0609020204030204" pitchFamily="49" charset="0"/>
+              </a:rPr>
+              <a:t>1.0</a:t>
+            </a:r>
+            <a:r>
+              <a:rPr lang="en-US" altLang="zh-TW" b="0" dirty="0">
+                <a:solidFill>
+                  <a:srgbClr val="000000"/>
+                </a:solidFill>
+                <a:effectLst/>
+                <a:latin typeface="Consolas" panose="020B0609020204030204" pitchFamily="49" charset="0"/>
+              </a:rPr>
+              <a:t> / </a:t>
+            </a:r>
+            <a:r>
+              <a:rPr lang="en-US" altLang="zh-TW" b="0" dirty="0">
+                <a:solidFill>
+                  <a:srgbClr val="098658"/>
+                </a:solidFill>
+                <a:effectLst/>
+                <a:latin typeface="Consolas" panose="020B0609020204030204" pitchFamily="49" charset="0"/>
+              </a:rPr>
+              <a:t>2.0</a:t>
+            </a:r>
+            <a:r>
+              <a:rPr lang="en-US" altLang="zh-TW" b="0" dirty="0">
+                <a:solidFill>
+                  <a:srgbClr val="000000"/>
+                </a:solidFill>
+                <a:effectLst/>
+                <a:latin typeface="Consolas" panose="020B0609020204030204" pitchFamily="49" charset="0"/>
+              </a:rPr>
+              <a:t> </a:t>
+            </a:r>
+            <a:r>
+              <a:rPr lang="en-US" altLang="zh-TW" b="0" dirty="0">
+                <a:solidFill>
+                  <a:srgbClr val="795E26"/>
+                </a:solidFill>
+                <a:effectLst/>
+                <a:latin typeface="Consolas" panose="020B0609020204030204" pitchFamily="49" charset="0"/>
+              </a:rPr>
+              <a:t>&lt;&lt;</a:t>
+            </a:r>
+            <a:r>
+              <a:rPr lang="en-US" altLang="zh-TW" b="0" dirty="0">
+                <a:solidFill>
+                  <a:srgbClr val="000000"/>
+                </a:solidFill>
+                <a:effectLst/>
+                <a:latin typeface="Consolas" panose="020B0609020204030204" pitchFamily="49" charset="0"/>
+              </a:rPr>
+              <a:t> </a:t>
+            </a:r>
+            <a:r>
+              <a:rPr lang="en-US" altLang="zh-TW" b="0" dirty="0">
+                <a:solidFill>
+                  <a:srgbClr val="267F99"/>
+                </a:solidFill>
+                <a:effectLst/>
+                <a:latin typeface="Consolas" panose="020B0609020204030204" pitchFamily="49" charset="0"/>
+              </a:rPr>
+              <a:t>std</a:t>
+            </a:r>
+            <a:r>
+              <a:rPr lang="en-US" altLang="zh-TW" b="0" dirty="0">
+                <a:solidFill>
+                  <a:srgbClr val="000000"/>
+                </a:solidFill>
+                <a:effectLst/>
+                <a:latin typeface="Consolas" panose="020B0609020204030204" pitchFamily="49" charset="0"/>
+              </a:rPr>
+              <a:t>::</a:t>
+            </a:r>
+            <a:r>
+              <a:rPr lang="en-US" altLang="zh-TW" b="0" dirty="0" err="1">
+                <a:solidFill>
+                  <a:srgbClr val="795E26"/>
+                </a:solidFill>
+                <a:effectLst/>
+                <a:latin typeface="Consolas" panose="020B0609020204030204" pitchFamily="49" charset="0"/>
+              </a:rPr>
+              <a:t>endl</a:t>
+            </a:r>
+            <a:r>
+              <a:rPr lang="en-US" altLang="zh-TW" b="0" dirty="0">
+                <a:solidFill>
+                  <a:srgbClr val="000000"/>
+                </a:solidFill>
+                <a:effectLst/>
+                <a:latin typeface="Consolas" panose="020B0609020204030204" pitchFamily="49" charset="0"/>
+              </a:rPr>
+              <a:t>;</a:t>
+            </a:r>
+            <a:endParaRPr lang="en-US" altLang="zh-TW" dirty="0"/>
+          </a:p>
+          <a:p>
             <a:r>
               <a:rPr lang="zh-TW" altLang="en-US" dirty="0"/>
-              <a:t> </a:t>
+              <a:t>❓</a:t>
             </a:r>
             <a:r>
               <a:rPr lang="en-US" altLang="zh-TW" dirty="0"/>
-              <a:t>includes </a:t>
-            </a:r>
-          </a:p>
-          <a:p>
-            <a:pPr lvl="1"/>
-            <a:r>
-              <a:rPr lang="en-US" altLang="zh-TW" dirty="0" err="1"/>
-              <a:t>setw</a:t>
-            </a:r>
+              <a:t> 0.5</a:t>
+            </a:r>
+          </a:p>
+          <a:p>
+            <a:r>
+              <a:rPr lang="zh-TW" altLang="en-US" dirty="0"/>
+              <a:t>❓</a:t>
+            </a:r>
+            <a:r>
+              <a:rPr lang="en-US" altLang="zh-TW" dirty="0"/>
+              <a:t> 0.50</a:t>
+            </a:r>
+          </a:p>
+          <a:p>
+            <a:r>
+              <a:rPr lang="zh-TW" altLang="en-US" dirty="0"/>
+              <a:t>❓ </a:t>
+            </a:r>
+            <a:r>
+              <a:rPr lang="en-US" altLang="zh-TW" dirty="0"/>
+              <a:t>other?</a:t>
+            </a:r>
+          </a:p>
+          <a:p>
             <a:endParaRPr lang="en-US" altLang="zh-TW" dirty="0"/>
           </a:p>
           <a:p>
-            <a:pPr lvl="1"/>
             <a:r>
               <a:rPr lang="en-US" altLang="zh-TW" dirty="0"/>
-              <a:t>left/ right align</a:t>
-            </a:r>
-          </a:p>
-          <a:p>
-            <a:pPr lvl="1"/>
-            <a:r>
-              <a:rPr lang="en-US" altLang="zh-TW" dirty="0"/>
-              <a:t>fill</a:t>
-            </a:r>
-          </a:p>
-          <a:p>
-            <a:pPr lvl="1"/>
-            <a:r>
-              <a:rPr lang="en-US" altLang="zh-TW" dirty="0" err="1"/>
-              <a:t>setprecision</a:t>
-            </a:r>
-            <a:endParaRPr lang="en-US" altLang="zh-TW" dirty="0"/>
-          </a:p>
-          <a:p>
-            <a:pPr lvl="1"/>
-            <a:r>
-              <a:rPr lang="en-US" altLang="zh-TW" dirty="0"/>
-              <a:t>fixed/ scientific</a:t>
-            </a:r>
+              <a:t>Can we explicitly format the output?</a:t>
+            </a:r>
+            <a:endParaRPr lang="zh-TW" altLang="en-US" dirty="0"/>
           </a:p>
         </p:txBody>
       </p:sp>
     </p:spTree>
     <p:extLst>
       <p:ext uri="{BB962C8B-B14F-4D97-AF65-F5344CB8AC3E}">
-        <p14:creationId xmlns:p14="http://schemas.microsoft.com/office/powerpoint/2010/main" val="616574688"/>
+        <p14:creationId xmlns:p14="http://schemas.microsoft.com/office/powerpoint/2010/main" val="838327606"/>
       </p:ext>
     </p:extLst>
   </p:cSld>
@@ -8228,7 +9866,7 @@
           <p:cNvPr id="2" name="標題 1">
             <a:extLst>
               <a:ext uri="{FF2B5EF4-FFF2-40B4-BE49-F238E27FC236}">
-                <a16:creationId xmlns:a16="http://schemas.microsoft.com/office/drawing/2014/main" id="{3E5B3252-C592-43EE-9453-77E31881C9B6}"/>
+                <a16:creationId xmlns:a16="http://schemas.microsoft.com/office/drawing/2014/main" id="{A4B815FF-2511-456C-995E-1D9AEF6CE4DD}"/>
               </a:ext>
             </a:extLst>
           </p:cNvPr>
@@ -8246,7 +9884,7 @@
           <a:p>
             <a:r>
               <a:rPr lang="en-US" altLang="zh-TW" dirty="0"/>
-              <a:t>Console Input</a:t>
+              <a:t>Formatting Output</a:t>
             </a:r>
             <a:endParaRPr lang="zh-TW" altLang="en-US" dirty="0"/>
           </a:p>
@@ -8257,7 +9895,7 @@
           <p:cNvPr id="3" name="內容版面配置區 2">
             <a:extLst>
               <a:ext uri="{FF2B5EF4-FFF2-40B4-BE49-F238E27FC236}">
-                <a16:creationId xmlns:a16="http://schemas.microsoft.com/office/drawing/2014/main" id="{9EA3E587-5030-4EEE-AE76-22315DE67217}"/>
+                <a16:creationId xmlns:a16="http://schemas.microsoft.com/office/drawing/2014/main" id="{B726A873-B24F-41C8-8DD6-63019B0DC845}"/>
               </a:ext>
             </a:extLst>
           </p:cNvPr>
@@ -8275,656 +9913,127 @@
           <a:p>
             <a:r>
               <a:rPr lang="en-US" altLang="zh-TW" dirty="0"/>
-              <a:t>(user-friendly) using </a:t>
-            </a:r>
-            <a:r>
-              <a:rPr lang="en-US" altLang="zh-TW" b="1" dirty="0" err="1"/>
-              <a:t>cout</a:t>
+              <a:t>Require another library </a:t>
+            </a:r>
+            <a:r>
+              <a:rPr lang="en-US" altLang="zh-TW" b="0" dirty="0">
+                <a:solidFill>
+                  <a:srgbClr val="A31515"/>
+                </a:solidFill>
+                <a:effectLst/>
+                <a:latin typeface="Consolas" panose="020B0609020204030204" pitchFamily="49" charset="0"/>
+              </a:rPr>
+              <a:t>&lt;</a:t>
+            </a:r>
+            <a:r>
+              <a:rPr lang="en-US" altLang="zh-TW" b="0" dirty="0" err="1">
+                <a:solidFill>
+                  <a:srgbClr val="A31515"/>
+                </a:solidFill>
+                <a:effectLst/>
+                <a:latin typeface="Consolas" panose="020B0609020204030204" pitchFamily="49" charset="0"/>
+              </a:rPr>
+              <a:t>iomanip</a:t>
+            </a:r>
+            <a:r>
+              <a:rPr lang="en-US" altLang="zh-TW" b="0" dirty="0">
+                <a:solidFill>
+                  <a:srgbClr val="A31515"/>
+                </a:solidFill>
+                <a:effectLst/>
+                <a:latin typeface="Consolas" panose="020B0609020204030204" pitchFamily="49" charset="0"/>
+              </a:rPr>
+              <a:t>&gt;</a:t>
+            </a:r>
+            <a:endParaRPr lang="en-US" altLang="zh-TW" dirty="0">
+              <a:highlight>
+                <a:srgbClr val="C0C0C0"/>
+              </a:highlight>
+            </a:endParaRPr>
+          </a:p>
+          <a:p>
+            <a:r>
+              <a:rPr lang="en-US" altLang="zh-TW" b="0" dirty="0">
+                <a:solidFill>
+                  <a:srgbClr val="A31515"/>
+                </a:solidFill>
+                <a:effectLst/>
+                <a:latin typeface="Consolas" panose="020B0609020204030204" pitchFamily="49" charset="0"/>
+              </a:rPr>
+              <a:t>&lt;</a:t>
+            </a:r>
+            <a:r>
+              <a:rPr lang="en-US" altLang="zh-TW" b="0" dirty="0" err="1">
+                <a:solidFill>
+                  <a:srgbClr val="A31515"/>
+                </a:solidFill>
+                <a:effectLst/>
+                <a:latin typeface="Consolas" panose="020B0609020204030204" pitchFamily="49" charset="0"/>
+              </a:rPr>
+              <a:t>iomanip</a:t>
+            </a:r>
+            <a:r>
+              <a:rPr lang="en-US" altLang="zh-TW" b="0" dirty="0">
+                <a:solidFill>
+                  <a:srgbClr val="A31515"/>
+                </a:solidFill>
+                <a:effectLst/>
+                <a:latin typeface="Consolas" panose="020B0609020204030204" pitchFamily="49" charset="0"/>
+              </a:rPr>
+              <a:t>&gt;</a:t>
+            </a:r>
+            <a:r>
+              <a:rPr lang="zh-TW" altLang="en-US" dirty="0"/>
+              <a:t> </a:t>
             </a:r>
             <a:r>
               <a:rPr lang="en-US" altLang="zh-TW" dirty="0"/>
-              <a:t> prompt (no newline) before every </a:t>
-            </a:r>
-            <a:r>
-              <a:rPr lang="en-US" altLang="zh-TW" b="1" dirty="0" err="1"/>
-              <a:t>cin</a:t>
-            </a:r>
-            <a:endParaRPr lang="en-US" altLang="zh-TW" b="1" dirty="0"/>
-          </a:p>
-          <a:p>
-            <a:endParaRPr lang="zh-TW" altLang="en-US" dirty="0"/>
-          </a:p>
-        </p:txBody>
-      </p:sp>
-      <p:graphicFrame>
-        <p:nvGraphicFramePr>
-          <p:cNvPr id="4" name="表格 8">
-            <a:extLst>
-              <a:ext uri="{FF2B5EF4-FFF2-40B4-BE49-F238E27FC236}">
-                <a16:creationId xmlns:a16="http://schemas.microsoft.com/office/drawing/2014/main" id="{DC9F39D0-3DD0-43D2-BBC8-A879F6A3DB88}"/>
-              </a:ext>
-            </a:extLst>
-          </p:cNvPr>
-          <p:cNvGraphicFramePr>
-            <a:graphicFrameLocks/>
-          </p:cNvGraphicFramePr>
-          <p:nvPr>
-            <p:extLst>
-              <p:ext uri="{D42A27DB-BD31-4B8C-83A1-F6EECF244321}">
-                <p14:modId xmlns:p14="http://schemas.microsoft.com/office/powerpoint/2010/main" val="3448448421"/>
-              </p:ext>
-            </p:extLst>
-          </p:nvPr>
-        </p:nvGraphicFramePr>
-        <p:xfrm>
-          <a:off x="1837189" y="3704759"/>
-          <a:ext cx="9248162" cy="370840"/>
-        </p:xfrm>
-        <a:graphic>
-          <a:graphicData uri="http://schemas.openxmlformats.org/drawingml/2006/table">
-            <a:tbl>
-              <a:tblPr firstRow="1" bandRow="1">
-                <a:tableStyleId>{D7AC3CCA-C797-4891-BE02-D94E43425B78}</a:tableStyleId>
-              </a:tblPr>
-              <a:tblGrid>
-                <a:gridCol w="840742">
-                  <a:extLst>
-                    <a:ext uri="{9D8B030D-6E8A-4147-A177-3AD203B41FA5}">
-                      <a16:colId xmlns:a16="http://schemas.microsoft.com/office/drawing/2014/main" val="2094337055"/>
-                    </a:ext>
-                  </a:extLst>
-                </a:gridCol>
-                <a:gridCol w="840742">
-                  <a:extLst>
-                    <a:ext uri="{9D8B030D-6E8A-4147-A177-3AD203B41FA5}">
-                      <a16:colId xmlns:a16="http://schemas.microsoft.com/office/drawing/2014/main" val="1396432210"/>
-                    </a:ext>
-                  </a:extLst>
-                </a:gridCol>
-                <a:gridCol w="840742">
-                  <a:extLst>
-                    <a:ext uri="{9D8B030D-6E8A-4147-A177-3AD203B41FA5}">
-                      <a16:colId xmlns:a16="http://schemas.microsoft.com/office/drawing/2014/main" val="334027796"/>
-                    </a:ext>
-                  </a:extLst>
-                </a:gridCol>
-                <a:gridCol w="840742">
-                  <a:extLst>
-                    <a:ext uri="{9D8B030D-6E8A-4147-A177-3AD203B41FA5}">
-                      <a16:colId xmlns:a16="http://schemas.microsoft.com/office/drawing/2014/main" val="3671959317"/>
-                    </a:ext>
-                  </a:extLst>
-                </a:gridCol>
-                <a:gridCol w="840742">
-                  <a:extLst>
-                    <a:ext uri="{9D8B030D-6E8A-4147-A177-3AD203B41FA5}">
-                      <a16:colId xmlns:a16="http://schemas.microsoft.com/office/drawing/2014/main" val="1276661334"/>
-                    </a:ext>
-                  </a:extLst>
-                </a:gridCol>
-                <a:gridCol w="840742">
-                  <a:extLst>
-                    <a:ext uri="{9D8B030D-6E8A-4147-A177-3AD203B41FA5}">
-                      <a16:colId xmlns:a16="http://schemas.microsoft.com/office/drawing/2014/main" val="2551898653"/>
-                    </a:ext>
-                  </a:extLst>
-                </a:gridCol>
-                <a:gridCol w="840742">
-                  <a:extLst>
-                    <a:ext uri="{9D8B030D-6E8A-4147-A177-3AD203B41FA5}">
-                      <a16:colId xmlns:a16="http://schemas.microsoft.com/office/drawing/2014/main" val="1843195974"/>
-                    </a:ext>
-                  </a:extLst>
-                </a:gridCol>
-                <a:gridCol w="840742">
-                  <a:extLst>
-                    <a:ext uri="{9D8B030D-6E8A-4147-A177-3AD203B41FA5}">
-                      <a16:colId xmlns:a16="http://schemas.microsoft.com/office/drawing/2014/main" val="4067993191"/>
-                    </a:ext>
-                  </a:extLst>
-                </a:gridCol>
-                <a:gridCol w="840742">
-                  <a:extLst>
-                    <a:ext uri="{9D8B030D-6E8A-4147-A177-3AD203B41FA5}">
-                      <a16:colId xmlns:a16="http://schemas.microsoft.com/office/drawing/2014/main" val="4096984229"/>
-                    </a:ext>
-                  </a:extLst>
-                </a:gridCol>
-                <a:gridCol w="840742">
-                  <a:extLst>
-                    <a:ext uri="{9D8B030D-6E8A-4147-A177-3AD203B41FA5}">
-                      <a16:colId xmlns:a16="http://schemas.microsoft.com/office/drawing/2014/main" val="3939039333"/>
-                    </a:ext>
-                  </a:extLst>
-                </a:gridCol>
-                <a:gridCol w="840742">
-                  <a:extLst>
-                    <a:ext uri="{9D8B030D-6E8A-4147-A177-3AD203B41FA5}">
-                      <a16:colId xmlns:a16="http://schemas.microsoft.com/office/drawing/2014/main" val="3076240458"/>
-                    </a:ext>
-                  </a:extLst>
-                </a:gridCol>
-              </a:tblGrid>
-              <a:tr h="370840">
-                <a:tc>
-                  <a:txBody>
-                    <a:bodyPr/>
-                    <a:lstStyle/>
-                    <a:p>
-                      <a:pPr algn="ctr"/>
-                      <a:r>
-                        <a:rPr lang="en-US" altLang="zh-TW" dirty="0"/>
-                        <a:t>1</a:t>
-                      </a:r>
-                      <a:endParaRPr lang="zh-TW" altLang="en-US" dirty="0"/>
-                    </a:p>
-                  </a:txBody>
-                  <a:tcPr/>
-                </a:tc>
-                <a:tc>
-                  <a:txBody>
-                    <a:bodyPr/>
-                    <a:lstStyle/>
-                    <a:p>
-                      <a:pPr algn="ctr"/>
-                      <a:r>
-                        <a:rPr lang="en-US" altLang="zh-TW" dirty="0"/>
-                        <a:t>2</a:t>
-                      </a:r>
-                      <a:endParaRPr lang="zh-TW" altLang="en-US" dirty="0"/>
-                    </a:p>
-                  </a:txBody>
-                  <a:tcPr/>
-                </a:tc>
-                <a:tc>
-                  <a:txBody>
-                    <a:bodyPr/>
-                    <a:lstStyle/>
-                    <a:p>
-                      <a:pPr algn="ctr"/>
-                      <a:r>
-                        <a:rPr lang="en-US" altLang="zh-TW" dirty="0"/>
-                        <a:t>3</a:t>
-                      </a:r>
-                      <a:endParaRPr lang="zh-TW" altLang="en-US" dirty="0"/>
-                    </a:p>
-                  </a:txBody>
-                  <a:tcPr/>
-                </a:tc>
-                <a:tc>
-                  <a:txBody>
-                    <a:bodyPr/>
-                    <a:lstStyle/>
-                    <a:p>
-                      <a:pPr algn="ctr"/>
-                      <a:r>
-                        <a:rPr lang="zh-TW" altLang="en-US" dirty="0"/>
-                        <a:t>⏎</a:t>
-                      </a:r>
-                    </a:p>
-                  </a:txBody>
-                  <a:tcPr/>
-                </a:tc>
-                <a:tc>
-                  <a:txBody>
-                    <a:bodyPr/>
-                    <a:lstStyle/>
-                    <a:p>
-                      <a:pPr algn="ctr"/>
-                      <a:r>
-                        <a:rPr lang="en-US" altLang="zh-TW" dirty="0"/>
-                        <a:t>4</a:t>
-                      </a:r>
-                      <a:endParaRPr lang="zh-TW" altLang="en-US" dirty="0"/>
-                    </a:p>
-                  </a:txBody>
-                  <a:tcPr/>
-                </a:tc>
-                <a:tc>
-                  <a:txBody>
-                    <a:bodyPr/>
-                    <a:lstStyle/>
-                    <a:p>
-                      <a:pPr algn="ctr"/>
-                      <a:r>
-                        <a:rPr lang="en-US" altLang="zh-TW" dirty="0"/>
-                        <a:t>5</a:t>
-                      </a:r>
-                      <a:endParaRPr lang="zh-TW" altLang="en-US" dirty="0"/>
-                    </a:p>
-                  </a:txBody>
-                  <a:tcPr/>
-                </a:tc>
-                <a:tc>
-                  <a:txBody>
-                    <a:bodyPr/>
-                    <a:lstStyle/>
-                    <a:p>
-                      <a:pPr algn="ctr"/>
-                      <a:r>
-                        <a:rPr lang="zh-TW" altLang="en-US" dirty="0"/>
-                        <a:t>⏎</a:t>
-                      </a:r>
-                    </a:p>
-                  </a:txBody>
-                  <a:tcPr/>
-                </a:tc>
-                <a:tc>
-                  <a:txBody>
-                    <a:bodyPr/>
-                    <a:lstStyle/>
-                    <a:p>
-                      <a:pPr algn="ctr"/>
-                      <a:r>
-                        <a:rPr lang="en-US" altLang="zh-TW" dirty="0"/>
-                        <a:t>6</a:t>
-                      </a:r>
-                      <a:endParaRPr lang="zh-TW" altLang="en-US" dirty="0"/>
-                    </a:p>
-                  </a:txBody>
-                  <a:tcPr/>
-                </a:tc>
-                <a:tc>
-                  <a:txBody>
-                    <a:bodyPr/>
-                    <a:lstStyle/>
-                    <a:p>
-                      <a:pPr algn="ctr"/>
-                      <a:r>
-                        <a:rPr lang="en-US" altLang="zh-TW" dirty="0"/>
-                        <a:t>7</a:t>
-                      </a:r>
-                      <a:endParaRPr lang="zh-TW" altLang="en-US" dirty="0"/>
-                    </a:p>
-                  </a:txBody>
-                  <a:tcPr/>
-                </a:tc>
-                <a:tc>
-                  <a:txBody>
-                    <a:bodyPr/>
-                    <a:lstStyle/>
-                    <a:p>
-                      <a:pPr algn="ctr"/>
-                      <a:r>
-                        <a:rPr lang="en-US" altLang="zh-TW" dirty="0"/>
-                        <a:t>8</a:t>
-                      </a:r>
-                      <a:endParaRPr lang="zh-TW" altLang="en-US" dirty="0"/>
-                    </a:p>
-                  </a:txBody>
-                  <a:tcPr/>
-                </a:tc>
-                <a:tc>
-                  <a:txBody>
-                    <a:bodyPr/>
-                    <a:lstStyle/>
-                    <a:p>
-                      <a:pPr algn="ctr"/>
-                      <a:r>
-                        <a:rPr lang="zh-TW" altLang="en-US" dirty="0"/>
-                        <a:t>⏎</a:t>
-                      </a:r>
-                    </a:p>
-                  </a:txBody>
-                  <a:tcPr/>
-                </a:tc>
-                <a:extLst>
-                  <a:ext uri="{0D108BD9-81ED-4DB2-BD59-A6C34878D82A}">
-                    <a16:rowId xmlns:a16="http://schemas.microsoft.com/office/drawing/2014/main" val="3351429656"/>
-                  </a:ext>
-                </a:extLst>
-              </a:tr>
-            </a:tbl>
-          </a:graphicData>
-        </a:graphic>
-      </p:graphicFrame>
-      <p:sp>
-        <p:nvSpPr>
-          <p:cNvPr id="5" name="文字方塊 4">
-            <a:extLst>
-              <a:ext uri="{FF2B5EF4-FFF2-40B4-BE49-F238E27FC236}">
-                <a16:creationId xmlns:a16="http://schemas.microsoft.com/office/drawing/2014/main" id="{C85B9ECC-9836-427D-B627-967D0939B741}"/>
-              </a:ext>
-            </a:extLst>
-          </p:cNvPr>
-          <p:cNvSpPr txBox="1"/>
-          <p:nvPr/>
-        </p:nvSpPr>
-        <p:spPr>
-          <a:xfrm>
-            <a:off x="411061" y="3711481"/>
-            <a:ext cx="981512" cy="369332"/>
-          </a:xfrm>
-          <a:prstGeom prst="rect">
-            <a:avLst/>
-          </a:prstGeom>
-          <a:noFill/>
-          <a:ln w="28575">
-            <a:solidFill>
-              <a:srgbClr val="00B0F0"/>
-            </a:solidFill>
-          </a:ln>
-        </p:spPr>
-        <p:txBody>
-          <a:bodyPr wrap="square" rtlCol="0">
-            <a:spAutoFit/>
-          </a:bodyPr>
-          <a:lstStyle/>
-          <a:p>
-            <a:pPr algn="ctr"/>
+              <a:t>includes </a:t>
+            </a:r>
+          </a:p>
+          <a:p>
+            <a:pPr lvl="1"/>
             <a:r>
               <a:rPr lang="en-US" altLang="zh-TW" dirty="0" err="1"/>
-              <a:t>std:cin</a:t>
-            </a:r>
-            <a:endParaRPr lang="zh-TW" altLang="en-US" dirty="0"/>
-          </a:p>
-        </p:txBody>
-      </p:sp>
-      <p:cxnSp>
-        <p:nvCxnSpPr>
-          <p:cNvPr id="6" name="直線單箭頭接點 5">
-            <a:extLst>
-              <a:ext uri="{FF2B5EF4-FFF2-40B4-BE49-F238E27FC236}">
-                <a16:creationId xmlns:a16="http://schemas.microsoft.com/office/drawing/2014/main" id="{1F05E7A1-0A2C-4E3C-B631-BA7679971BBA}"/>
-              </a:ext>
-            </a:extLst>
-          </p:cNvPr>
-          <p:cNvCxnSpPr>
-            <a:cxnSpLocks/>
-            <a:stCxn id="5" idx="3"/>
-            <a:endCxn id="4" idx="1"/>
-          </p:cNvCxnSpPr>
-          <p:nvPr/>
-        </p:nvCxnSpPr>
-        <p:spPr>
-          <a:xfrm flipV="1">
-            <a:off x="1392573" y="3890179"/>
-            <a:ext cx="444616" cy="5968"/>
-          </a:xfrm>
-          <a:prstGeom prst="straightConnector1">
-            <a:avLst/>
-          </a:prstGeom>
-          <a:ln w="38100">
-            <a:solidFill>
-              <a:srgbClr val="0070C0"/>
-            </a:solidFill>
-            <a:tailEnd type="triangle"/>
-          </a:ln>
-        </p:spPr>
-        <p:style>
-          <a:lnRef idx="1">
-            <a:schemeClr val="accent1"/>
-          </a:lnRef>
-          <a:fillRef idx="0">
-            <a:schemeClr val="accent1"/>
-          </a:fillRef>
-          <a:effectRef idx="0">
-            <a:schemeClr val="accent1"/>
-          </a:effectRef>
-          <a:fontRef idx="minor">
-            <a:schemeClr val="tx1"/>
-          </a:fontRef>
-        </p:style>
-      </p:cxnSp>
-      <p:sp>
-        <p:nvSpPr>
-          <p:cNvPr id="7" name="右大括弧 6">
-            <a:extLst>
-              <a:ext uri="{FF2B5EF4-FFF2-40B4-BE49-F238E27FC236}">
-                <a16:creationId xmlns:a16="http://schemas.microsoft.com/office/drawing/2014/main" id="{A3CC52A3-552A-4393-95C3-494E7D6721DB}"/>
-              </a:ext>
-            </a:extLst>
-          </p:cNvPr>
-          <p:cNvSpPr/>
-          <p:nvPr/>
-        </p:nvSpPr>
-        <p:spPr>
-          <a:xfrm rot="16200000">
-            <a:off x="2892696" y="2122364"/>
-            <a:ext cx="369332" cy="2502715"/>
-          </a:xfrm>
-          <a:prstGeom prst="rightBrace">
-            <a:avLst>
-              <a:gd name="adj1" fmla="val 0"/>
-              <a:gd name="adj2" fmla="val 50000"/>
-            </a:avLst>
-          </a:prstGeom>
-          <a:ln w="12700"/>
-        </p:spPr>
-        <p:style>
-          <a:lnRef idx="1">
-            <a:schemeClr val="accent1"/>
-          </a:lnRef>
-          <a:fillRef idx="0">
-            <a:schemeClr val="accent1"/>
-          </a:fillRef>
-          <a:effectRef idx="0">
-            <a:schemeClr val="accent1"/>
-          </a:effectRef>
-          <a:fontRef idx="minor">
-            <a:schemeClr val="tx1"/>
-          </a:fontRef>
-        </p:style>
-        <p:txBody>
-          <a:bodyPr rtlCol="0" anchor="ctr"/>
-          <a:lstStyle/>
-          <a:p>
-            <a:pPr algn="ctr"/>
-            <a:endParaRPr lang="zh-TW" altLang="en-US"/>
-          </a:p>
-        </p:txBody>
-      </p:sp>
-      <p:sp>
-        <p:nvSpPr>
-          <p:cNvPr id="8" name="文字方塊 7">
-            <a:extLst>
-              <a:ext uri="{FF2B5EF4-FFF2-40B4-BE49-F238E27FC236}">
-                <a16:creationId xmlns:a16="http://schemas.microsoft.com/office/drawing/2014/main" id="{9D3FC174-7B34-4B8E-AD70-CAC597AF74DA}"/>
-              </a:ext>
-            </a:extLst>
-          </p:cNvPr>
-          <p:cNvSpPr txBox="1"/>
-          <p:nvPr/>
-        </p:nvSpPr>
-        <p:spPr>
-          <a:xfrm>
-            <a:off x="2239861" y="2466891"/>
-            <a:ext cx="1675002" cy="461665"/>
-          </a:xfrm>
-          <a:prstGeom prst="rect">
-            <a:avLst/>
-          </a:prstGeom>
-          <a:noFill/>
-        </p:spPr>
-        <p:txBody>
-          <a:bodyPr wrap="square" rtlCol="0">
-            <a:spAutoFit/>
-          </a:bodyPr>
-          <a:lstStyle/>
-          <a:p>
-            <a:pPr algn="ctr"/>
-            <a:r>
-              <a:rPr lang="en-US" altLang="zh-TW" sz="2400" dirty="0"/>
-              <a:t>Var1</a:t>
-            </a:r>
-            <a:endParaRPr lang="zh-TW" altLang="en-US" sz="2400" dirty="0"/>
-          </a:p>
-        </p:txBody>
-      </p:sp>
-      <p:sp>
-        <p:nvSpPr>
-          <p:cNvPr id="9" name="右大括弧 8">
-            <a:extLst>
-              <a:ext uri="{FF2B5EF4-FFF2-40B4-BE49-F238E27FC236}">
-                <a16:creationId xmlns:a16="http://schemas.microsoft.com/office/drawing/2014/main" id="{CAC88B3E-B080-448C-8CEB-5F089B3904D8}"/>
-              </a:ext>
-            </a:extLst>
-          </p:cNvPr>
-          <p:cNvSpPr/>
-          <p:nvPr/>
-        </p:nvSpPr>
-        <p:spPr>
-          <a:xfrm rot="16200000">
-            <a:off x="5859779" y="2539192"/>
-            <a:ext cx="369332" cy="1669062"/>
-          </a:xfrm>
-          <a:prstGeom prst="rightBrace">
-            <a:avLst>
-              <a:gd name="adj1" fmla="val 0"/>
-              <a:gd name="adj2" fmla="val 50000"/>
-            </a:avLst>
-          </a:prstGeom>
-          <a:ln w="12700"/>
-        </p:spPr>
-        <p:style>
-          <a:lnRef idx="1">
-            <a:schemeClr val="accent1"/>
-          </a:lnRef>
-          <a:fillRef idx="0">
-            <a:schemeClr val="accent1"/>
-          </a:fillRef>
-          <a:effectRef idx="0">
-            <a:schemeClr val="accent1"/>
-          </a:effectRef>
-          <a:fontRef idx="minor">
-            <a:schemeClr val="tx1"/>
-          </a:fontRef>
-        </p:style>
-        <p:txBody>
-          <a:bodyPr rtlCol="0" anchor="ctr"/>
-          <a:lstStyle/>
-          <a:p>
-            <a:pPr algn="ctr"/>
-            <a:endParaRPr lang="zh-TW" altLang="en-US"/>
-          </a:p>
-        </p:txBody>
-      </p:sp>
-      <p:sp>
-        <p:nvSpPr>
-          <p:cNvPr id="10" name="右大括弧 9">
-            <a:extLst>
-              <a:ext uri="{FF2B5EF4-FFF2-40B4-BE49-F238E27FC236}">
-                <a16:creationId xmlns:a16="http://schemas.microsoft.com/office/drawing/2014/main" id="{A929CAE5-2B55-4AA5-91A3-7AF7520F57FF}"/>
-              </a:ext>
-            </a:extLst>
-          </p:cNvPr>
-          <p:cNvSpPr/>
-          <p:nvPr/>
-        </p:nvSpPr>
-        <p:spPr>
-          <a:xfrm rot="16200000">
-            <a:off x="8826862" y="2122364"/>
-            <a:ext cx="369332" cy="2502715"/>
-          </a:xfrm>
-          <a:prstGeom prst="rightBrace">
-            <a:avLst>
-              <a:gd name="adj1" fmla="val 0"/>
-              <a:gd name="adj2" fmla="val 50000"/>
-            </a:avLst>
-          </a:prstGeom>
-          <a:ln w="12700"/>
-        </p:spPr>
-        <p:style>
-          <a:lnRef idx="1">
-            <a:schemeClr val="accent1"/>
-          </a:lnRef>
-          <a:fillRef idx="0">
-            <a:schemeClr val="accent1"/>
-          </a:fillRef>
-          <a:effectRef idx="0">
-            <a:schemeClr val="accent1"/>
-          </a:effectRef>
-          <a:fontRef idx="minor">
-            <a:schemeClr val="tx1"/>
-          </a:fontRef>
-        </p:style>
-        <p:txBody>
-          <a:bodyPr rtlCol="0" anchor="ctr"/>
-          <a:lstStyle/>
-          <a:p>
-            <a:pPr algn="ctr"/>
-            <a:endParaRPr lang="zh-TW" altLang="en-US"/>
-          </a:p>
-        </p:txBody>
-      </p:sp>
-      <p:sp>
-        <p:nvSpPr>
-          <p:cNvPr id="11" name="文字方塊 10">
-            <a:extLst>
-              <a:ext uri="{FF2B5EF4-FFF2-40B4-BE49-F238E27FC236}">
-                <a16:creationId xmlns:a16="http://schemas.microsoft.com/office/drawing/2014/main" id="{3D8E404C-080C-4423-891F-9AB5F7E45C36}"/>
-              </a:ext>
-            </a:extLst>
-          </p:cNvPr>
-          <p:cNvSpPr txBox="1"/>
-          <p:nvPr/>
-        </p:nvSpPr>
-        <p:spPr>
-          <a:xfrm>
-            <a:off x="5203974" y="2466891"/>
-            <a:ext cx="1675002" cy="461665"/>
-          </a:xfrm>
-          <a:prstGeom prst="rect">
-            <a:avLst/>
-          </a:prstGeom>
-          <a:noFill/>
-        </p:spPr>
-        <p:txBody>
-          <a:bodyPr wrap="square" rtlCol="0">
-            <a:spAutoFit/>
-          </a:bodyPr>
-          <a:lstStyle/>
-          <a:p>
-            <a:pPr algn="ctr"/>
-            <a:r>
-              <a:rPr lang="en-US" altLang="zh-TW" sz="2400" dirty="0"/>
-              <a:t>Var2</a:t>
-            </a:r>
-            <a:endParaRPr lang="zh-TW" altLang="en-US" sz="2400" dirty="0"/>
-          </a:p>
-        </p:txBody>
-      </p:sp>
-      <p:sp>
-        <p:nvSpPr>
-          <p:cNvPr id="12" name="文字方塊 11">
-            <a:extLst>
-              <a:ext uri="{FF2B5EF4-FFF2-40B4-BE49-F238E27FC236}">
-                <a16:creationId xmlns:a16="http://schemas.microsoft.com/office/drawing/2014/main" id="{423FAF93-9D16-482A-8877-2245F1B78572}"/>
-              </a:ext>
-            </a:extLst>
-          </p:cNvPr>
-          <p:cNvSpPr txBox="1"/>
-          <p:nvPr/>
-        </p:nvSpPr>
-        <p:spPr>
-          <a:xfrm>
-            <a:off x="8156904" y="2466891"/>
-            <a:ext cx="1675002" cy="461665"/>
-          </a:xfrm>
-          <a:prstGeom prst="rect">
-            <a:avLst/>
-          </a:prstGeom>
-          <a:noFill/>
-        </p:spPr>
-        <p:txBody>
-          <a:bodyPr wrap="square" rtlCol="0">
-            <a:spAutoFit/>
-          </a:bodyPr>
-          <a:lstStyle/>
-          <a:p>
-            <a:pPr algn="ctr"/>
-            <a:r>
-              <a:rPr lang="en-US" altLang="zh-TW" sz="2400" dirty="0"/>
-              <a:t>Var3</a:t>
-            </a:r>
-            <a:endParaRPr lang="zh-TW" altLang="en-US" sz="2400" dirty="0"/>
+              <a:t>setw</a:t>
+            </a:r>
+            <a:endParaRPr lang="en-US" altLang="zh-TW" dirty="0"/>
+          </a:p>
+          <a:p>
+            <a:pPr lvl="1"/>
+            <a:r>
+              <a:rPr lang="en-US" altLang="zh-TW" dirty="0"/>
+              <a:t>left/ right align</a:t>
+            </a:r>
+          </a:p>
+          <a:p>
+            <a:pPr lvl="1"/>
+            <a:r>
+              <a:rPr lang="en-US" altLang="zh-TW" dirty="0"/>
+              <a:t>fill</a:t>
+            </a:r>
+          </a:p>
+          <a:p>
+            <a:pPr lvl="1"/>
+            <a:r>
+              <a:rPr lang="en-US" altLang="zh-TW" dirty="0" err="1"/>
+              <a:t>setprecision</a:t>
+            </a:r>
+            <a:endParaRPr lang="en-US" altLang="zh-TW" dirty="0"/>
+          </a:p>
+          <a:p>
+            <a:pPr lvl="1"/>
+            <a:r>
+              <a:rPr lang="en-US" altLang="zh-TW" dirty="0"/>
+              <a:t>fixed/ scientific</a:t>
+            </a:r>
           </a:p>
         </p:txBody>
       </p:sp>
     </p:spTree>
     <p:extLst>
       <p:ext uri="{BB962C8B-B14F-4D97-AF65-F5344CB8AC3E}">
-        <p14:creationId xmlns:p14="http://schemas.microsoft.com/office/powerpoint/2010/main" val="3905853701"/>
+        <p14:creationId xmlns:p14="http://schemas.microsoft.com/office/powerpoint/2010/main" val="616574688"/>
       </p:ext>
     </p:extLst>
   </p:cSld>

--- a/03-iostream/00-iostream.pptx
+++ b/03-iostream/00-iostream.pptx
@@ -269,7 +269,7 @@
           <a:p>
             <a:fld id="{87DFA0E8-174F-457D-A281-0FCE3F99AF07}" type="datetimeFigureOut">
               <a:rPr lang="zh-TW" altLang="en-US" smtClean="0"/>
-              <a:t>2021/10/3</a:t>
+              <a:t>2021/10/9</a:t>
             </a:fld>
             <a:endParaRPr lang="zh-TW" altLang="en-US"/>
           </a:p>
@@ -467,7 +467,7 @@
           <a:p>
             <a:fld id="{87DFA0E8-174F-457D-A281-0FCE3F99AF07}" type="datetimeFigureOut">
               <a:rPr lang="zh-TW" altLang="en-US" smtClean="0"/>
-              <a:t>2021/10/3</a:t>
+              <a:t>2021/10/9</a:t>
             </a:fld>
             <a:endParaRPr lang="zh-TW" altLang="en-US"/>
           </a:p>
@@ -675,7 +675,7 @@
           <a:p>
             <a:fld id="{87DFA0E8-174F-457D-A281-0FCE3F99AF07}" type="datetimeFigureOut">
               <a:rPr lang="zh-TW" altLang="en-US" smtClean="0"/>
-              <a:t>2021/10/3</a:t>
+              <a:t>2021/10/9</a:t>
             </a:fld>
             <a:endParaRPr lang="zh-TW" altLang="en-US"/>
           </a:p>
@@ -873,7 +873,7 @@
           <a:p>
             <a:fld id="{87DFA0E8-174F-457D-A281-0FCE3F99AF07}" type="datetimeFigureOut">
               <a:rPr lang="zh-TW" altLang="en-US" smtClean="0"/>
-              <a:t>2021/10/3</a:t>
+              <a:t>2021/10/9</a:t>
             </a:fld>
             <a:endParaRPr lang="zh-TW" altLang="en-US"/>
           </a:p>
@@ -1148,7 +1148,7 @@
           <a:p>
             <a:fld id="{87DFA0E8-174F-457D-A281-0FCE3F99AF07}" type="datetimeFigureOut">
               <a:rPr lang="zh-TW" altLang="en-US" smtClean="0"/>
-              <a:t>2021/10/3</a:t>
+              <a:t>2021/10/9</a:t>
             </a:fld>
             <a:endParaRPr lang="zh-TW" altLang="en-US"/>
           </a:p>
@@ -1413,7 +1413,7 @@
           <a:p>
             <a:fld id="{87DFA0E8-174F-457D-A281-0FCE3F99AF07}" type="datetimeFigureOut">
               <a:rPr lang="zh-TW" altLang="en-US" smtClean="0"/>
-              <a:t>2021/10/3</a:t>
+              <a:t>2021/10/9</a:t>
             </a:fld>
             <a:endParaRPr lang="zh-TW" altLang="en-US"/>
           </a:p>
@@ -1825,7 +1825,7 @@
           <a:p>
             <a:fld id="{87DFA0E8-174F-457D-A281-0FCE3F99AF07}" type="datetimeFigureOut">
               <a:rPr lang="zh-TW" altLang="en-US" smtClean="0"/>
-              <a:t>2021/10/3</a:t>
+              <a:t>2021/10/9</a:t>
             </a:fld>
             <a:endParaRPr lang="zh-TW" altLang="en-US"/>
           </a:p>
@@ -1966,7 +1966,7 @@
           <a:p>
             <a:fld id="{87DFA0E8-174F-457D-A281-0FCE3F99AF07}" type="datetimeFigureOut">
               <a:rPr lang="zh-TW" altLang="en-US" smtClean="0"/>
-              <a:t>2021/10/3</a:t>
+              <a:t>2021/10/9</a:t>
             </a:fld>
             <a:endParaRPr lang="zh-TW" altLang="en-US"/>
           </a:p>
@@ -2079,7 +2079,7 @@
           <a:p>
             <a:fld id="{87DFA0E8-174F-457D-A281-0FCE3F99AF07}" type="datetimeFigureOut">
               <a:rPr lang="zh-TW" altLang="en-US" smtClean="0"/>
-              <a:t>2021/10/3</a:t>
+              <a:t>2021/10/9</a:t>
             </a:fld>
             <a:endParaRPr lang="zh-TW" altLang="en-US"/>
           </a:p>
@@ -2390,7 +2390,7 @@
           <a:p>
             <a:fld id="{87DFA0E8-174F-457D-A281-0FCE3F99AF07}" type="datetimeFigureOut">
               <a:rPr lang="zh-TW" altLang="en-US" smtClean="0"/>
-              <a:t>2021/10/3</a:t>
+              <a:t>2021/10/9</a:t>
             </a:fld>
             <a:endParaRPr lang="zh-TW" altLang="en-US"/>
           </a:p>
@@ -2678,7 +2678,7 @@
           <a:p>
             <a:fld id="{87DFA0E8-174F-457D-A281-0FCE3F99AF07}" type="datetimeFigureOut">
               <a:rPr lang="zh-TW" altLang="en-US" smtClean="0"/>
-              <a:t>2021/10/3</a:t>
+              <a:t>2021/10/9</a:t>
             </a:fld>
             <a:endParaRPr lang="zh-TW" altLang="en-US"/>
           </a:p>
@@ -2919,7 +2919,7 @@
           <a:p>
             <a:fld id="{87DFA0E8-174F-457D-A281-0FCE3F99AF07}" type="datetimeFigureOut">
               <a:rPr lang="zh-TW" altLang="en-US" smtClean="0"/>
-              <a:t>2021/10/3</a:t>
+              <a:t>2021/10/9</a:t>
             </a:fld>
             <a:endParaRPr lang="zh-TW" altLang="en-US"/>
           </a:p>
@@ -7052,7 +7052,7 @@
             <p:ph idx="1"/>
             <p:extLst>
               <p:ext uri="{D42A27DB-BD31-4B8C-83A1-F6EECF244321}">
-                <p14:modId xmlns:p14="http://schemas.microsoft.com/office/powerpoint/2010/main" val="3753209526"/>
+                <p14:modId xmlns:p14="http://schemas.microsoft.com/office/powerpoint/2010/main" val="3713875213"/>
               </p:ext>
             </p:extLst>
           </p:nvPr>
@@ -7155,7 +7155,22 @@
                       <a:pPr algn="ctr"/>
                       <a:r>
                         <a:rPr lang="en-US" altLang="zh-TW" dirty="0"/>
-                        <a:t>H</a:t>
+                        <a:t>F</a:t>
+                      </a:r>
+                      <a:endParaRPr lang="zh-TW" altLang="en-US" dirty="0"/>
+                    </a:p>
+                  </a:txBody>
+                  <a:tcPr/>
+                </a:tc>
+                <a:tc>
+                  <a:txBody>
+                    <a:bodyPr/>
+                    <a:lstStyle/>
+                    <a:p>
+                      <a:pPr algn="ctr"/>
+                      <a:r>
+                        <a:rPr lang="en-US" altLang="zh-TW" dirty="0" err="1"/>
+                        <a:t>i</a:t>
                       </a:r>
                       <a:endParaRPr lang="zh-TW" altLang="en-US" dirty="0"/>
                     </a:p>
@@ -7170,7 +7185,82 @@
                       <a:pPr algn="ctr"/>
                       <a:r>
                         <a:rPr lang="en-US" altLang="zh-TW" dirty="0"/>
-                        <a:t>e</a:t>
+                        <a:t>r</a:t>
+                      </a:r>
+                      <a:endParaRPr lang="zh-TW" altLang="en-US" dirty="0"/>
+                    </a:p>
+                  </a:txBody>
+                  <a:tcPr/>
+                </a:tc>
+                <a:tc>
+                  <a:txBody>
+                    <a:bodyPr/>
+                    <a:lstStyle/>
+                    <a:p>
+                      <a:pPr algn="ctr"/>
+                      <a:r>
+                        <a:rPr lang="en-US" altLang="zh-TW" dirty="0"/>
+                        <a:t>s</a:t>
+                      </a:r>
+                      <a:endParaRPr lang="zh-TW" altLang="en-US" dirty="0"/>
+                    </a:p>
+                  </a:txBody>
+                  <a:tcPr/>
+                </a:tc>
+                <a:tc>
+                  <a:txBody>
+                    <a:bodyPr/>
+                    <a:lstStyle/>
+                    <a:p>
+                      <a:pPr algn="ctr"/>
+                      <a:r>
+                        <a:rPr lang="en-US" altLang="zh-TW" dirty="0"/>
+                        <a:t>t</a:t>
+                      </a:r>
+                      <a:endParaRPr lang="zh-TW" altLang="en-US" dirty="0"/>
+                    </a:p>
+                  </a:txBody>
+                  <a:tcPr/>
+                </a:tc>
+                <a:tc>
+                  <a:txBody>
+                    <a:bodyPr/>
+                    <a:lstStyle/>
+                    <a:p>
+                      <a:pPr algn="ctr"/>
+                      <a:r>
+                        <a:rPr lang="en-US" altLang="zh-TW" dirty="0"/>
+                        <a:t>\n</a:t>
+                      </a:r>
+                      <a:endParaRPr lang="zh-TW" altLang="en-US" dirty="0"/>
+                    </a:p>
+                  </a:txBody>
+                  <a:tcPr/>
+                </a:tc>
+                <a:tc>
+                  <a:txBody>
+                    <a:bodyPr/>
+                    <a:lstStyle/>
+                    <a:p>
+                      <a:pPr algn="ctr"/>
+                      <a:r>
+                        <a:rPr lang="en-US" altLang="zh-TW" dirty="0"/>
+                        <a:t>f</a:t>
+                      </a:r>
+                      <a:endParaRPr lang="zh-TW" altLang="en-US" dirty="0"/>
+                    </a:p>
+                  </a:txBody>
+                  <a:tcPr/>
+                </a:tc>
+                <a:tc>
+                  <a:txBody>
+                    <a:bodyPr/>
+                    <a:lstStyle/>
+                    <a:p>
+                      <a:pPr algn="ctr"/>
+                      <a:r>
+                        <a:rPr lang="en-US" altLang="zh-TW" dirty="0" err="1"/>
+                        <a:t>i</a:t>
                       </a:r>
                       <a:endParaRPr lang="zh-TW" altLang="en-US" dirty="0"/>
                     </a:p>
@@ -7200,97 +7290,7 @@
                       <a:pPr algn="ctr"/>
                       <a:r>
                         <a:rPr lang="en-US" altLang="zh-TW" dirty="0"/>
-                        <a:t>l</a:t>
-                      </a:r>
-                      <a:endParaRPr lang="zh-TW" altLang="en-US" dirty="0"/>
-                    </a:p>
-                  </a:txBody>
-                  <a:tcPr/>
-                </a:tc>
-                <a:tc>
-                  <a:txBody>
-                    <a:bodyPr/>
-                    <a:lstStyle/>
-                    <a:p>
-                      <a:pPr algn="ctr"/>
-                      <a:r>
-                        <a:rPr lang="en-US" altLang="zh-TW" dirty="0"/>
-                        <a:t>o</a:t>
-                      </a:r>
-                      <a:endParaRPr lang="zh-TW" altLang="en-US" dirty="0"/>
-                    </a:p>
-                  </a:txBody>
-                  <a:tcPr/>
-                </a:tc>
-                <a:tc>
-                  <a:txBody>
-                    <a:bodyPr/>
-                    <a:lstStyle/>
-                    <a:p>
-                      <a:pPr algn="ctr"/>
-                      <a:r>
-                        <a:rPr lang="en-US" altLang="zh-TW" dirty="0"/>
-                        <a:t>\n</a:t>
-                      </a:r>
-                      <a:endParaRPr lang="zh-TW" altLang="en-US" dirty="0"/>
-                    </a:p>
-                  </a:txBody>
-                  <a:tcPr/>
-                </a:tc>
-                <a:tc>
-                  <a:txBody>
-                    <a:bodyPr/>
-                    <a:lstStyle/>
-                    <a:p>
-                      <a:pPr algn="ctr"/>
-                      <a:r>
-                        <a:rPr lang="en-US" altLang="zh-TW" dirty="0"/>
-                        <a:t>w</a:t>
-                      </a:r>
-                      <a:endParaRPr lang="zh-TW" altLang="en-US" dirty="0"/>
-                    </a:p>
-                  </a:txBody>
-                  <a:tcPr/>
-                </a:tc>
-                <a:tc>
-                  <a:txBody>
-                    <a:bodyPr/>
-                    <a:lstStyle/>
-                    <a:p>
-                      <a:pPr algn="ctr"/>
-                      <a:r>
-                        <a:rPr lang="en-US" altLang="zh-TW" dirty="0"/>
-                        <a:t>o</a:t>
-                      </a:r>
-                      <a:endParaRPr lang="zh-TW" altLang="en-US" dirty="0"/>
-                    </a:p>
-                  </a:txBody>
-                  <a:tcPr/>
-                </a:tc>
-                <a:tc>
-                  <a:txBody>
-                    <a:bodyPr/>
-                    <a:lstStyle/>
-                    <a:p>
-                      <a:pPr algn="ctr"/>
-                      <a:r>
-                        <a:rPr lang="en-US" altLang="zh-TW" dirty="0"/>
-                        <a:t>r</a:t>
-                      </a:r>
-                      <a:endParaRPr lang="zh-TW" altLang="en-US" dirty="0"/>
-                    </a:p>
-                  </a:txBody>
-                  <a:tcPr/>
-                </a:tc>
-                <a:tc>
-                  <a:txBody>
-                    <a:bodyPr/>
-                    <a:lstStyle/>
-                    <a:p>
-                      <a:pPr algn="ctr"/>
-                      <a:r>
-                        <a:rPr lang="en-US" altLang="zh-TW" dirty="0"/>
-                        <a:t>d</a:t>
+                        <a:t>e</a:t>
                       </a:r>
                       <a:endParaRPr lang="zh-TW" altLang="en-US" dirty="0"/>
                     </a:p>
@@ -7550,7 +7550,7 @@
           <p:nvPr>
             <p:extLst>
               <p:ext uri="{D42A27DB-BD31-4B8C-83A1-F6EECF244321}">
-                <p14:modId xmlns:p14="http://schemas.microsoft.com/office/powerpoint/2010/main" val="4243000996"/>
+                <p14:modId xmlns:p14="http://schemas.microsoft.com/office/powerpoint/2010/main" val="477014679"/>
               </p:ext>
             </p:extLst>
           </p:nvPr>
@@ -7653,7 +7653,22 @@
                       <a:pPr algn="ctr"/>
                       <a:r>
                         <a:rPr lang="en-US" altLang="zh-TW" dirty="0"/>
-                        <a:t>H</a:t>
+                        <a:t>F</a:t>
+                      </a:r>
+                      <a:endParaRPr lang="zh-TW" altLang="en-US" dirty="0"/>
+                    </a:p>
+                  </a:txBody>
+                  <a:tcPr/>
+                </a:tc>
+                <a:tc>
+                  <a:txBody>
+                    <a:bodyPr/>
+                    <a:lstStyle/>
+                    <a:p>
+                      <a:pPr algn="ctr"/>
+                      <a:r>
+                        <a:rPr lang="en-US" altLang="zh-TW" dirty="0" err="1"/>
+                        <a:t>i</a:t>
                       </a:r>
                       <a:endParaRPr lang="zh-TW" altLang="en-US" dirty="0"/>
                     </a:p>
@@ -7668,7 +7683,82 @@
                       <a:pPr algn="ctr"/>
                       <a:r>
                         <a:rPr lang="en-US" altLang="zh-TW" dirty="0"/>
-                        <a:t>e</a:t>
+                        <a:t>r</a:t>
+                      </a:r>
+                      <a:endParaRPr lang="zh-TW" altLang="en-US" dirty="0"/>
+                    </a:p>
+                  </a:txBody>
+                  <a:tcPr/>
+                </a:tc>
+                <a:tc>
+                  <a:txBody>
+                    <a:bodyPr/>
+                    <a:lstStyle/>
+                    <a:p>
+                      <a:pPr algn="ctr"/>
+                      <a:r>
+                        <a:rPr lang="en-US" altLang="zh-TW" dirty="0"/>
+                        <a:t>s</a:t>
+                      </a:r>
+                      <a:endParaRPr lang="zh-TW" altLang="en-US" dirty="0"/>
+                    </a:p>
+                  </a:txBody>
+                  <a:tcPr/>
+                </a:tc>
+                <a:tc>
+                  <a:txBody>
+                    <a:bodyPr/>
+                    <a:lstStyle/>
+                    <a:p>
+                      <a:pPr algn="ctr"/>
+                      <a:r>
+                        <a:rPr lang="en-US" altLang="zh-TW" dirty="0"/>
+                        <a:t>t</a:t>
+                      </a:r>
+                      <a:endParaRPr lang="zh-TW" altLang="en-US" dirty="0"/>
+                    </a:p>
+                  </a:txBody>
+                  <a:tcPr/>
+                </a:tc>
+                <a:tc>
+                  <a:txBody>
+                    <a:bodyPr/>
+                    <a:lstStyle/>
+                    <a:p>
+                      <a:pPr algn="ctr"/>
+                      <a:r>
+                        <a:rPr lang="en-US" altLang="zh-TW" dirty="0"/>
+                        <a:t>\n</a:t>
+                      </a:r>
+                      <a:endParaRPr lang="zh-TW" altLang="en-US" dirty="0"/>
+                    </a:p>
+                  </a:txBody>
+                  <a:tcPr/>
+                </a:tc>
+                <a:tc>
+                  <a:txBody>
+                    <a:bodyPr/>
+                    <a:lstStyle/>
+                    <a:p>
+                      <a:pPr algn="ctr"/>
+                      <a:r>
+                        <a:rPr lang="en-US" altLang="zh-TW" dirty="0"/>
+                        <a:t>f</a:t>
+                      </a:r>
+                      <a:endParaRPr lang="zh-TW" altLang="en-US" dirty="0"/>
+                    </a:p>
+                  </a:txBody>
+                  <a:tcPr/>
+                </a:tc>
+                <a:tc>
+                  <a:txBody>
+                    <a:bodyPr/>
+                    <a:lstStyle/>
+                    <a:p>
+                      <a:pPr algn="ctr"/>
+                      <a:r>
+                        <a:rPr lang="en-US" altLang="zh-TW" dirty="0" err="1"/>
+                        <a:t>i</a:t>
                       </a:r>
                       <a:endParaRPr lang="zh-TW" altLang="en-US" dirty="0"/>
                     </a:p>
@@ -7698,97 +7788,7 @@
                       <a:pPr algn="ctr"/>
                       <a:r>
                         <a:rPr lang="en-US" altLang="zh-TW" dirty="0"/>
-                        <a:t>l</a:t>
-                      </a:r>
-                      <a:endParaRPr lang="zh-TW" altLang="en-US" dirty="0"/>
-                    </a:p>
-                  </a:txBody>
-                  <a:tcPr/>
-                </a:tc>
-                <a:tc>
-                  <a:txBody>
-                    <a:bodyPr/>
-                    <a:lstStyle/>
-                    <a:p>
-                      <a:pPr algn="ctr"/>
-                      <a:r>
-                        <a:rPr lang="en-US" altLang="zh-TW" dirty="0"/>
-                        <a:t>o</a:t>
-                      </a:r>
-                      <a:endParaRPr lang="zh-TW" altLang="en-US" dirty="0"/>
-                    </a:p>
-                  </a:txBody>
-                  <a:tcPr/>
-                </a:tc>
-                <a:tc>
-                  <a:txBody>
-                    <a:bodyPr/>
-                    <a:lstStyle/>
-                    <a:p>
-                      <a:pPr algn="ctr"/>
-                      <a:r>
-                        <a:rPr lang="en-US" altLang="zh-TW" dirty="0"/>
-                        <a:t>\n</a:t>
-                      </a:r>
-                      <a:endParaRPr lang="zh-TW" altLang="en-US" dirty="0"/>
-                    </a:p>
-                  </a:txBody>
-                  <a:tcPr/>
-                </a:tc>
-                <a:tc>
-                  <a:txBody>
-                    <a:bodyPr/>
-                    <a:lstStyle/>
-                    <a:p>
-                      <a:pPr algn="ctr"/>
-                      <a:r>
-                        <a:rPr lang="en-US" altLang="zh-TW" dirty="0"/>
-                        <a:t>w</a:t>
-                      </a:r>
-                      <a:endParaRPr lang="zh-TW" altLang="en-US" dirty="0"/>
-                    </a:p>
-                  </a:txBody>
-                  <a:tcPr/>
-                </a:tc>
-                <a:tc>
-                  <a:txBody>
-                    <a:bodyPr/>
-                    <a:lstStyle/>
-                    <a:p>
-                      <a:pPr algn="ctr"/>
-                      <a:r>
-                        <a:rPr lang="en-US" altLang="zh-TW" dirty="0"/>
-                        <a:t>o</a:t>
-                      </a:r>
-                      <a:endParaRPr lang="zh-TW" altLang="en-US" dirty="0"/>
-                    </a:p>
-                  </a:txBody>
-                  <a:tcPr/>
-                </a:tc>
-                <a:tc>
-                  <a:txBody>
-                    <a:bodyPr/>
-                    <a:lstStyle/>
-                    <a:p>
-                      <a:pPr algn="ctr"/>
-                      <a:r>
-                        <a:rPr lang="en-US" altLang="zh-TW" dirty="0"/>
-                        <a:t>r</a:t>
-                      </a:r>
-                      <a:endParaRPr lang="zh-TW" altLang="en-US" dirty="0"/>
-                    </a:p>
-                  </a:txBody>
-                  <a:tcPr/>
-                </a:tc>
-                <a:tc>
-                  <a:txBody>
-                    <a:bodyPr/>
-                    <a:lstStyle/>
-                    <a:p>
-                      <a:pPr algn="ctr"/>
-                      <a:r>
-                        <a:rPr lang="en-US" altLang="zh-TW" dirty="0"/>
-                        <a:t>d</a:t>
+                        <a:t>e</a:t>
                       </a:r>
                       <a:endParaRPr lang="zh-TW" altLang="en-US" dirty="0"/>
                     </a:p>
@@ -7976,7 +7976,7 @@
             <p:ph idx="1"/>
             <p:extLst>
               <p:ext uri="{D42A27DB-BD31-4B8C-83A1-F6EECF244321}">
-                <p14:modId xmlns:p14="http://schemas.microsoft.com/office/powerpoint/2010/main" val="3520757051"/>
+                <p14:modId xmlns:p14="http://schemas.microsoft.com/office/powerpoint/2010/main" val="2143764249"/>
               </p:ext>
             </p:extLst>
           </p:nvPr>
@@ -8079,7 +8079,22 @@
                       <a:pPr algn="ctr"/>
                       <a:r>
                         <a:rPr lang="en-US" altLang="zh-TW" dirty="0"/>
-                        <a:t>H</a:t>
+                        <a:t>F</a:t>
+                      </a:r>
+                      <a:endParaRPr lang="zh-TW" altLang="en-US" dirty="0"/>
+                    </a:p>
+                  </a:txBody>
+                  <a:tcPr/>
+                </a:tc>
+                <a:tc>
+                  <a:txBody>
+                    <a:bodyPr/>
+                    <a:lstStyle/>
+                    <a:p>
+                      <a:pPr algn="ctr"/>
+                      <a:r>
+                        <a:rPr lang="en-US" altLang="zh-TW" dirty="0" err="1"/>
+                        <a:t>i</a:t>
                       </a:r>
                       <a:endParaRPr lang="zh-TW" altLang="en-US" dirty="0"/>
                     </a:p>
@@ -8094,7 +8109,82 @@
                       <a:pPr algn="ctr"/>
                       <a:r>
                         <a:rPr lang="en-US" altLang="zh-TW" dirty="0"/>
-                        <a:t>e</a:t>
+                        <a:t>r</a:t>
+                      </a:r>
+                      <a:endParaRPr lang="zh-TW" altLang="en-US" dirty="0"/>
+                    </a:p>
+                  </a:txBody>
+                  <a:tcPr/>
+                </a:tc>
+                <a:tc>
+                  <a:txBody>
+                    <a:bodyPr/>
+                    <a:lstStyle/>
+                    <a:p>
+                      <a:pPr algn="ctr"/>
+                      <a:r>
+                        <a:rPr lang="en-US" altLang="zh-TW" dirty="0"/>
+                        <a:t>s</a:t>
+                      </a:r>
+                      <a:endParaRPr lang="zh-TW" altLang="en-US" dirty="0"/>
+                    </a:p>
+                  </a:txBody>
+                  <a:tcPr/>
+                </a:tc>
+                <a:tc>
+                  <a:txBody>
+                    <a:bodyPr/>
+                    <a:lstStyle/>
+                    <a:p>
+                      <a:pPr algn="ctr"/>
+                      <a:r>
+                        <a:rPr lang="en-US" altLang="zh-TW" dirty="0"/>
+                        <a:t>t</a:t>
+                      </a:r>
+                      <a:endParaRPr lang="zh-TW" altLang="en-US" dirty="0"/>
+                    </a:p>
+                  </a:txBody>
+                  <a:tcPr/>
+                </a:tc>
+                <a:tc>
+                  <a:txBody>
+                    <a:bodyPr/>
+                    <a:lstStyle/>
+                    <a:p>
+                      <a:pPr algn="ctr"/>
+                      <a:r>
+                        <a:rPr lang="en-US" altLang="zh-TW" dirty="0"/>
+                        <a:t>\n</a:t>
+                      </a:r>
+                      <a:endParaRPr lang="zh-TW" altLang="en-US" dirty="0"/>
+                    </a:p>
+                  </a:txBody>
+                  <a:tcPr/>
+                </a:tc>
+                <a:tc>
+                  <a:txBody>
+                    <a:bodyPr/>
+                    <a:lstStyle/>
+                    <a:p>
+                      <a:pPr algn="ctr"/>
+                      <a:r>
+                        <a:rPr lang="en-US" altLang="zh-TW" dirty="0"/>
+                        <a:t>f</a:t>
+                      </a:r>
+                      <a:endParaRPr lang="zh-TW" altLang="en-US" dirty="0"/>
+                    </a:p>
+                  </a:txBody>
+                  <a:tcPr/>
+                </a:tc>
+                <a:tc>
+                  <a:txBody>
+                    <a:bodyPr/>
+                    <a:lstStyle/>
+                    <a:p>
+                      <a:pPr algn="ctr"/>
+                      <a:r>
+                        <a:rPr lang="en-US" altLang="zh-TW" dirty="0" err="1"/>
+                        <a:t>i</a:t>
                       </a:r>
                       <a:endParaRPr lang="zh-TW" altLang="en-US" dirty="0"/>
                     </a:p>
@@ -8124,97 +8214,7 @@
                       <a:pPr algn="ctr"/>
                       <a:r>
                         <a:rPr lang="en-US" altLang="zh-TW" dirty="0"/>
-                        <a:t>l</a:t>
-                      </a:r>
-                      <a:endParaRPr lang="zh-TW" altLang="en-US" dirty="0"/>
-                    </a:p>
-                  </a:txBody>
-                  <a:tcPr/>
-                </a:tc>
-                <a:tc>
-                  <a:txBody>
-                    <a:bodyPr/>
-                    <a:lstStyle/>
-                    <a:p>
-                      <a:pPr algn="ctr"/>
-                      <a:r>
-                        <a:rPr lang="en-US" altLang="zh-TW" dirty="0"/>
-                        <a:t>o</a:t>
-                      </a:r>
-                      <a:endParaRPr lang="zh-TW" altLang="en-US" dirty="0"/>
-                    </a:p>
-                  </a:txBody>
-                  <a:tcPr/>
-                </a:tc>
-                <a:tc>
-                  <a:txBody>
-                    <a:bodyPr/>
-                    <a:lstStyle/>
-                    <a:p>
-                      <a:pPr algn="ctr"/>
-                      <a:r>
-                        <a:rPr lang="en-US" altLang="zh-TW" dirty="0"/>
-                        <a:t>\n</a:t>
-                      </a:r>
-                      <a:endParaRPr lang="zh-TW" altLang="en-US" dirty="0"/>
-                    </a:p>
-                  </a:txBody>
-                  <a:tcPr/>
-                </a:tc>
-                <a:tc>
-                  <a:txBody>
-                    <a:bodyPr/>
-                    <a:lstStyle/>
-                    <a:p>
-                      <a:pPr algn="ctr"/>
-                      <a:r>
-                        <a:rPr lang="en-US" altLang="zh-TW" dirty="0"/>
-                        <a:t>w</a:t>
-                      </a:r>
-                      <a:endParaRPr lang="zh-TW" altLang="en-US" dirty="0"/>
-                    </a:p>
-                  </a:txBody>
-                  <a:tcPr/>
-                </a:tc>
-                <a:tc>
-                  <a:txBody>
-                    <a:bodyPr/>
-                    <a:lstStyle/>
-                    <a:p>
-                      <a:pPr algn="ctr"/>
-                      <a:r>
-                        <a:rPr lang="en-US" altLang="zh-TW" dirty="0"/>
-                        <a:t>o</a:t>
-                      </a:r>
-                      <a:endParaRPr lang="zh-TW" altLang="en-US" dirty="0"/>
-                    </a:p>
-                  </a:txBody>
-                  <a:tcPr/>
-                </a:tc>
-                <a:tc>
-                  <a:txBody>
-                    <a:bodyPr/>
-                    <a:lstStyle/>
-                    <a:p>
-                      <a:pPr algn="ctr"/>
-                      <a:r>
-                        <a:rPr lang="en-US" altLang="zh-TW" dirty="0"/>
-                        <a:t>r</a:t>
-                      </a:r>
-                      <a:endParaRPr lang="zh-TW" altLang="en-US" dirty="0"/>
-                    </a:p>
-                  </a:txBody>
-                  <a:tcPr/>
-                </a:tc>
-                <a:tc>
-                  <a:txBody>
-                    <a:bodyPr/>
-                    <a:lstStyle/>
-                    <a:p>
-                      <a:pPr algn="ctr"/>
-                      <a:r>
-                        <a:rPr lang="en-US" altLang="zh-TW" dirty="0"/>
-                        <a:t>d</a:t>
+                        <a:t>e</a:t>
                       </a:r>
                       <a:endParaRPr lang="zh-TW" altLang="en-US" dirty="0"/>
                     </a:p>
@@ -8474,7 +8474,7 @@
           <p:nvPr>
             <p:extLst>
               <p:ext uri="{D42A27DB-BD31-4B8C-83A1-F6EECF244321}">
-                <p14:modId xmlns:p14="http://schemas.microsoft.com/office/powerpoint/2010/main" val="2216112916"/>
+                <p14:modId xmlns:p14="http://schemas.microsoft.com/office/powerpoint/2010/main" val="1100092370"/>
               </p:ext>
             </p:extLst>
           </p:nvPr>
@@ -8542,7 +8542,22 @@
                       <a:pPr algn="ctr"/>
                       <a:r>
                         <a:rPr lang="en-US" altLang="zh-TW" dirty="0"/>
-                        <a:t>H</a:t>
+                        <a:t>F</a:t>
+                      </a:r>
+                      <a:endParaRPr lang="zh-TW" altLang="en-US" dirty="0"/>
+                    </a:p>
+                  </a:txBody>
+                  <a:tcPr/>
+                </a:tc>
+                <a:tc>
+                  <a:txBody>
+                    <a:bodyPr/>
+                    <a:lstStyle/>
+                    <a:p>
+                      <a:pPr algn="ctr"/>
+                      <a:r>
+                        <a:rPr lang="en-US" altLang="zh-TW" dirty="0" err="1"/>
+                        <a:t>i</a:t>
                       </a:r>
                       <a:endParaRPr lang="zh-TW" altLang="en-US" dirty="0"/>
                     </a:p>
@@ -8557,7 +8572,7 @@
                       <a:pPr algn="ctr"/>
                       <a:r>
                         <a:rPr lang="en-US" altLang="zh-TW" dirty="0"/>
-                        <a:t>e</a:t>
+                        <a:t>r</a:t>
                       </a:r>
                       <a:endParaRPr lang="zh-TW" altLang="en-US" dirty="0"/>
                     </a:p>
@@ -8572,7 +8587,7 @@
                       <a:pPr algn="ctr"/>
                       <a:r>
                         <a:rPr lang="en-US" altLang="zh-TW" dirty="0"/>
-                        <a:t>l</a:t>
+                        <a:t>s</a:t>
                       </a:r>
                       <a:endParaRPr lang="zh-TW" altLang="en-US" dirty="0"/>
                     </a:p>
@@ -8587,22 +8602,7 @@
                       <a:pPr algn="ctr"/>
                       <a:r>
                         <a:rPr lang="en-US" altLang="zh-TW" dirty="0"/>
-                        <a:t>l</a:t>
-                      </a:r>
-                      <a:endParaRPr lang="zh-TW" altLang="en-US" dirty="0"/>
-                    </a:p>
-                  </a:txBody>
-                  <a:tcPr/>
-                </a:tc>
-                <a:tc>
-                  <a:txBody>
-                    <a:bodyPr/>
-                    <a:lstStyle/>
-                    <a:p>
-                      <a:pPr algn="ctr"/>
-                      <a:r>
-                        <a:rPr lang="en-US" altLang="zh-TW" dirty="0"/>
-                        <a:t>o</a:t>
+                        <a:t>t</a:t>
                       </a:r>
                       <a:endParaRPr lang="zh-TW" altLang="en-US" dirty="0"/>
                     </a:p>
@@ -8695,7 +8695,7 @@
           <p:nvPr>
             <p:extLst>
               <p:ext uri="{D42A27DB-BD31-4B8C-83A1-F6EECF244321}">
-                <p14:modId xmlns:p14="http://schemas.microsoft.com/office/powerpoint/2010/main" val="2422704676"/>
+                <p14:modId xmlns:p14="http://schemas.microsoft.com/office/powerpoint/2010/main" val="981742204"/>
               </p:ext>
             </p:extLst>
           </p:nvPr>
@@ -8763,7 +8763,22 @@
                       <a:pPr algn="ctr"/>
                       <a:r>
                         <a:rPr lang="en-US" altLang="zh-TW" dirty="0"/>
-                        <a:t>w</a:t>
+                        <a:t>f</a:t>
+                      </a:r>
+                      <a:endParaRPr lang="zh-TW" altLang="en-US" dirty="0"/>
+                    </a:p>
+                  </a:txBody>
+                  <a:tcPr/>
+                </a:tc>
+                <a:tc>
+                  <a:txBody>
+                    <a:bodyPr/>
+                    <a:lstStyle/>
+                    <a:p>
+                      <a:pPr algn="ctr"/>
+                      <a:r>
+                        <a:rPr lang="en-US" altLang="zh-TW" dirty="0" err="1"/>
+                        <a:t>i</a:t>
                       </a:r>
                       <a:endParaRPr lang="zh-TW" altLang="en-US" dirty="0"/>
                     </a:p>
@@ -8778,7 +8793,7 @@
                       <a:pPr algn="ctr"/>
                       <a:r>
                         <a:rPr lang="en-US" altLang="zh-TW" dirty="0"/>
-                        <a:t>o</a:t>
+                        <a:t>l</a:t>
                       </a:r>
                       <a:endParaRPr lang="zh-TW" altLang="en-US" dirty="0"/>
                     </a:p>
@@ -8793,22 +8808,7 @@
                       <a:pPr algn="ctr"/>
                       <a:r>
                         <a:rPr lang="en-US" altLang="zh-TW" dirty="0"/>
-                        <a:t>r</a:t>
-                      </a:r>
-                      <a:endParaRPr lang="zh-TW" altLang="en-US" dirty="0"/>
-                    </a:p>
-                  </a:txBody>
-                  <a:tcPr/>
-                </a:tc>
-                <a:tc>
-                  <a:txBody>
-                    <a:bodyPr/>
-                    <a:lstStyle/>
-                    <a:p>
-                      <a:pPr algn="ctr"/>
-                      <a:r>
-                        <a:rPr lang="en-US" altLang="zh-TW" dirty="0"/>
-                        <a:t>d</a:t>
+                        <a:t>e</a:t>
                       </a:r>
                       <a:endParaRPr lang="zh-TW" altLang="en-US" dirty="0"/>
                     </a:p>
@@ -9081,7 +9081,7 @@
           <p:nvPr>
             <p:extLst>
               <p:ext uri="{D42A27DB-BD31-4B8C-83A1-F6EECF244321}">
-                <p14:modId xmlns:p14="http://schemas.microsoft.com/office/powerpoint/2010/main" val="812287407"/>
+                <p14:modId xmlns:p14="http://schemas.microsoft.com/office/powerpoint/2010/main" val="1092521156"/>
               </p:ext>
             </p:extLst>
           </p:nvPr>
@@ -9149,7 +9149,22 @@
                       <a:pPr algn="ctr"/>
                       <a:r>
                         <a:rPr lang="en-US" altLang="zh-TW" dirty="0"/>
-                        <a:t>H</a:t>
+                        <a:t>F</a:t>
+                      </a:r>
+                      <a:endParaRPr lang="zh-TW" altLang="en-US" dirty="0"/>
+                    </a:p>
+                  </a:txBody>
+                  <a:tcPr/>
+                </a:tc>
+                <a:tc>
+                  <a:txBody>
+                    <a:bodyPr/>
+                    <a:lstStyle/>
+                    <a:p>
+                      <a:pPr algn="ctr"/>
+                      <a:r>
+                        <a:rPr lang="en-US" altLang="zh-TW" dirty="0" err="1"/>
+                        <a:t>i</a:t>
                       </a:r>
                       <a:endParaRPr lang="zh-TW" altLang="en-US" dirty="0"/>
                     </a:p>
@@ -9164,7 +9179,7 @@
                       <a:pPr algn="ctr"/>
                       <a:r>
                         <a:rPr lang="en-US" altLang="zh-TW" dirty="0"/>
-                        <a:t>e</a:t>
+                        <a:t>r</a:t>
                       </a:r>
                       <a:endParaRPr lang="zh-TW" altLang="en-US" dirty="0"/>
                     </a:p>
@@ -9179,7 +9194,7 @@
                       <a:pPr algn="ctr"/>
                       <a:r>
                         <a:rPr lang="en-US" altLang="zh-TW" dirty="0"/>
-                        <a:t>l</a:t>
+                        <a:t>s</a:t>
                       </a:r>
                       <a:endParaRPr lang="zh-TW" altLang="en-US" dirty="0"/>
                     </a:p>
@@ -9194,22 +9209,7 @@
                       <a:pPr algn="ctr"/>
                       <a:r>
                         <a:rPr lang="en-US" altLang="zh-TW" dirty="0"/>
-                        <a:t>l</a:t>
-                      </a:r>
-                      <a:endParaRPr lang="zh-TW" altLang="en-US" dirty="0"/>
-                    </a:p>
-                  </a:txBody>
-                  <a:tcPr/>
-                </a:tc>
-                <a:tc>
-                  <a:txBody>
-                    <a:bodyPr/>
-                    <a:lstStyle/>
-                    <a:p>
-                      <a:pPr algn="ctr"/>
-                      <a:r>
-                        <a:rPr lang="en-US" altLang="zh-TW" dirty="0"/>
-                        <a:t>o</a:t>
+                        <a:t>t</a:t>
                       </a:r>
                       <a:endParaRPr lang="zh-TW" altLang="en-US" dirty="0"/>
                     </a:p>
@@ -9302,7 +9302,7 @@
           <p:nvPr>
             <p:extLst>
               <p:ext uri="{D42A27DB-BD31-4B8C-83A1-F6EECF244321}">
-                <p14:modId xmlns:p14="http://schemas.microsoft.com/office/powerpoint/2010/main" val="1466534780"/>
+                <p14:modId xmlns:p14="http://schemas.microsoft.com/office/powerpoint/2010/main" val="1621462186"/>
               </p:ext>
             </p:extLst>
           </p:nvPr>
@@ -9370,7 +9370,22 @@
                       <a:pPr algn="ctr"/>
                       <a:r>
                         <a:rPr lang="en-US" altLang="zh-TW" dirty="0"/>
-                        <a:t>w</a:t>
+                        <a:t>f</a:t>
+                      </a:r>
+                      <a:endParaRPr lang="zh-TW" altLang="en-US" dirty="0"/>
+                    </a:p>
+                  </a:txBody>
+                  <a:tcPr/>
+                </a:tc>
+                <a:tc>
+                  <a:txBody>
+                    <a:bodyPr/>
+                    <a:lstStyle/>
+                    <a:p>
+                      <a:pPr algn="ctr"/>
+                      <a:r>
+                        <a:rPr lang="en-US" altLang="zh-TW" dirty="0" err="1"/>
+                        <a:t>i</a:t>
                       </a:r>
                       <a:endParaRPr lang="zh-TW" altLang="en-US" dirty="0"/>
                     </a:p>
@@ -9385,7 +9400,7 @@
                       <a:pPr algn="ctr"/>
                       <a:r>
                         <a:rPr lang="en-US" altLang="zh-TW" dirty="0"/>
-                        <a:t>o</a:t>
+                        <a:t>l</a:t>
                       </a:r>
                       <a:endParaRPr lang="zh-TW" altLang="en-US" dirty="0"/>
                     </a:p>
@@ -9400,22 +9415,7 @@
                       <a:pPr algn="ctr"/>
                       <a:r>
                         <a:rPr lang="en-US" altLang="zh-TW" dirty="0"/>
-                        <a:t>r</a:t>
-                      </a:r>
-                      <a:endParaRPr lang="zh-TW" altLang="en-US" dirty="0"/>
-                    </a:p>
-                  </a:txBody>
-                  <a:tcPr/>
-                </a:tc>
-                <a:tc>
-                  <a:txBody>
-                    <a:bodyPr/>
-                    <a:lstStyle/>
-                    <a:p>
-                      <a:pPr algn="ctr"/>
-                      <a:r>
-                        <a:rPr lang="en-US" altLang="zh-TW" dirty="0"/>
-                        <a:t>d</a:t>
+                        <a:t>e</a:t>
                       </a:r>
                       <a:endParaRPr lang="zh-TW" altLang="en-US" dirty="0"/>
                     </a:p>
